--- a/labs/WSAA6DR8.4 Flask data_ed.pptx
+++ b/labs/WSAA6DR8.4 Flask data_ed.pptx
@@ -67,20 +67,17 @@
             <a:noAutofit/>
           </a:bodyPr>
           <a:p>
-            <a:r>
-              <a:rPr b="0" lang="en-US" sz="1800" spc="-1" strike="noStrike">
-                <a:solidFill>
-                  <a:srgbClr val="000000"/>
-                </a:solidFill>
-                <a:latin typeface="Rockwell"/>
+            <a:pPr algn="ctr">
+              <a:buNone/>
+            </a:pPr>
+            <a:r>
+              <a:rPr b="0" lang="en-IE" sz="4400" spc="-1" strike="noStrike">
+                <a:latin typeface="Arial"/>
               </a:rPr>
               <a:t>Click to move the slide</a:t>
             </a:r>
-            <a:endParaRPr b="0" lang="en-US" sz="1800" spc="-1" strike="noStrike">
-              <a:solidFill>
-                <a:srgbClr val="000000"/>
-              </a:solidFill>
-              <a:latin typeface="Rockwell"/>
+            <a:endParaRPr b="0" lang="en-IE" sz="4400" spc="-1" strike="noStrike">
+              <a:latin typeface="Arial"/>
             </a:endParaRPr>
           </a:p>
         </p:txBody>
@@ -302,7 +299,7 @@
             <a:pPr algn="r">
               <a:buNone/>
             </a:pPr>
-            <a:fld id="{A9687EE6-7C9E-4CF2-AE86-0C27C0FE7A21}" type="slidenum">
+            <a:fld id="{B72A0038-8165-437D-BD25-1F29888B3C44}" type="slidenum">
               <a:rPr b="0" lang="en-IE" sz="1400" spc="-1" strike="noStrike">
                 <a:latin typeface="Times New Roman"/>
               </a:rPr>
@@ -350,7 +347,7 @@
         <p:spPr>
           <a:xfrm>
             <a:off x="216000" y="812520"/>
-            <a:ext cx="7127280" cy="4008960"/>
+            <a:ext cx="7126920" cy="4008600"/>
           </a:xfrm>
           <a:prstGeom prst="rect">
             <a:avLst/>
@@ -373,7 +370,7 @@
         <p:spPr>
           <a:xfrm>
             <a:off x="756000" y="5078520"/>
-            <a:ext cx="6047640" cy="4811040"/>
+            <a:ext cx="6047280" cy="4810680"/>
           </a:xfrm>
           <a:prstGeom prst="rect">
             <a:avLst/>
@@ -388,6 +385,12 @@
             <a:noAutofit/>
           </a:bodyPr>
           <a:p>
+            <a:pPr marL="216000" indent="-216000">
+              <a:lnSpc>
+                <a:spcPct val="100000"/>
+              </a:lnSpc>
+              <a:buNone/>
+            </a:pPr>
             <a:r>
               <a:rPr b="0" lang="en-IE" sz="2000" spc="-1" strike="noStrike">
                 <a:latin typeface="Arial"/>
@@ -435,7 +438,7 @@
         <p:spPr>
           <a:xfrm>
             <a:off x="216000" y="812520"/>
-            <a:ext cx="7127280" cy="4008960"/>
+            <a:ext cx="7126920" cy="4008600"/>
           </a:xfrm>
           <a:prstGeom prst="rect">
             <a:avLst/>
@@ -458,7 +461,7 @@
         <p:spPr>
           <a:xfrm>
             <a:off x="180000" y="5005080"/>
-            <a:ext cx="7155000" cy="5479920"/>
+            <a:ext cx="7154640" cy="5479560"/>
           </a:xfrm>
           <a:prstGeom prst="rect">
             <a:avLst/>
@@ -473,6 +476,12 @@
             <a:noAutofit/>
           </a:bodyPr>
           <a:p>
+            <a:pPr marL="216000" indent="-216000">
+              <a:lnSpc>
+                <a:spcPct val="100000"/>
+              </a:lnSpc>
+              <a:buNone/>
+            </a:pPr>
             <a:r>
               <a:rPr b="0" lang="en-IE" sz="2000" spc="-1" strike="noStrike">
                 <a:latin typeface="Arial"/>
@@ -484,6 +493,12 @@
             </a:endParaRPr>
           </a:p>
           <a:p>
+            <a:pPr marL="216000" indent="-216000">
+              <a:lnSpc>
+                <a:spcPct val="100000"/>
+              </a:lnSpc>
+              <a:buNone/>
+            </a:pPr>
             <a:r>
               <a:rPr b="0" lang="en-IE" sz="2000" spc="-1" strike="noStrike">
                 <a:latin typeface="Arial"/>
@@ -495,6 +510,12 @@
             </a:endParaRPr>
           </a:p>
           <a:p>
+            <a:pPr marL="216000" indent="-216000">
+              <a:lnSpc>
+                <a:spcPct val="100000"/>
+              </a:lnSpc>
+              <a:buNone/>
+            </a:pPr>
             <a:r>
               <a:rPr b="0" lang="en-IE" sz="2000" spc="-1" strike="noStrike">
                 <a:latin typeface="Arial"/>
@@ -512,11 +533,23 @@
             </a:endParaRPr>
           </a:p>
           <a:p>
+            <a:pPr marL="216000" indent="-216000">
+              <a:lnSpc>
+                <a:spcPct val="100000"/>
+              </a:lnSpc>
+              <a:buNone/>
+            </a:pPr>
             <a:endParaRPr b="0" lang="en-IE" sz="2000" spc="-1" strike="noStrike">
               <a:latin typeface="Arial"/>
             </a:endParaRPr>
           </a:p>
           <a:p>
+            <a:pPr marL="216000" indent="-216000">
+              <a:lnSpc>
+                <a:spcPct val="100000"/>
+              </a:lnSpc>
+              <a:buNone/>
+            </a:pPr>
             <a:endParaRPr b="0" lang="en-IE" sz="2000" spc="-1" strike="noStrike">
               <a:latin typeface="Arial"/>
             </a:endParaRPr>
@@ -558,7 +591,7 @@
         <p:spPr>
           <a:xfrm>
             <a:off x="216000" y="812520"/>
-            <a:ext cx="7127280" cy="4008960"/>
+            <a:ext cx="7126920" cy="4008600"/>
           </a:xfrm>
           <a:prstGeom prst="rect">
             <a:avLst/>
@@ -581,7 +614,7 @@
         <p:spPr>
           <a:xfrm>
             <a:off x="117360" y="4950000"/>
-            <a:ext cx="7352640" cy="5625000"/>
+            <a:ext cx="7352280" cy="5624640"/>
           </a:xfrm>
           <a:prstGeom prst="rect">
             <a:avLst/>
@@ -596,6 +629,12 @@
             <a:noAutofit/>
           </a:bodyPr>
           <a:p>
+            <a:pPr marL="216000" indent="-216000">
+              <a:lnSpc>
+                <a:spcPct val="100000"/>
+              </a:lnSpc>
+              <a:buNone/>
+            </a:pPr>
             <a:r>
               <a:rPr b="0" lang="en-IE" sz="1500" spc="-1" strike="noStrike">
                 <a:latin typeface="Arial"/>
@@ -607,11 +646,23 @@
             </a:endParaRPr>
           </a:p>
           <a:p>
+            <a:pPr marL="216000" indent="-216000">
+              <a:lnSpc>
+                <a:spcPct val="100000"/>
+              </a:lnSpc>
+              <a:buNone/>
+            </a:pPr>
             <a:endParaRPr b="0" lang="en-IE" sz="1500" spc="-1" strike="noStrike">
               <a:latin typeface="Arial"/>
             </a:endParaRPr>
           </a:p>
           <a:p>
+            <a:pPr marL="216000" indent="-216000">
+              <a:lnSpc>
+                <a:spcPct val="100000"/>
+              </a:lnSpc>
+              <a:buNone/>
+            </a:pPr>
             <a:r>
               <a:rPr b="0" lang="en-IE" sz="1500" spc="-1" strike="noStrike">
                 <a:latin typeface="Arial"/>
@@ -623,13 +674,392 @@
             </a:endParaRPr>
           </a:p>
           <a:p>
+            <a:pPr marL="216000" indent="-216000">
+              <a:lnSpc>
+                <a:spcPct val="100000"/>
+              </a:lnSpc>
+              <a:buNone/>
+            </a:pPr>
             <a:r>
               <a:rPr b="0" lang="en-IE" sz="1500" spc="-1" strike="noStrike">
                 <a:latin typeface="Arial"/>
               </a:rPr>
-              <a:t>I mean that's how website. That's it. You could basically take in a file, read through the file or do different things to the file. Why don't we go into practical and let me show you how you can take it in by arguments and by in a request body? I mean, I've already done the URL bit endpoint, so I'll create a new server</a:t>
+              <a:t>I mean that's how website. That's it. You could basically take in a file, read through the file or do different things to the file. Why don't we go into practical and let me show you how you can take it in by arguments and by in a request body? I mean, I've already done the URL bit endpoint, so I'll create a new server – go to my6c_server</a:t>
             </a:r>
             <a:endParaRPr b="0" lang="en-IE" sz="1500" spc="-1" strike="noStrike">
+              <a:latin typeface="Arial"/>
+            </a:endParaRPr>
+          </a:p>
+        </p:txBody>
+      </p:sp>
+    </p:spTree>
+  </p:cSld>
+</p:notes>
+</file>
+
+<file path=ppt/notesSlides/notesSlide4.xml><?xml version="1.0" encoding="utf-8"?>
+<p:notes xmlns:a="http://schemas.openxmlformats.org/drawingml/2006/main" xmlns:p="http://schemas.openxmlformats.org/presentationml/2006/main" xmlns:r="http://schemas.openxmlformats.org/officeDocument/2006/relationships" xmlns:p14="http://schemas.microsoft.com/office/powerpoint/2010/main" xmlns:p15="http://schemas.microsoft.com/office/powerpoint/2012/main" xmlns:mc="http://schemas.openxmlformats.org/markup-compatibility/2006">
+  <p:cSld>
+    <p:spTree>
+      <p:nvGrpSpPr>
+        <p:cNvPr id="1" name=""/>
+        <p:cNvGrpSpPr/>
+        <p:nvPr/>
+      </p:nvGrpSpPr>
+      <p:grpSpPr>
+        <a:xfrm>
+          <a:off x="0" y="0"/>
+          <a:ext cx="0" cy="0"/>
+          <a:chOff x="0" y="0"/>
+          <a:chExt cx="0" cy="0"/>
+        </a:xfrm>
+      </p:grpSpPr>
+      <p:sp>
+        <p:nvSpPr>
+          <p:cNvPr id="124" name="PlaceHolder 1"/>
+          <p:cNvSpPr>
+            <a:spLocks noGrp="1"/>
+          </p:cNvSpPr>
+          <p:nvPr>
+            <p:ph type="sldImg"/>
+          </p:nvPr>
+        </p:nvSpPr>
+        <p:spPr>
+          <a:xfrm>
+            <a:off x="216000" y="812520"/>
+            <a:ext cx="7127280" cy="4008960"/>
+          </a:xfrm>
+          <a:prstGeom prst="rect">
+            <a:avLst/>
+          </a:prstGeom>
+          <a:ln w="0">
+            <a:noFill/>
+          </a:ln>
+        </p:spPr>
+      </p:sp>
+      <p:sp>
+        <p:nvSpPr>
+          <p:cNvPr id="125" name="PlaceHolder 2"/>
+          <p:cNvSpPr>
+            <a:spLocks noGrp="1"/>
+          </p:cNvSpPr>
+          <p:nvPr>
+            <p:ph type="body"/>
+          </p:nvPr>
+        </p:nvSpPr>
+        <p:spPr>
+          <a:xfrm>
+            <a:off x="135000" y="5078520"/>
+            <a:ext cx="7290000" cy="5406480"/>
+          </a:xfrm>
+          <a:prstGeom prst="rect">
+            <a:avLst/>
+          </a:prstGeom>
+          <a:noFill/>
+          <a:ln w="0">
+            <a:noFill/>
+          </a:ln>
+        </p:spPr>
+        <p:txBody>
+          <a:bodyPr lIns="0" rIns="0" tIns="0" bIns="0" anchor="t">
+            <a:noAutofit/>
+          </a:bodyPr>
+          <a:p>
+            <a:r>
+              <a:rPr b="0" lang="en-IE" sz="1800" spc="-1" strike="noStrike">
+                <a:latin typeface="Arial"/>
+              </a:rPr>
+              <a:t>returning data before going to the boards.</a:t>
+            </a:r>
+            <a:endParaRPr b="0" lang="en-IE" sz="1800" spc="-1" strike="noStrike">
+              <a:latin typeface="Arial"/>
+            </a:endParaRPr>
+          </a:p>
+          <a:p>
+            <a:endParaRPr b="0" lang="en-IE" sz="1800" spc="-1" strike="noStrike">
+              <a:latin typeface="Arial"/>
+            </a:endParaRPr>
+          </a:p>
+          <a:p>
+            <a:r>
+              <a:rPr b="0" lang="en-IE" sz="1800" spc="-1" strike="noStrike">
+                <a:latin typeface="Arial"/>
+              </a:rPr>
+              <a:t>You can render templates. I don't recommend you render templates. Uh, a lot of help you'll see on flash when you do the project will be making templates. That's a lot of the sample code. I don't recommend that you do that. I'd much prefer of your server and just gave out JSON we'll template. I don't really want to go into it. Basically, templates are ways that Flask can create HTML pages on the fly.</a:t>
+            </a:r>
+            <a:endParaRPr b="0" lang="en-IE" sz="1800" spc="-1" strike="noStrike">
+              <a:latin typeface="Arial"/>
+            </a:endParaRPr>
+          </a:p>
+          <a:p>
+            <a:endParaRPr b="0" lang="en-IE" sz="1800" spc="-1" strike="noStrike">
+              <a:latin typeface="Arial"/>
+            </a:endParaRPr>
+          </a:p>
+          <a:p>
+            <a:r>
+              <a:rPr b="0" lang="en-IE" sz="1800" spc="-1" strike="noStrike">
+                <a:latin typeface="Arial"/>
+              </a:rPr>
+              <a:t>A much more robust Restful API is that your flash server only gives out and takes in Jason and that's a better way of doing it. So what you should do is if you want to give data back out to a client, you do it as JSON  and the static web page can use Ajax to get that data and do stuff.</a:t>
+            </a:r>
+            <a:endParaRPr b="0" lang="en-IE" sz="1800" spc="-1" strike="noStrike">
+              <a:latin typeface="Arial"/>
+            </a:endParaRPr>
+          </a:p>
+          <a:p>
+            <a:endParaRPr b="0" lang="en-IE" sz="1800" spc="-1" strike="noStrike">
+              <a:latin typeface="Arial"/>
+            </a:endParaRPr>
+          </a:p>
+          <a:p>
+            <a:r>
+              <a:rPr b="0" lang="en-IE" sz="1800" spc="-1" strike="noStrike">
+                <a:latin typeface="Arial"/>
+              </a:rPr>
+              <a:t>So we're going to use base return Jason. The function is jsonify,</a:t>
+            </a:r>
+            <a:endParaRPr b="0" lang="en-IE" sz="1800" spc="-1" strike="noStrike">
+              <a:latin typeface="Arial"/>
+            </a:endParaRPr>
+          </a:p>
+          <a:p>
+            <a:endParaRPr b="0" lang="en-IE" sz="1800" spc="-1" strike="noStrike">
+              <a:latin typeface="Arial"/>
+            </a:endParaRPr>
+          </a:p>
+          <a:p>
+            <a:r>
+              <a:rPr b="0" lang="en-IE" sz="1800" spc="-1" strike="noStrike">
+                <a:latin typeface="Arial"/>
+              </a:rPr>
+              <a:t>Try and keep these functions as short as possible. If there's lots you need to do, send them off to another function that's in another module at a service layer. This is basically basically just routing. Try and keep the routing as simple as simple as possible.</a:t>
+            </a:r>
+            <a:endParaRPr b="0" lang="en-IE" sz="1800" spc="-1" strike="noStrike">
+              <a:latin typeface="Arial"/>
+            </a:endParaRPr>
+          </a:p>
+        </p:txBody>
+      </p:sp>
+    </p:spTree>
+  </p:cSld>
+</p:notes>
+</file>
+
+<file path=ppt/notesSlides/notesSlide5.xml><?xml version="1.0" encoding="utf-8"?>
+<p:notes xmlns:a="http://schemas.openxmlformats.org/drawingml/2006/main" xmlns:p="http://schemas.openxmlformats.org/presentationml/2006/main" xmlns:r="http://schemas.openxmlformats.org/officeDocument/2006/relationships" xmlns:p14="http://schemas.microsoft.com/office/powerpoint/2010/main" xmlns:p15="http://schemas.microsoft.com/office/powerpoint/2012/main" xmlns:mc="http://schemas.openxmlformats.org/markup-compatibility/2006">
+  <p:cSld>
+    <p:spTree>
+      <p:nvGrpSpPr>
+        <p:cNvPr id="1" name=""/>
+        <p:cNvGrpSpPr/>
+        <p:nvPr/>
+      </p:nvGrpSpPr>
+      <p:grpSpPr>
+        <a:xfrm>
+          <a:off x="0" y="0"/>
+          <a:ext cx="0" cy="0"/>
+          <a:chOff x="0" y="0"/>
+          <a:chExt cx="0" cy="0"/>
+        </a:xfrm>
+      </p:grpSpPr>
+      <p:sp>
+        <p:nvSpPr>
+          <p:cNvPr id="126" name="PlaceHolder 1"/>
+          <p:cNvSpPr>
+            <a:spLocks noGrp="1"/>
+          </p:cNvSpPr>
+          <p:nvPr>
+            <p:ph type="sldImg"/>
+          </p:nvPr>
+        </p:nvSpPr>
+        <p:spPr>
+          <a:xfrm>
+            <a:off x="216000" y="812520"/>
+            <a:ext cx="7127280" cy="4008960"/>
+          </a:xfrm>
+          <a:prstGeom prst="rect">
+            <a:avLst/>
+          </a:prstGeom>
+          <a:ln w="0">
+            <a:noFill/>
+          </a:ln>
+        </p:spPr>
+      </p:sp>
+      <p:sp>
+        <p:nvSpPr>
+          <p:cNvPr id="127" name="PlaceHolder 2"/>
+          <p:cNvSpPr>
+            <a:spLocks noGrp="1"/>
+          </p:cNvSpPr>
+          <p:nvPr>
+            <p:ph type="body"/>
+          </p:nvPr>
+        </p:nvSpPr>
+        <p:spPr>
+          <a:xfrm>
+            <a:off x="755640" y="5078520"/>
+            <a:ext cx="6047280" cy="4810680"/>
+          </a:xfrm>
+          <a:prstGeom prst="rect">
+            <a:avLst/>
+          </a:prstGeom>
+          <a:noFill/>
+          <a:ln w="0">
+            <a:noFill/>
+          </a:ln>
+        </p:spPr>
+        <p:txBody>
+          <a:bodyPr lIns="0" rIns="0" tIns="0" bIns="0" anchor="t">
+            <a:noAutofit/>
+          </a:bodyPr>
+          <a:p>
+            <a:r>
+              <a:rPr b="0" lang="en-IE" sz="2000" spc="-1" strike="noStrike">
+                <a:latin typeface="Arial"/>
+              </a:rPr>
+              <a:t> </a:t>
+            </a:r>
+            <a:r>
+              <a:rPr b="0" lang="en-IE" sz="2000" spc="-1" strike="noStrike">
+                <a:latin typeface="Arial"/>
+              </a:rPr>
+              <a:t>I've already chatted about redirects and the URL four, and there's also very handy function called abort. So from flask import abort. So if you want to say abort for one uh that will send back a four one message uh, say the user is not the user is not valid. Or you can send back other messages depending on or status codes depending on what what's happening, you don't have to. You could write a bad Restful API that doesn't do the proper status codes. There are plenty of them out there that don't do proper status codes.</a:t>
+            </a:r>
+            <a:endParaRPr b="0" lang="en-IE" sz="2000" spc="-1" strike="noStrike">
+              <a:latin typeface="Arial"/>
+            </a:endParaRPr>
+          </a:p>
+          <a:p>
+            <a:endParaRPr b="0" lang="en-IE" sz="2000" spc="-1" strike="noStrike">
+              <a:latin typeface="Arial"/>
+            </a:endParaRPr>
+          </a:p>
+          <a:p>
+            <a:r>
+              <a:rPr b="0" lang="en-IE" sz="2000" spc="-1" strike="noStrike">
+                <a:latin typeface="Arial"/>
+              </a:rPr>
+              <a:t>But if you do want to send out status codes and nothing else, you can just do abort and that imports that request and sends out the status code.</a:t>
+            </a:r>
+            <a:endParaRPr b="0" lang="en-IE" sz="2000" spc="-1" strike="noStrike">
+              <a:latin typeface="Arial"/>
+            </a:endParaRPr>
+          </a:p>
+        </p:txBody>
+      </p:sp>
+    </p:spTree>
+  </p:cSld>
+</p:notes>
+</file>
+
+<file path=ppt/notesSlides/notesSlide6.xml><?xml version="1.0" encoding="utf-8"?>
+<p:notes xmlns:a="http://schemas.openxmlformats.org/drawingml/2006/main" xmlns:p="http://schemas.openxmlformats.org/presentationml/2006/main" xmlns:r="http://schemas.openxmlformats.org/officeDocument/2006/relationships" xmlns:p14="http://schemas.microsoft.com/office/powerpoint/2010/main" xmlns:p15="http://schemas.microsoft.com/office/powerpoint/2012/main" xmlns:mc="http://schemas.openxmlformats.org/markup-compatibility/2006">
+  <p:cSld>
+    <p:spTree>
+      <p:nvGrpSpPr>
+        <p:cNvPr id="1" name=""/>
+        <p:cNvGrpSpPr/>
+        <p:nvPr/>
+      </p:nvGrpSpPr>
+      <p:grpSpPr>
+        <a:xfrm>
+          <a:off x="0" y="0"/>
+          <a:ext cx="0" cy="0"/>
+          <a:chOff x="0" y="0"/>
+          <a:chExt cx="0" cy="0"/>
+        </a:xfrm>
+      </p:grpSpPr>
+      <p:sp>
+        <p:nvSpPr>
+          <p:cNvPr id="128" name="PlaceHolder 1"/>
+          <p:cNvSpPr>
+            <a:spLocks noGrp="1"/>
+          </p:cNvSpPr>
+          <p:nvPr>
+            <p:ph type="sldImg"/>
+          </p:nvPr>
+        </p:nvSpPr>
+        <p:spPr>
+          <a:xfrm>
+            <a:off x="216000" y="812520"/>
+            <a:ext cx="7127280" cy="4008960"/>
+          </a:xfrm>
+          <a:prstGeom prst="rect">
+            <a:avLst/>
+          </a:prstGeom>
+          <a:ln w="0">
+            <a:noFill/>
+          </a:ln>
+        </p:spPr>
+      </p:sp>
+      <p:sp>
+        <p:nvSpPr>
+          <p:cNvPr id="129" name="PlaceHolder 2"/>
+          <p:cNvSpPr>
+            <a:spLocks noGrp="1"/>
+          </p:cNvSpPr>
+          <p:nvPr>
+            <p:ph type="body"/>
+          </p:nvPr>
+        </p:nvSpPr>
+        <p:spPr>
+          <a:xfrm>
+            <a:off x="755640" y="5078520"/>
+            <a:ext cx="6047280" cy="4810680"/>
+          </a:xfrm>
+          <a:prstGeom prst="rect">
+            <a:avLst/>
+          </a:prstGeom>
+          <a:noFill/>
+          <a:ln w="0">
+            <a:noFill/>
+          </a:ln>
+        </p:spPr>
+        <p:txBody>
+          <a:bodyPr lIns="0" rIns="0" tIns="0" bIns="0" anchor="t">
+            <a:noAutofit/>
+          </a:bodyPr>
+          <a:p>
+            <a:r>
+              <a:rPr b="0" lang="en-IE" sz="2000" spc="-1" strike="noStrike">
+                <a:latin typeface="Arial"/>
+              </a:rPr>
+              <a:t>sessions allow data to be stored between when users are logged in</a:t>
+            </a:r>
+            <a:endParaRPr b="0" lang="en-IE" sz="2000" spc="-1" strike="noStrike">
+              <a:latin typeface="Arial"/>
+            </a:endParaRPr>
+          </a:p>
+          <a:p>
+            <a:endParaRPr b="0" lang="en-IE" sz="2000" spc="-1" strike="noStrike">
+              <a:latin typeface="Arial"/>
+            </a:endParaRPr>
+          </a:p>
+          <a:p>
+            <a:r>
+              <a:rPr b="0" lang="en-IE" sz="2000" spc="-1" strike="noStrike">
+                <a:latin typeface="Arial"/>
+              </a:rPr>
+              <a:t>flashing which is to do with templates</a:t>
+            </a:r>
+            <a:endParaRPr b="0" lang="en-IE" sz="2000" spc="-1" strike="noStrike">
+              <a:latin typeface="Arial"/>
+            </a:endParaRPr>
+          </a:p>
+          <a:p>
+            <a:endParaRPr b="0" lang="en-IE" sz="2000" spc="-1" strike="noStrike">
+              <a:latin typeface="Arial"/>
+            </a:endParaRPr>
+          </a:p>
+          <a:p>
+            <a:r>
+              <a:rPr b="0" lang="en-IE" sz="2000" spc="-1" strike="noStrike">
+                <a:latin typeface="Arial"/>
+              </a:rPr>
+              <a:t>logging is very handy, especially when you're not going to be around when this programme is run. If you put this up into the cloud you're not going to see any printouts, so you're going to want to have to error messages and other messages to be put into a log file so you can work out what happened if it ever happens.</a:t>
+            </a:r>
+            <a:endParaRPr b="0" lang="en-IE" sz="2000" spc="-1" strike="noStrike">
               <a:latin typeface="Arial"/>
             </a:endParaRPr>
           </a:p>
@@ -664,7 +1094,7 @@
             <a:spLocks noGrp="1"/>
           </p:cNvSpPr>
           <p:nvPr>
-            <p:ph type="ftr" idx="2"/>
+            <p:ph type="ftr" idx="1"/>
           </p:nvPr>
         </p:nvSpPr>
         <p:spPr/>
@@ -684,14 +1114,14 @@
             <a:spLocks noGrp="1"/>
           </p:cNvSpPr>
           <p:nvPr>
-            <p:ph type="sldNum" idx="3"/>
+            <p:ph type="sldNum" idx="2"/>
           </p:nvPr>
         </p:nvSpPr>
         <p:spPr/>
         <p:txBody>
           <a:bodyPr/>
           <a:p>
-            <a:fld id="{1CE938BA-BC61-4D76-8838-3C89E082A682}" type="slidenum">
+            <a:fld id="{80B3D062-78BF-4DF8-96D9-905EE749A2C3}" type="slidenum">
               <a:t>&lt;#&gt;</a:t>
             </a:fld>
           </a:p>
@@ -704,7 +1134,7 @@
             <a:spLocks noGrp="1"/>
           </p:cNvSpPr>
           <p:nvPr>
-            <p:ph type="dt" idx="1"/>
+            <p:ph type="dt" idx="3"/>
           </p:nvPr>
         </p:nvSpPr>
         <p:spPr/>
@@ -752,8 +1182,8 @@
         </p:nvSpPr>
         <p:spPr>
           <a:xfrm>
-            <a:off x="1069920" y="484560"/>
-            <a:ext cx="10058040" cy="1608840"/>
+            <a:off x="609480" y="273600"/>
+            <a:ext cx="10972440" cy="1144800"/>
           </a:xfrm>
           <a:prstGeom prst="rect">
             <a:avLst/>
@@ -768,11 +1198,11 @@
             <a:noAutofit/>
           </a:bodyPr>
           <a:p>
-            <a:endParaRPr b="0" lang="en-US" sz="1800" spc="-1" strike="noStrike">
-              <a:solidFill>
-                <a:srgbClr val="000000"/>
-              </a:solidFill>
-              <a:latin typeface="Rockwell"/>
+            <a:pPr algn="ctr">
+              <a:buNone/>
+            </a:pPr>
+            <a:endParaRPr b="0" lang="en-IE" sz="4400" spc="-1" strike="noStrike">
+              <a:latin typeface="Arial"/>
             </a:endParaRPr>
           </a:p>
         </p:txBody>
@@ -789,8 +1219,8 @@
         </p:nvSpPr>
         <p:spPr>
           <a:xfrm>
-            <a:off x="1069920" y="2121480"/>
-            <a:ext cx="10058040" cy="1931760"/>
+            <a:off x="609480" y="1604520"/>
+            <a:ext cx="10972440" cy="1896840"/>
           </a:xfrm>
           <a:prstGeom prst="rect">
             <a:avLst/>
@@ -805,20 +1235,8 @@
             <a:normAutofit/>
           </a:bodyPr>
           <a:p>
-            <a:pPr>
-              <a:lnSpc>
-                <a:spcPct val="90000"/>
-              </a:lnSpc>
-              <a:spcBef>
-                <a:spcPts val="1417"/>
-              </a:spcBef>
-              <a:buNone/>
-            </a:pPr>
-            <a:endParaRPr b="0" lang="en-US" sz="2000" spc="-1" strike="noStrike">
-              <a:solidFill>
-                <a:srgbClr val="000000"/>
-              </a:solidFill>
-              <a:latin typeface="Rockwell"/>
+            <a:endParaRPr b="0" lang="en-IE" sz="3200" spc="-1" strike="noStrike">
+              <a:latin typeface="Arial"/>
             </a:endParaRPr>
           </a:p>
         </p:txBody>
@@ -835,8 +1253,8 @@
         </p:nvSpPr>
         <p:spPr>
           <a:xfrm>
-            <a:off x="1069920" y="4237200"/>
-            <a:ext cx="10058040" cy="1931760"/>
+            <a:off x="609480" y="3682080"/>
+            <a:ext cx="10972440" cy="1896840"/>
           </a:xfrm>
           <a:prstGeom prst="rect">
             <a:avLst/>
@@ -851,20 +1269,8 @@
             <a:normAutofit/>
           </a:bodyPr>
           <a:p>
-            <a:pPr>
-              <a:lnSpc>
-                <a:spcPct val="90000"/>
-              </a:lnSpc>
-              <a:spcBef>
-                <a:spcPts val="1417"/>
-              </a:spcBef>
-              <a:buNone/>
-            </a:pPr>
-            <a:endParaRPr b="0" lang="en-US" sz="2000" spc="-1" strike="noStrike">
-              <a:solidFill>
-                <a:srgbClr val="000000"/>
-              </a:solidFill>
-              <a:latin typeface="Rockwell"/>
+            <a:endParaRPr b="0" lang="en-IE" sz="3200" spc="-1" strike="noStrike">
+              <a:latin typeface="Arial"/>
             </a:endParaRPr>
           </a:p>
         </p:txBody>
@@ -876,7 +1282,7 @@
             <a:spLocks noGrp="1"/>
           </p:cNvSpPr>
           <p:nvPr>
-            <p:ph type="ftr" idx="2"/>
+            <p:ph type="ftr" idx="1"/>
           </p:nvPr>
         </p:nvSpPr>
         <p:spPr/>
@@ -896,14 +1302,14 @@
             <a:spLocks noGrp="1"/>
           </p:cNvSpPr>
           <p:nvPr>
-            <p:ph type="sldNum" idx="3"/>
+            <p:ph type="sldNum" idx="2"/>
           </p:nvPr>
         </p:nvSpPr>
         <p:spPr/>
         <p:txBody>
           <a:bodyPr/>
           <a:p>
-            <a:fld id="{7CA00D2F-CE04-4DE4-BCBF-407C0E39734F}" type="slidenum">
+            <a:fld id="{72B6EEF4-7730-4AEF-8C97-B29843BA459E}" type="slidenum">
               <a:t>&lt;#&gt;</a:t>
             </a:fld>
           </a:p>
@@ -916,7 +1322,7 @@
             <a:spLocks noGrp="1"/>
           </p:cNvSpPr>
           <p:nvPr>
-            <p:ph type="dt" idx="1"/>
+            <p:ph type="dt" idx="3"/>
           </p:nvPr>
         </p:nvSpPr>
         <p:spPr/>
@@ -964,8 +1370,8 @@
         </p:nvSpPr>
         <p:spPr>
           <a:xfrm>
-            <a:off x="1069920" y="484560"/>
-            <a:ext cx="10058040" cy="1608840"/>
+            <a:off x="609480" y="273600"/>
+            <a:ext cx="10972440" cy="1144800"/>
           </a:xfrm>
           <a:prstGeom prst="rect">
             <a:avLst/>
@@ -980,11 +1386,11 @@
             <a:noAutofit/>
           </a:bodyPr>
           <a:p>
-            <a:endParaRPr b="0" lang="en-US" sz="1800" spc="-1" strike="noStrike">
-              <a:solidFill>
-                <a:srgbClr val="000000"/>
-              </a:solidFill>
-              <a:latin typeface="Rockwell"/>
+            <a:pPr algn="ctr">
+              <a:buNone/>
+            </a:pPr>
+            <a:endParaRPr b="0" lang="en-IE" sz="4400" spc="-1" strike="noStrike">
+              <a:latin typeface="Arial"/>
             </a:endParaRPr>
           </a:p>
         </p:txBody>
@@ -1001,8 +1407,8 @@
         </p:nvSpPr>
         <p:spPr>
           <a:xfrm>
-            <a:off x="1069920" y="2121480"/>
-            <a:ext cx="4908240" cy="1931760"/>
+            <a:off x="609480" y="1604520"/>
+            <a:ext cx="5354280" cy="1896840"/>
           </a:xfrm>
           <a:prstGeom prst="rect">
             <a:avLst/>
@@ -1017,20 +1423,8 @@
             <a:normAutofit/>
           </a:bodyPr>
           <a:p>
-            <a:pPr>
-              <a:lnSpc>
-                <a:spcPct val="90000"/>
-              </a:lnSpc>
-              <a:spcBef>
-                <a:spcPts val="1417"/>
-              </a:spcBef>
-              <a:buNone/>
-            </a:pPr>
-            <a:endParaRPr b="0" lang="en-US" sz="2000" spc="-1" strike="noStrike">
-              <a:solidFill>
-                <a:srgbClr val="000000"/>
-              </a:solidFill>
-              <a:latin typeface="Rockwell"/>
+            <a:endParaRPr b="0" lang="en-IE" sz="3200" spc="-1" strike="noStrike">
+              <a:latin typeface="Arial"/>
             </a:endParaRPr>
           </a:p>
         </p:txBody>
@@ -1047,8 +1441,8 @@
         </p:nvSpPr>
         <p:spPr>
           <a:xfrm>
-            <a:off x="6224040" y="2121480"/>
-            <a:ext cx="4908240" cy="1931760"/>
+            <a:off x="6231960" y="1604520"/>
+            <a:ext cx="5354280" cy="1896840"/>
           </a:xfrm>
           <a:prstGeom prst="rect">
             <a:avLst/>
@@ -1063,20 +1457,8 @@
             <a:normAutofit/>
           </a:bodyPr>
           <a:p>
-            <a:pPr>
-              <a:lnSpc>
-                <a:spcPct val="90000"/>
-              </a:lnSpc>
-              <a:spcBef>
-                <a:spcPts val="1417"/>
-              </a:spcBef>
-              <a:buNone/>
-            </a:pPr>
-            <a:endParaRPr b="0" lang="en-US" sz="2000" spc="-1" strike="noStrike">
-              <a:solidFill>
-                <a:srgbClr val="000000"/>
-              </a:solidFill>
-              <a:latin typeface="Rockwell"/>
+            <a:endParaRPr b="0" lang="en-IE" sz="3200" spc="-1" strike="noStrike">
+              <a:latin typeface="Arial"/>
             </a:endParaRPr>
           </a:p>
         </p:txBody>
@@ -1093,8 +1475,8 @@
         </p:nvSpPr>
         <p:spPr>
           <a:xfrm>
-            <a:off x="1069920" y="4237200"/>
-            <a:ext cx="4908240" cy="1931760"/>
+            <a:off x="609480" y="3682080"/>
+            <a:ext cx="5354280" cy="1896840"/>
           </a:xfrm>
           <a:prstGeom prst="rect">
             <a:avLst/>
@@ -1109,20 +1491,8 @@
             <a:normAutofit/>
           </a:bodyPr>
           <a:p>
-            <a:pPr>
-              <a:lnSpc>
-                <a:spcPct val="90000"/>
-              </a:lnSpc>
-              <a:spcBef>
-                <a:spcPts val="1417"/>
-              </a:spcBef>
-              <a:buNone/>
-            </a:pPr>
-            <a:endParaRPr b="0" lang="en-US" sz="2000" spc="-1" strike="noStrike">
-              <a:solidFill>
-                <a:srgbClr val="000000"/>
-              </a:solidFill>
-              <a:latin typeface="Rockwell"/>
+            <a:endParaRPr b="0" lang="en-IE" sz="3200" spc="-1" strike="noStrike">
+              <a:latin typeface="Arial"/>
             </a:endParaRPr>
           </a:p>
         </p:txBody>
@@ -1139,8 +1509,8 @@
         </p:nvSpPr>
         <p:spPr>
           <a:xfrm>
-            <a:off x="6224040" y="4237200"/>
-            <a:ext cx="4908240" cy="1931760"/>
+            <a:off x="6231960" y="3682080"/>
+            <a:ext cx="5354280" cy="1896840"/>
           </a:xfrm>
           <a:prstGeom prst="rect">
             <a:avLst/>
@@ -1155,20 +1525,8 @@
             <a:normAutofit/>
           </a:bodyPr>
           <a:p>
-            <a:pPr>
-              <a:lnSpc>
-                <a:spcPct val="90000"/>
-              </a:lnSpc>
-              <a:spcBef>
-                <a:spcPts val="1417"/>
-              </a:spcBef>
-              <a:buNone/>
-            </a:pPr>
-            <a:endParaRPr b="0" lang="en-US" sz="2000" spc="-1" strike="noStrike">
-              <a:solidFill>
-                <a:srgbClr val="000000"/>
-              </a:solidFill>
-              <a:latin typeface="Rockwell"/>
+            <a:endParaRPr b="0" lang="en-IE" sz="3200" spc="-1" strike="noStrike">
+              <a:latin typeface="Arial"/>
             </a:endParaRPr>
           </a:p>
         </p:txBody>
@@ -1180,7 +1538,7 @@
             <a:spLocks noGrp="1"/>
           </p:cNvSpPr>
           <p:nvPr>
-            <p:ph type="ftr" idx="2"/>
+            <p:ph type="ftr" idx="1"/>
           </p:nvPr>
         </p:nvSpPr>
         <p:spPr/>
@@ -1200,14 +1558,14 @@
             <a:spLocks noGrp="1"/>
           </p:cNvSpPr>
           <p:nvPr>
-            <p:ph type="sldNum" idx="3"/>
+            <p:ph type="sldNum" idx="2"/>
           </p:nvPr>
         </p:nvSpPr>
         <p:spPr/>
         <p:txBody>
           <a:bodyPr/>
           <a:p>
-            <a:fld id="{F997FC8C-A817-45E3-8D3D-DA56B3E784F8}" type="slidenum">
+            <a:fld id="{4C13E1FF-E2A8-42C0-A187-D2C0514A6D4A}" type="slidenum">
               <a:t>&lt;#&gt;</a:t>
             </a:fld>
           </a:p>
@@ -1220,7 +1578,7 @@
             <a:spLocks noGrp="1"/>
           </p:cNvSpPr>
           <p:nvPr>
-            <p:ph type="dt" idx="1"/>
+            <p:ph type="dt" idx="3"/>
           </p:nvPr>
         </p:nvSpPr>
         <p:spPr/>
@@ -1268,8 +1626,8 @@
         </p:nvSpPr>
         <p:spPr>
           <a:xfrm>
-            <a:off x="1069920" y="484560"/>
-            <a:ext cx="10058040" cy="1608840"/>
+            <a:off x="609480" y="273600"/>
+            <a:ext cx="10972440" cy="1144800"/>
           </a:xfrm>
           <a:prstGeom prst="rect">
             <a:avLst/>
@@ -1284,11 +1642,11 @@
             <a:noAutofit/>
           </a:bodyPr>
           <a:p>
-            <a:endParaRPr b="0" lang="en-US" sz="1800" spc="-1" strike="noStrike">
-              <a:solidFill>
-                <a:srgbClr val="000000"/>
-              </a:solidFill>
-              <a:latin typeface="Rockwell"/>
+            <a:pPr algn="ctr">
+              <a:buNone/>
+            </a:pPr>
+            <a:endParaRPr b="0" lang="en-IE" sz="4400" spc="-1" strike="noStrike">
+              <a:latin typeface="Arial"/>
             </a:endParaRPr>
           </a:p>
         </p:txBody>
@@ -1305,8 +1663,8 @@
         </p:nvSpPr>
         <p:spPr>
           <a:xfrm>
-            <a:off x="1069920" y="2121480"/>
-            <a:ext cx="3238560" cy="1931760"/>
+            <a:off x="609480" y="1604520"/>
+            <a:ext cx="3533040" cy="1896840"/>
           </a:xfrm>
           <a:prstGeom prst="rect">
             <a:avLst/>
@@ -1321,20 +1679,8 @@
             <a:normAutofit/>
           </a:bodyPr>
           <a:p>
-            <a:pPr>
-              <a:lnSpc>
-                <a:spcPct val="90000"/>
-              </a:lnSpc>
-              <a:spcBef>
-                <a:spcPts val="1417"/>
-              </a:spcBef>
-              <a:buNone/>
-            </a:pPr>
-            <a:endParaRPr b="0" lang="en-US" sz="2000" spc="-1" strike="noStrike">
-              <a:solidFill>
-                <a:srgbClr val="000000"/>
-              </a:solidFill>
-              <a:latin typeface="Rockwell"/>
+            <a:endParaRPr b="0" lang="en-IE" sz="3200" spc="-1" strike="noStrike">
+              <a:latin typeface="Arial"/>
             </a:endParaRPr>
           </a:p>
         </p:txBody>
@@ -1351,8 +1697,8 @@
         </p:nvSpPr>
         <p:spPr>
           <a:xfrm>
-            <a:off x="4470840" y="2121480"/>
-            <a:ext cx="3238560" cy="1931760"/>
+            <a:off x="4319640" y="1604520"/>
+            <a:ext cx="3533040" cy="1896840"/>
           </a:xfrm>
           <a:prstGeom prst="rect">
             <a:avLst/>
@@ -1367,20 +1713,8 @@
             <a:normAutofit/>
           </a:bodyPr>
           <a:p>
-            <a:pPr>
-              <a:lnSpc>
-                <a:spcPct val="90000"/>
-              </a:lnSpc>
-              <a:spcBef>
-                <a:spcPts val="1417"/>
-              </a:spcBef>
-              <a:buNone/>
-            </a:pPr>
-            <a:endParaRPr b="0" lang="en-US" sz="2000" spc="-1" strike="noStrike">
-              <a:solidFill>
-                <a:srgbClr val="000000"/>
-              </a:solidFill>
-              <a:latin typeface="Rockwell"/>
+            <a:endParaRPr b="0" lang="en-IE" sz="3200" spc="-1" strike="noStrike">
+              <a:latin typeface="Arial"/>
             </a:endParaRPr>
           </a:p>
         </p:txBody>
@@ -1397,8 +1731,8 @@
         </p:nvSpPr>
         <p:spPr>
           <a:xfrm>
-            <a:off x="7871760" y="2121480"/>
-            <a:ext cx="3238560" cy="1931760"/>
+            <a:off x="8029800" y="1604520"/>
+            <a:ext cx="3533040" cy="1896840"/>
           </a:xfrm>
           <a:prstGeom prst="rect">
             <a:avLst/>
@@ -1413,20 +1747,8 @@
             <a:normAutofit/>
           </a:bodyPr>
           <a:p>
-            <a:pPr>
-              <a:lnSpc>
-                <a:spcPct val="90000"/>
-              </a:lnSpc>
-              <a:spcBef>
-                <a:spcPts val="1417"/>
-              </a:spcBef>
-              <a:buNone/>
-            </a:pPr>
-            <a:endParaRPr b="0" lang="en-US" sz="2000" spc="-1" strike="noStrike">
-              <a:solidFill>
-                <a:srgbClr val="000000"/>
-              </a:solidFill>
-              <a:latin typeface="Rockwell"/>
+            <a:endParaRPr b="0" lang="en-IE" sz="3200" spc="-1" strike="noStrike">
+              <a:latin typeface="Arial"/>
             </a:endParaRPr>
           </a:p>
         </p:txBody>
@@ -1443,8 +1765,8 @@
         </p:nvSpPr>
         <p:spPr>
           <a:xfrm>
-            <a:off x="1069920" y="4237200"/>
-            <a:ext cx="3238560" cy="1931760"/>
+            <a:off x="609480" y="3682080"/>
+            <a:ext cx="3533040" cy="1896840"/>
           </a:xfrm>
           <a:prstGeom prst="rect">
             <a:avLst/>
@@ -1459,20 +1781,8 @@
             <a:normAutofit/>
           </a:bodyPr>
           <a:p>
-            <a:pPr>
-              <a:lnSpc>
-                <a:spcPct val="90000"/>
-              </a:lnSpc>
-              <a:spcBef>
-                <a:spcPts val="1417"/>
-              </a:spcBef>
-              <a:buNone/>
-            </a:pPr>
-            <a:endParaRPr b="0" lang="en-US" sz="2000" spc="-1" strike="noStrike">
-              <a:solidFill>
-                <a:srgbClr val="000000"/>
-              </a:solidFill>
-              <a:latin typeface="Rockwell"/>
+            <a:endParaRPr b="0" lang="en-IE" sz="3200" spc="-1" strike="noStrike">
+              <a:latin typeface="Arial"/>
             </a:endParaRPr>
           </a:p>
         </p:txBody>
@@ -1489,8 +1799,8 @@
         </p:nvSpPr>
         <p:spPr>
           <a:xfrm>
-            <a:off x="4470840" y="4237200"/>
-            <a:ext cx="3238560" cy="1931760"/>
+            <a:off x="4319640" y="3682080"/>
+            <a:ext cx="3533040" cy="1896840"/>
           </a:xfrm>
           <a:prstGeom prst="rect">
             <a:avLst/>
@@ -1505,20 +1815,8 @@
             <a:normAutofit/>
           </a:bodyPr>
           <a:p>
-            <a:pPr>
-              <a:lnSpc>
-                <a:spcPct val="90000"/>
-              </a:lnSpc>
-              <a:spcBef>
-                <a:spcPts val="1417"/>
-              </a:spcBef>
-              <a:buNone/>
-            </a:pPr>
-            <a:endParaRPr b="0" lang="en-US" sz="2000" spc="-1" strike="noStrike">
-              <a:solidFill>
-                <a:srgbClr val="000000"/>
-              </a:solidFill>
-              <a:latin typeface="Rockwell"/>
+            <a:endParaRPr b="0" lang="en-IE" sz="3200" spc="-1" strike="noStrike">
+              <a:latin typeface="Arial"/>
             </a:endParaRPr>
           </a:p>
         </p:txBody>
@@ -1535,8 +1833,8 @@
         </p:nvSpPr>
         <p:spPr>
           <a:xfrm>
-            <a:off x="7871760" y="4237200"/>
-            <a:ext cx="3238560" cy="1931760"/>
+            <a:off x="8029800" y="3682080"/>
+            <a:ext cx="3533040" cy="1896840"/>
           </a:xfrm>
           <a:prstGeom prst="rect">
             <a:avLst/>
@@ -1551,20 +1849,8 @@
             <a:normAutofit/>
           </a:bodyPr>
           <a:p>
-            <a:pPr>
-              <a:lnSpc>
-                <a:spcPct val="90000"/>
-              </a:lnSpc>
-              <a:spcBef>
-                <a:spcPts val="1417"/>
-              </a:spcBef>
-              <a:buNone/>
-            </a:pPr>
-            <a:endParaRPr b="0" lang="en-US" sz="2000" spc="-1" strike="noStrike">
-              <a:solidFill>
-                <a:srgbClr val="000000"/>
-              </a:solidFill>
-              <a:latin typeface="Rockwell"/>
+            <a:endParaRPr b="0" lang="en-IE" sz="3200" spc="-1" strike="noStrike">
+              <a:latin typeface="Arial"/>
             </a:endParaRPr>
           </a:p>
         </p:txBody>
@@ -1576,7 +1862,7 @@
             <a:spLocks noGrp="1"/>
           </p:cNvSpPr>
           <p:nvPr>
-            <p:ph type="ftr" idx="2"/>
+            <p:ph type="ftr" idx="1"/>
           </p:nvPr>
         </p:nvSpPr>
         <p:spPr/>
@@ -1596,14 +1882,14 @@
             <a:spLocks noGrp="1"/>
           </p:cNvSpPr>
           <p:nvPr>
-            <p:ph type="sldNum" idx="3"/>
+            <p:ph type="sldNum" idx="2"/>
           </p:nvPr>
         </p:nvSpPr>
         <p:spPr/>
         <p:txBody>
           <a:bodyPr/>
           <a:p>
-            <a:fld id="{E9359F3A-8EA5-4103-BCDD-3FDB3B4034E3}" type="slidenum">
+            <a:fld id="{8DA3D189-A6E1-4021-A592-0D58CA2506F2}" type="slidenum">
               <a:t>&lt;#&gt;</a:t>
             </a:fld>
           </a:p>
@@ -1616,7 +1902,7 @@
             <a:spLocks noGrp="1"/>
           </p:cNvSpPr>
           <p:nvPr>
-            <p:ph type="dt" idx="1"/>
+            <p:ph type="dt" idx="3"/>
           </p:nvPr>
         </p:nvSpPr>
         <p:spPr/>
@@ -1659,7 +1945,7 @@
             <a:spLocks noGrp="1"/>
           </p:cNvSpPr>
           <p:nvPr>
-            <p:ph type="ftr" idx="5"/>
+            <p:ph type="ftr" idx="4"/>
           </p:nvPr>
         </p:nvSpPr>
         <p:spPr/>
@@ -1679,14 +1965,14 @@
             <a:spLocks noGrp="1"/>
           </p:cNvSpPr>
           <p:nvPr>
-            <p:ph type="sldNum" idx="6"/>
+            <p:ph type="sldNum" idx="5"/>
           </p:nvPr>
         </p:nvSpPr>
         <p:spPr/>
         <p:txBody>
           <a:bodyPr/>
           <a:p>
-            <a:fld id="{18A49E99-F7ED-4AB8-96B2-322427DE131D}" type="slidenum">
+            <a:fld id="{D0D283D8-B5D5-47B5-BAF3-4E51A24B2D2C}" type="slidenum">
               <a:t>&lt;#&gt;</a:t>
             </a:fld>
           </a:p>
@@ -1699,7 +1985,7 @@
             <a:spLocks noGrp="1"/>
           </p:cNvSpPr>
           <p:nvPr>
-            <p:ph type="dt" idx="4"/>
+            <p:ph type="dt" idx="6"/>
           </p:nvPr>
         </p:nvSpPr>
         <p:spPr/>
@@ -1747,8 +2033,8 @@
         </p:nvSpPr>
         <p:spPr>
           <a:xfrm>
-            <a:off x="1069920" y="484560"/>
-            <a:ext cx="10058040" cy="1608840"/>
+            <a:off x="609480" y="273600"/>
+            <a:ext cx="10972440" cy="1144800"/>
           </a:xfrm>
           <a:prstGeom prst="rect">
             <a:avLst/>
@@ -1763,11 +2049,11 @@
             <a:noAutofit/>
           </a:bodyPr>
           <a:p>
-            <a:endParaRPr b="0" lang="en-US" sz="1800" spc="-1" strike="noStrike">
-              <a:solidFill>
-                <a:srgbClr val="000000"/>
-              </a:solidFill>
-              <a:latin typeface="Rockwell"/>
+            <a:pPr algn="ctr">
+              <a:buNone/>
+            </a:pPr>
+            <a:endParaRPr b="0" lang="en-IE" sz="4400" spc="-1" strike="noStrike">
+              <a:latin typeface="Arial"/>
             </a:endParaRPr>
           </a:p>
         </p:txBody>
@@ -1784,8 +2070,8 @@
         </p:nvSpPr>
         <p:spPr>
           <a:xfrm>
-            <a:off x="1069920" y="2121480"/>
-            <a:ext cx="10058040" cy="4050360"/>
+            <a:off x="609480" y="1604520"/>
+            <a:ext cx="10972440" cy="3977280"/>
           </a:xfrm>
           <a:prstGeom prst="rect">
             <a:avLst/>
@@ -1816,7 +2102,7 @@
             <a:spLocks noGrp="1"/>
           </p:cNvSpPr>
           <p:nvPr>
-            <p:ph type="ftr" idx="5"/>
+            <p:ph type="ftr" idx="4"/>
           </p:nvPr>
         </p:nvSpPr>
         <p:spPr/>
@@ -1836,14 +2122,14 @@
             <a:spLocks noGrp="1"/>
           </p:cNvSpPr>
           <p:nvPr>
-            <p:ph type="sldNum" idx="6"/>
+            <p:ph type="sldNum" idx="5"/>
           </p:nvPr>
         </p:nvSpPr>
         <p:spPr/>
         <p:txBody>
           <a:bodyPr/>
           <a:p>
-            <a:fld id="{96708FB1-148E-42E5-B4C1-9A1ADCE54AB7}" type="slidenum">
+            <a:fld id="{77AEDB51-9B79-40E0-A4B5-B1F528D46640}" type="slidenum">
               <a:t>&lt;#&gt;</a:t>
             </a:fld>
           </a:p>
@@ -1856,7 +2142,7 @@
             <a:spLocks noGrp="1"/>
           </p:cNvSpPr>
           <p:nvPr>
-            <p:ph type="dt" idx="4"/>
+            <p:ph type="dt" idx="6"/>
           </p:nvPr>
         </p:nvSpPr>
         <p:spPr/>
@@ -1904,8 +2190,8 @@
         </p:nvSpPr>
         <p:spPr>
           <a:xfrm>
-            <a:off x="1069920" y="484560"/>
-            <a:ext cx="10058040" cy="1608840"/>
+            <a:off x="609480" y="273600"/>
+            <a:ext cx="10972440" cy="1144800"/>
           </a:xfrm>
           <a:prstGeom prst="rect">
             <a:avLst/>
@@ -1920,11 +2206,11 @@
             <a:noAutofit/>
           </a:bodyPr>
           <a:p>
-            <a:endParaRPr b="0" lang="en-US" sz="1800" spc="-1" strike="noStrike">
-              <a:solidFill>
-                <a:srgbClr val="000000"/>
-              </a:solidFill>
-              <a:latin typeface="Rockwell"/>
+            <a:pPr algn="ctr">
+              <a:buNone/>
+            </a:pPr>
+            <a:endParaRPr b="0" lang="en-IE" sz="4400" spc="-1" strike="noStrike">
+              <a:latin typeface="Arial"/>
             </a:endParaRPr>
           </a:p>
         </p:txBody>
@@ -1941,8 +2227,8 @@
         </p:nvSpPr>
         <p:spPr>
           <a:xfrm>
-            <a:off x="1069920" y="2121480"/>
-            <a:ext cx="10058040" cy="4050360"/>
+            <a:off x="609480" y="1604520"/>
+            <a:ext cx="10972440" cy="3977280"/>
           </a:xfrm>
           <a:prstGeom prst="rect">
             <a:avLst/>
@@ -1957,20 +2243,8 @@
             <a:normAutofit/>
           </a:bodyPr>
           <a:p>
-            <a:pPr>
-              <a:lnSpc>
-                <a:spcPct val="90000"/>
-              </a:lnSpc>
-              <a:spcBef>
-                <a:spcPts val="1417"/>
-              </a:spcBef>
-              <a:buNone/>
-            </a:pPr>
-            <a:endParaRPr b="0" lang="en-US" sz="2000" spc="-1" strike="noStrike">
-              <a:solidFill>
-                <a:srgbClr val="000000"/>
-              </a:solidFill>
-              <a:latin typeface="Rockwell"/>
+            <a:endParaRPr b="0" lang="en-IE" sz="3200" spc="-1" strike="noStrike">
+              <a:latin typeface="Arial"/>
             </a:endParaRPr>
           </a:p>
         </p:txBody>
@@ -1982,7 +2256,7 @@
             <a:spLocks noGrp="1"/>
           </p:cNvSpPr>
           <p:nvPr>
-            <p:ph type="ftr" idx="5"/>
+            <p:ph type="ftr" idx="4"/>
           </p:nvPr>
         </p:nvSpPr>
         <p:spPr/>
@@ -2002,14 +2276,14 @@
             <a:spLocks noGrp="1"/>
           </p:cNvSpPr>
           <p:nvPr>
-            <p:ph type="sldNum" idx="6"/>
+            <p:ph type="sldNum" idx="5"/>
           </p:nvPr>
         </p:nvSpPr>
         <p:spPr/>
         <p:txBody>
           <a:bodyPr/>
           <a:p>
-            <a:fld id="{1DD4C189-E5FD-4B5C-9DE4-9ABB9930A7C9}" type="slidenum">
+            <a:fld id="{E28B3071-DC6C-4B5B-B7E3-E3F2CAE8F8AB}" type="slidenum">
               <a:t>&lt;#&gt;</a:t>
             </a:fld>
           </a:p>
@@ -2022,7 +2296,7 @@
             <a:spLocks noGrp="1"/>
           </p:cNvSpPr>
           <p:nvPr>
-            <p:ph type="dt" idx="4"/>
+            <p:ph type="dt" idx="6"/>
           </p:nvPr>
         </p:nvSpPr>
         <p:spPr/>
@@ -2070,8 +2344,8 @@
         </p:nvSpPr>
         <p:spPr>
           <a:xfrm>
-            <a:off x="1069920" y="484560"/>
-            <a:ext cx="10058040" cy="1608840"/>
+            <a:off x="609480" y="273600"/>
+            <a:ext cx="10972440" cy="1144800"/>
           </a:xfrm>
           <a:prstGeom prst="rect">
             <a:avLst/>
@@ -2086,11 +2360,11 @@
             <a:noAutofit/>
           </a:bodyPr>
           <a:p>
-            <a:endParaRPr b="0" lang="en-US" sz="1800" spc="-1" strike="noStrike">
-              <a:solidFill>
-                <a:srgbClr val="000000"/>
-              </a:solidFill>
-              <a:latin typeface="Rockwell"/>
+            <a:pPr algn="ctr">
+              <a:buNone/>
+            </a:pPr>
+            <a:endParaRPr b="0" lang="en-IE" sz="4400" spc="-1" strike="noStrike">
+              <a:latin typeface="Arial"/>
             </a:endParaRPr>
           </a:p>
         </p:txBody>
@@ -2107,8 +2381,8 @@
         </p:nvSpPr>
         <p:spPr>
           <a:xfrm>
-            <a:off x="1069920" y="2121480"/>
-            <a:ext cx="4908240" cy="4050360"/>
+            <a:off x="609480" y="1604520"/>
+            <a:ext cx="5354280" cy="3977280"/>
           </a:xfrm>
           <a:prstGeom prst="rect">
             <a:avLst/>
@@ -2123,20 +2397,8 @@
             <a:normAutofit/>
           </a:bodyPr>
           <a:p>
-            <a:pPr>
-              <a:lnSpc>
-                <a:spcPct val="90000"/>
-              </a:lnSpc>
-              <a:spcBef>
-                <a:spcPts val="1417"/>
-              </a:spcBef>
-              <a:buNone/>
-            </a:pPr>
-            <a:endParaRPr b="0" lang="en-US" sz="2000" spc="-1" strike="noStrike">
-              <a:solidFill>
-                <a:srgbClr val="000000"/>
-              </a:solidFill>
-              <a:latin typeface="Rockwell"/>
+            <a:endParaRPr b="0" lang="en-IE" sz="3200" spc="-1" strike="noStrike">
+              <a:latin typeface="Arial"/>
             </a:endParaRPr>
           </a:p>
         </p:txBody>
@@ -2153,8 +2415,8 @@
         </p:nvSpPr>
         <p:spPr>
           <a:xfrm>
-            <a:off x="6224040" y="2121480"/>
-            <a:ext cx="4908240" cy="4050360"/>
+            <a:off x="6231960" y="1604520"/>
+            <a:ext cx="5354280" cy="3977280"/>
           </a:xfrm>
           <a:prstGeom prst="rect">
             <a:avLst/>
@@ -2169,20 +2431,8 @@
             <a:normAutofit/>
           </a:bodyPr>
           <a:p>
-            <a:pPr>
-              <a:lnSpc>
-                <a:spcPct val="90000"/>
-              </a:lnSpc>
-              <a:spcBef>
-                <a:spcPts val="1417"/>
-              </a:spcBef>
-              <a:buNone/>
-            </a:pPr>
-            <a:endParaRPr b="0" lang="en-US" sz="2000" spc="-1" strike="noStrike">
-              <a:solidFill>
-                <a:srgbClr val="000000"/>
-              </a:solidFill>
-              <a:latin typeface="Rockwell"/>
+            <a:endParaRPr b="0" lang="en-IE" sz="3200" spc="-1" strike="noStrike">
+              <a:latin typeface="Arial"/>
             </a:endParaRPr>
           </a:p>
         </p:txBody>
@@ -2194,7 +2444,7 @@
             <a:spLocks noGrp="1"/>
           </p:cNvSpPr>
           <p:nvPr>
-            <p:ph type="ftr" idx="5"/>
+            <p:ph type="ftr" idx="4"/>
           </p:nvPr>
         </p:nvSpPr>
         <p:spPr/>
@@ -2214,14 +2464,14 @@
             <a:spLocks noGrp="1"/>
           </p:cNvSpPr>
           <p:nvPr>
-            <p:ph type="sldNum" idx="6"/>
+            <p:ph type="sldNum" idx="5"/>
           </p:nvPr>
         </p:nvSpPr>
         <p:spPr/>
         <p:txBody>
           <a:bodyPr/>
           <a:p>
-            <a:fld id="{7EB345E3-023F-4D9A-BC47-DB72545C6849}" type="slidenum">
+            <a:fld id="{C6776E5E-76E8-4104-BC12-59536582CAD8}" type="slidenum">
               <a:t>&lt;#&gt;</a:t>
             </a:fld>
           </a:p>
@@ -2234,7 +2484,7 @@
             <a:spLocks noGrp="1"/>
           </p:cNvSpPr>
           <p:nvPr>
-            <p:ph type="dt" idx="4"/>
+            <p:ph type="dt" idx="6"/>
           </p:nvPr>
         </p:nvSpPr>
         <p:spPr/>
@@ -2282,8 +2532,8 @@
         </p:nvSpPr>
         <p:spPr>
           <a:xfrm>
-            <a:off x="1069920" y="484560"/>
-            <a:ext cx="10058040" cy="1608840"/>
+            <a:off x="609480" y="273600"/>
+            <a:ext cx="10972440" cy="1144800"/>
           </a:xfrm>
           <a:prstGeom prst="rect">
             <a:avLst/>
@@ -2298,11 +2548,11 @@
             <a:noAutofit/>
           </a:bodyPr>
           <a:p>
-            <a:endParaRPr b="0" lang="en-US" sz="1800" spc="-1" strike="noStrike">
-              <a:solidFill>
-                <a:srgbClr val="000000"/>
-              </a:solidFill>
-              <a:latin typeface="Rockwell"/>
+            <a:pPr algn="ctr">
+              <a:buNone/>
+            </a:pPr>
+            <a:endParaRPr b="0" lang="en-IE" sz="4400" spc="-1" strike="noStrike">
+              <a:latin typeface="Arial"/>
             </a:endParaRPr>
           </a:p>
         </p:txBody>
@@ -2314,7 +2564,7 @@
             <a:spLocks noGrp="1"/>
           </p:cNvSpPr>
           <p:nvPr>
-            <p:ph type="ftr" idx="5"/>
+            <p:ph type="ftr" idx="4"/>
           </p:nvPr>
         </p:nvSpPr>
         <p:spPr/>
@@ -2334,14 +2584,14 @@
             <a:spLocks noGrp="1"/>
           </p:cNvSpPr>
           <p:nvPr>
-            <p:ph type="sldNum" idx="6"/>
+            <p:ph type="sldNum" idx="5"/>
           </p:nvPr>
         </p:nvSpPr>
         <p:spPr/>
         <p:txBody>
           <a:bodyPr/>
           <a:p>
-            <a:fld id="{A58D93CD-96E4-48CB-9698-59B9AD610137}" type="slidenum">
+            <a:fld id="{55CDF490-315E-44F7-BF95-B0F1575016C9}" type="slidenum">
               <a:t>&lt;#&gt;</a:t>
             </a:fld>
           </a:p>
@@ -2354,7 +2604,7 @@
             <a:spLocks noGrp="1"/>
           </p:cNvSpPr>
           <p:nvPr>
-            <p:ph type="dt" idx="4"/>
+            <p:ph type="dt" idx="6"/>
           </p:nvPr>
         </p:nvSpPr>
         <p:spPr/>
@@ -2402,8 +2652,8 @@
         </p:nvSpPr>
         <p:spPr>
           <a:xfrm>
-            <a:off x="1069920" y="484560"/>
-            <a:ext cx="10058040" cy="7458840"/>
+            <a:off x="609480" y="273600"/>
+            <a:ext cx="10972440" cy="5307840"/>
           </a:xfrm>
           <a:prstGeom prst="rect">
             <a:avLst/>
@@ -2434,7 +2684,7 @@
             <a:spLocks noGrp="1"/>
           </p:cNvSpPr>
           <p:nvPr>
-            <p:ph type="ftr" idx="5"/>
+            <p:ph type="ftr" idx="4"/>
           </p:nvPr>
         </p:nvSpPr>
         <p:spPr/>
@@ -2454,14 +2704,14 @@
             <a:spLocks noGrp="1"/>
           </p:cNvSpPr>
           <p:nvPr>
-            <p:ph type="sldNum" idx="6"/>
+            <p:ph type="sldNum" idx="5"/>
           </p:nvPr>
         </p:nvSpPr>
         <p:spPr/>
         <p:txBody>
           <a:bodyPr/>
           <a:p>
-            <a:fld id="{A8EF746D-2726-4312-9F0B-67FE12FDCDA0}" type="slidenum">
+            <a:fld id="{B5ABF838-01CB-440D-A008-B4E76283E507}" type="slidenum">
               <a:t>&lt;#&gt;</a:t>
             </a:fld>
           </a:p>
@@ -2474,7 +2724,7 @@
             <a:spLocks noGrp="1"/>
           </p:cNvSpPr>
           <p:nvPr>
-            <p:ph type="dt" idx="4"/>
+            <p:ph type="dt" idx="6"/>
           </p:nvPr>
         </p:nvSpPr>
         <p:spPr/>
@@ -2522,8 +2772,8 @@
         </p:nvSpPr>
         <p:spPr>
           <a:xfrm>
-            <a:off x="1069920" y="484560"/>
-            <a:ext cx="10058040" cy="1608840"/>
+            <a:off x="609480" y="273600"/>
+            <a:ext cx="10972440" cy="1144800"/>
           </a:xfrm>
           <a:prstGeom prst="rect">
             <a:avLst/>
@@ -2538,11 +2788,11 @@
             <a:noAutofit/>
           </a:bodyPr>
           <a:p>
-            <a:endParaRPr b="0" lang="en-US" sz="1800" spc="-1" strike="noStrike">
-              <a:solidFill>
-                <a:srgbClr val="000000"/>
-              </a:solidFill>
-              <a:latin typeface="Rockwell"/>
+            <a:pPr algn="ctr">
+              <a:buNone/>
+            </a:pPr>
+            <a:endParaRPr b="0" lang="en-IE" sz="4400" spc="-1" strike="noStrike">
+              <a:latin typeface="Arial"/>
             </a:endParaRPr>
           </a:p>
         </p:txBody>
@@ -2559,8 +2809,8 @@
         </p:nvSpPr>
         <p:spPr>
           <a:xfrm>
-            <a:off x="1069920" y="2121480"/>
-            <a:ext cx="4908240" cy="1931760"/>
+            <a:off x="609480" y="1604520"/>
+            <a:ext cx="5354280" cy="1896840"/>
           </a:xfrm>
           <a:prstGeom prst="rect">
             <a:avLst/>
@@ -2575,20 +2825,8 @@
             <a:normAutofit/>
           </a:bodyPr>
           <a:p>
-            <a:pPr>
-              <a:lnSpc>
-                <a:spcPct val="90000"/>
-              </a:lnSpc>
-              <a:spcBef>
-                <a:spcPts val="1417"/>
-              </a:spcBef>
-              <a:buNone/>
-            </a:pPr>
-            <a:endParaRPr b="0" lang="en-US" sz="2000" spc="-1" strike="noStrike">
-              <a:solidFill>
-                <a:srgbClr val="000000"/>
-              </a:solidFill>
-              <a:latin typeface="Rockwell"/>
+            <a:endParaRPr b="0" lang="en-IE" sz="3200" spc="-1" strike="noStrike">
+              <a:latin typeface="Arial"/>
             </a:endParaRPr>
           </a:p>
         </p:txBody>
@@ -2605,8 +2843,8 @@
         </p:nvSpPr>
         <p:spPr>
           <a:xfrm>
-            <a:off x="6224040" y="2121480"/>
-            <a:ext cx="4908240" cy="4050360"/>
+            <a:off x="6231960" y="1604520"/>
+            <a:ext cx="5354280" cy="3977280"/>
           </a:xfrm>
           <a:prstGeom prst="rect">
             <a:avLst/>
@@ -2621,20 +2859,8 @@
             <a:normAutofit/>
           </a:bodyPr>
           <a:p>
-            <a:pPr>
-              <a:lnSpc>
-                <a:spcPct val="90000"/>
-              </a:lnSpc>
-              <a:spcBef>
-                <a:spcPts val="1417"/>
-              </a:spcBef>
-              <a:buNone/>
-            </a:pPr>
-            <a:endParaRPr b="0" lang="en-US" sz="2000" spc="-1" strike="noStrike">
-              <a:solidFill>
-                <a:srgbClr val="000000"/>
-              </a:solidFill>
-              <a:latin typeface="Rockwell"/>
+            <a:endParaRPr b="0" lang="en-IE" sz="3200" spc="-1" strike="noStrike">
+              <a:latin typeface="Arial"/>
             </a:endParaRPr>
           </a:p>
         </p:txBody>
@@ -2651,8 +2877,8 @@
         </p:nvSpPr>
         <p:spPr>
           <a:xfrm>
-            <a:off x="1069920" y="4237200"/>
-            <a:ext cx="4908240" cy="1931760"/>
+            <a:off x="609480" y="3682080"/>
+            <a:ext cx="5354280" cy="1896840"/>
           </a:xfrm>
           <a:prstGeom prst="rect">
             <a:avLst/>
@@ -2667,20 +2893,8 @@
             <a:normAutofit/>
           </a:bodyPr>
           <a:p>
-            <a:pPr>
-              <a:lnSpc>
-                <a:spcPct val="90000"/>
-              </a:lnSpc>
-              <a:spcBef>
-                <a:spcPts val="1417"/>
-              </a:spcBef>
-              <a:buNone/>
-            </a:pPr>
-            <a:endParaRPr b="0" lang="en-US" sz="2000" spc="-1" strike="noStrike">
-              <a:solidFill>
-                <a:srgbClr val="000000"/>
-              </a:solidFill>
-              <a:latin typeface="Rockwell"/>
+            <a:endParaRPr b="0" lang="en-IE" sz="3200" spc="-1" strike="noStrike">
+              <a:latin typeface="Arial"/>
             </a:endParaRPr>
           </a:p>
         </p:txBody>
@@ -2692,7 +2906,7 @@
             <a:spLocks noGrp="1"/>
           </p:cNvSpPr>
           <p:nvPr>
-            <p:ph type="ftr" idx="5"/>
+            <p:ph type="ftr" idx="4"/>
           </p:nvPr>
         </p:nvSpPr>
         <p:spPr/>
@@ -2712,14 +2926,14 @@
             <a:spLocks noGrp="1"/>
           </p:cNvSpPr>
           <p:nvPr>
-            <p:ph type="sldNum" idx="6"/>
+            <p:ph type="sldNum" idx="5"/>
           </p:nvPr>
         </p:nvSpPr>
         <p:spPr/>
         <p:txBody>
           <a:bodyPr/>
           <a:p>
-            <a:fld id="{95BF22F7-3325-435E-A808-2736FEEE0FE0}" type="slidenum">
+            <a:fld id="{A076C2A3-C5B8-47C4-BE8E-A5EE48FD9A5C}" type="slidenum">
               <a:t>&lt;#&gt;</a:t>
             </a:fld>
           </a:p>
@@ -2732,7 +2946,7 @@
             <a:spLocks noGrp="1"/>
           </p:cNvSpPr>
           <p:nvPr>
-            <p:ph type="dt" idx="4"/>
+            <p:ph type="dt" idx="6"/>
           </p:nvPr>
         </p:nvSpPr>
         <p:spPr/>
@@ -2780,8 +2994,8 @@
         </p:nvSpPr>
         <p:spPr>
           <a:xfrm>
-            <a:off x="1069920" y="484560"/>
-            <a:ext cx="10058040" cy="1608840"/>
+            <a:off x="609480" y="273600"/>
+            <a:ext cx="10972440" cy="1144800"/>
           </a:xfrm>
           <a:prstGeom prst="rect">
             <a:avLst/>
@@ -2796,11 +3010,11 @@
             <a:noAutofit/>
           </a:bodyPr>
           <a:p>
-            <a:endParaRPr b="0" lang="en-US" sz="1800" spc="-1" strike="noStrike">
-              <a:solidFill>
-                <a:srgbClr val="000000"/>
-              </a:solidFill>
-              <a:latin typeface="Rockwell"/>
+            <a:pPr algn="ctr">
+              <a:buNone/>
+            </a:pPr>
+            <a:endParaRPr b="0" lang="en-IE" sz="4400" spc="-1" strike="noStrike">
+              <a:latin typeface="Arial"/>
             </a:endParaRPr>
           </a:p>
         </p:txBody>
@@ -2817,8 +3031,8 @@
         </p:nvSpPr>
         <p:spPr>
           <a:xfrm>
-            <a:off x="1069920" y="2121480"/>
-            <a:ext cx="10058040" cy="4050360"/>
+            <a:off x="609480" y="1604520"/>
+            <a:ext cx="10972440" cy="3977280"/>
           </a:xfrm>
           <a:prstGeom prst="rect">
             <a:avLst/>
@@ -2849,7 +3063,7 @@
             <a:spLocks noGrp="1"/>
           </p:cNvSpPr>
           <p:nvPr>
-            <p:ph type="ftr" idx="2"/>
+            <p:ph type="ftr" idx="1"/>
           </p:nvPr>
         </p:nvSpPr>
         <p:spPr/>
@@ -2869,14 +3083,14 @@
             <a:spLocks noGrp="1"/>
           </p:cNvSpPr>
           <p:nvPr>
-            <p:ph type="sldNum" idx="3"/>
+            <p:ph type="sldNum" idx="2"/>
           </p:nvPr>
         </p:nvSpPr>
         <p:spPr/>
         <p:txBody>
           <a:bodyPr/>
           <a:p>
-            <a:fld id="{9CFD338E-4652-4B2D-8135-12454989378F}" type="slidenum">
+            <a:fld id="{8DF8185B-8685-46AA-AF7B-30AD0106F31A}" type="slidenum">
               <a:t>&lt;#&gt;</a:t>
             </a:fld>
           </a:p>
@@ -2889,7 +3103,7 @@
             <a:spLocks noGrp="1"/>
           </p:cNvSpPr>
           <p:nvPr>
-            <p:ph type="dt" idx="1"/>
+            <p:ph type="dt" idx="3"/>
           </p:nvPr>
         </p:nvSpPr>
         <p:spPr/>
@@ -2937,8 +3151,8 @@
         </p:nvSpPr>
         <p:spPr>
           <a:xfrm>
-            <a:off x="1069920" y="484560"/>
-            <a:ext cx="10058040" cy="1608840"/>
+            <a:off x="609480" y="273600"/>
+            <a:ext cx="10972440" cy="1144800"/>
           </a:xfrm>
           <a:prstGeom prst="rect">
             <a:avLst/>
@@ -2953,11 +3167,11 @@
             <a:noAutofit/>
           </a:bodyPr>
           <a:p>
-            <a:endParaRPr b="0" lang="en-US" sz="1800" spc="-1" strike="noStrike">
-              <a:solidFill>
-                <a:srgbClr val="000000"/>
-              </a:solidFill>
-              <a:latin typeface="Rockwell"/>
+            <a:pPr algn="ctr">
+              <a:buNone/>
+            </a:pPr>
+            <a:endParaRPr b="0" lang="en-IE" sz="4400" spc="-1" strike="noStrike">
+              <a:latin typeface="Arial"/>
             </a:endParaRPr>
           </a:p>
         </p:txBody>
@@ -2974,8 +3188,8 @@
         </p:nvSpPr>
         <p:spPr>
           <a:xfrm>
-            <a:off x="1069920" y="2121480"/>
-            <a:ext cx="4908240" cy="4050360"/>
+            <a:off x="609480" y="1604520"/>
+            <a:ext cx="5354280" cy="3977280"/>
           </a:xfrm>
           <a:prstGeom prst="rect">
             <a:avLst/>
@@ -2990,20 +3204,8 @@
             <a:normAutofit/>
           </a:bodyPr>
           <a:p>
-            <a:pPr>
-              <a:lnSpc>
-                <a:spcPct val="90000"/>
-              </a:lnSpc>
-              <a:spcBef>
-                <a:spcPts val="1417"/>
-              </a:spcBef>
-              <a:buNone/>
-            </a:pPr>
-            <a:endParaRPr b="0" lang="en-US" sz="2000" spc="-1" strike="noStrike">
-              <a:solidFill>
-                <a:srgbClr val="000000"/>
-              </a:solidFill>
-              <a:latin typeface="Rockwell"/>
+            <a:endParaRPr b="0" lang="en-IE" sz="3200" spc="-1" strike="noStrike">
+              <a:latin typeface="Arial"/>
             </a:endParaRPr>
           </a:p>
         </p:txBody>
@@ -3020,8 +3222,8 @@
         </p:nvSpPr>
         <p:spPr>
           <a:xfrm>
-            <a:off x="6224040" y="2121480"/>
-            <a:ext cx="4908240" cy="1931760"/>
+            <a:off x="6231960" y="1604520"/>
+            <a:ext cx="5354280" cy="1896840"/>
           </a:xfrm>
           <a:prstGeom prst="rect">
             <a:avLst/>
@@ -3036,20 +3238,8 @@
             <a:normAutofit/>
           </a:bodyPr>
           <a:p>
-            <a:pPr>
-              <a:lnSpc>
-                <a:spcPct val="90000"/>
-              </a:lnSpc>
-              <a:spcBef>
-                <a:spcPts val="1417"/>
-              </a:spcBef>
-              <a:buNone/>
-            </a:pPr>
-            <a:endParaRPr b="0" lang="en-US" sz="2000" spc="-1" strike="noStrike">
-              <a:solidFill>
-                <a:srgbClr val="000000"/>
-              </a:solidFill>
-              <a:latin typeface="Rockwell"/>
+            <a:endParaRPr b="0" lang="en-IE" sz="3200" spc="-1" strike="noStrike">
+              <a:latin typeface="Arial"/>
             </a:endParaRPr>
           </a:p>
         </p:txBody>
@@ -3066,8 +3256,8 @@
         </p:nvSpPr>
         <p:spPr>
           <a:xfrm>
-            <a:off x="6224040" y="4237200"/>
-            <a:ext cx="4908240" cy="1931760"/>
+            <a:off x="6231960" y="3682080"/>
+            <a:ext cx="5354280" cy="1896840"/>
           </a:xfrm>
           <a:prstGeom prst="rect">
             <a:avLst/>
@@ -3082,20 +3272,8 @@
             <a:normAutofit/>
           </a:bodyPr>
           <a:p>
-            <a:pPr>
-              <a:lnSpc>
-                <a:spcPct val="90000"/>
-              </a:lnSpc>
-              <a:spcBef>
-                <a:spcPts val="1417"/>
-              </a:spcBef>
-              <a:buNone/>
-            </a:pPr>
-            <a:endParaRPr b="0" lang="en-US" sz="2000" spc="-1" strike="noStrike">
-              <a:solidFill>
-                <a:srgbClr val="000000"/>
-              </a:solidFill>
-              <a:latin typeface="Rockwell"/>
+            <a:endParaRPr b="0" lang="en-IE" sz="3200" spc="-1" strike="noStrike">
+              <a:latin typeface="Arial"/>
             </a:endParaRPr>
           </a:p>
         </p:txBody>
@@ -3107,7 +3285,7 @@
             <a:spLocks noGrp="1"/>
           </p:cNvSpPr>
           <p:nvPr>
-            <p:ph type="ftr" idx="5"/>
+            <p:ph type="ftr" idx="4"/>
           </p:nvPr>
         </p:nvSpPr>
         <p:spPr/>
@@ -3127,14 +3305,14 @@
             <a:spLocks noGrp="1"/>
           </p:cNvSpPr>
           <p:nvPr>
-            <p:ph type="sldNum" idx="6"/>
+            <p:ph type="sldNum" idx="5"/>
           </p:nvPr>
         </p:nvSpPr>
         <p:spPr/>
         <p:txBody>
           <a:bodyPr/>
           <a:p>
-            <a:fld id="{4C20E7E3-4D04-4478-BD3B-A310DF8AC014}" type="slidenum">
+            <a:fld id="{C8F3337A-F8DB-4EF0-82EB-56BD9A8C2F36}" type="slidenum">
               <a:t>&lt;#&gt;</a:t>
             </a:fld>
           </a:p>
@@ -3147,7 +3325,7 @@
             <a:spLocks noGrp="1"/>
           </p:cNvSpPr>
           <p:nvPr>
-            <p:ph type="dt" idx="4"/>
+            <p:ph type="dt" idx="6"/>
           </p:nvPr>
         </p:nvSpPr>
         <p:spPr/>
@@ -3195,8 +3373,8 @@
         </p:nvSpPr>
         <p:spPr>
           <a:xfrm>
-            <a:off x="1069920" y="484560"/>
-            <a:ext cx="10058040" cy="1608840"/>
+            <a:off x="609480" y="273600"/>
+            <a:ext cx="10972440" cy="1144800"/>
           </a:xfrm>
           <a:prstGeom prst="rect">
             <a:avLst/>
@@ -3211,11 +3389,11 @@
             <a:noAutofit/>
           </a:bodyPr>
           <a:p>
-            <a:endParaRPr b="0" lang="en-US" sz="1800" spc="-1" strike="noStrike">
-              <a:solidFill>
-                <a:srgbClr val="000000"/>
-              </a:solidFill>
-              <a:latin typeface="Rockwell"/>
+            <a:pPr algn="ctr">
+              <a:buNone/>
+            </a:pPr>
+            <a:endParaRPr b="0" lang="en-IE" sz="4400" spc="-1" strike="noStrike">
+              <a:latin typeface="Arial"/>
             </a:endParaRPr>
           </a:p>
         </p:txBody>
@@ -3232,8 +3410,8 @@
         </p:nvSpPr>
         <p:spPr>
           <a:xfrm>
-            <a:off x="1069920" y="2121480"/>
-            <a:ext cx="4908240" cy="1931760"/>
+            <a:off x="609480" y="1604520"/>
+            <a:ext cx="5354280" cy="1896840"/>
           </a:xfrm>
           <a:prstGeom prst="rect">
             <a:avLst/>
@@ -3248,20 +3426,8 @@
             <a:normAutofit/>
           </a:bodyPr>
           <a:p>
-            <a:pPr>
-              <a:lnSpc>
-                <a:spcPct val="90000"/>
-              </a:lnSpc>
-              <a:spcBef>
-                <a:spcPts val="1417"/>
-              </a:spcBef>
-              <a:buNone/>
-            </a:pPr>
-            <a:endParaRPr b="0" lang="en-US" sz="2000" spc="-1" strike="noStrike">
-              <a:solidFill>
-                <a:srgbClr val="000000"/>
-              </a:solidFill>
-              <a:latin typeface="Rockwell"/>
+            <a:endParaRPr b="0" lang="en-IE" sz="3200" spc="-1" strike="noStrike">
+              <a:latin typeface="Arial"/>
             </a:endParaRPr>
           </a:p>
         </p:txBody>
@@ -3278,8 +3444,8 @@
         </p:nvSpPr>
         <p:spPr>
           <a:xfrm>
-            <a:off x="6224040" y="2121480"/>
-            <a:ext cx="4908240" cy="1931760"/>
+            <a:off x="6231960" y="1604520"/>
+            <a:ext cx="5354280" cy="1896840"/>
           </a:xfrm>
           <a:prstGeom prst="rect">
             <a:avLst/>
@@ -3294,20 +3460,8 @@
             <a:normAutofit/>
           </a:bodyPr>
           <a:p>
-            <a:pPr>
-              <a:lnSpc>
-                <a:spcPct val="90000"/>
-              </a:lnSpc>
-              <a:spcBef>
-                <a:spcPts val="1417"/>
-              </a:spcBef>
-              <a:buNone/>
-            </a:pPr>
-            <a:endParaRPr b="0" lang="en-US" sz="2000" spc="-1" strike="noStrike">
-              <a:solidFill>
-                <a:srgbClr val="000000"/>
-              </a:solidFill>
-              <a:latin typeface="Rockwell"/>
+            <a:endParaRPr b="0" lang="en-IE" sz="3200" spc="-1" strike="noStrike">
+              <a:latin typeface="Arial"/>
             </a:endParaRPr>
           </a:p>
         </p:txBody>
@@ -3324,8 +3478,8 @@
         </p:nvSpPr>
         <p:spPr>
           <a:xfrm>
-            <a:off x="1069920" y="4237200"/>
-            <a:ext cx="10058040" cy="1931760"/>
+            <a:off x="609480" y="3682080"/>
+            <a:ext cx="10972440" cy="1896840"/>
           </a:xfrm>
           <a:prstGeom prst="rect">
             <a:avLst/>
@@ -3340,20 +3494,8 @@
             <a:normAutofit/>
           </a:bodyPr>
           <a:p>
-            <a:pPr>
-              <a:lnSpc>
-                <a:spcPct val="90000"/>
-              </a:lnSpc>
-              <a:spcBef>
-                <a:spcPts val="1417"/>
-              </a:spcBef>
-              <a:buNone/>
-            </a:pPr>
-            <a:endParaRPr b="0" lang="en-US" sz="2000" spc="-1" strike="noStrike">
-              <a:solidFill>
-                <a:srgbClr val="000000"/>
-              </a:solidFill>
-              <a:latin typeface="Rockwell"/>
+            <a:endParaRPr b="0" lang="en-IE" sz="3200" spc="-1" strike="noStrike">
+              <a:latin typeface="Arial"/>
             </a:endParaRPr>
           </a:p>
         </p:txBody>
@@ -3365,7 +3507,7 @@
             <a:spLocks noGrp="1"/>
           </p:cNvSpPr>
           <p:nvPr>
-            <p:ph type="ftr" idx="5"/>
+            <p:ph type="ftr" idx="4"/>
           </p:nvPr>
         </p:nvSpPr>
         <p:spPr/>
@@ -3385,14 +3527,14 @@
             <a:spLocks noGrp="1"/>
           </p:cNvSpPr>
           <p:nvPr>
-            <p:ph type="sldNum" idx="6"/>
+            <p:ph type="sldNum" idx="5"/>
           </p:nvPr>
         </p:nvSpPr>
         <p:spPr/>
         <p:txBody>
           <a:bodyPr/>
           <a:p>
-            <a:fld id="{494D64AD-4995-42BF-AA26-89B56DFE3F6E}" type="slidenum">
+            <a:fld id="{44505350-A208-4392-AED9-D06D05969EAC}" type="slidenum">
               <a:t>&lt;#&gt;</a:t>
             </a:fld>
           </a:p>
@@ -3405,7 +3547,7 @@
             <a:spLocks noGrp="1"/>
           </p:cNvSpPr>
           <p:nvPr>
-            <p:ph type="dt" idx="4"/>
+            <p:ph type="dt" idx="6"/>
           </p:nvPr>
         </p:nvSpPr>
         <p:spPr/>
@@ -3453,8 +3595,8 @@
         </p:nvSpPr>
         <p:spPr>
           <a:xfrm>
-            <a:off x="1069920" y="484560"/>
-            <a:ext cx="10058040" cy="1608840"/>
+            <a:off x="609480" y="273600"/>
+            <a:ext cx="10972440" cy="1144800"/>
           </a:xfrm>
           <a:prstGeom prst="rect">
             <a:avLst/>
@@ -3469,11 +3611,11 @@
             <a:noAutofit/>
           </a:bodyPr>
           <a:p>
-            <a:endParaRPr b="0" lang="en-US" sz="1800" spc="-1" strike="noStrike">
-              <a:solidFill>
-                <a:srgbClr val="000000"/>
-              </a:solidFill>
-              <a:latin typeface="Rockwell"/>
+            <a:pPr algn="ctr">
+              <a:buNone/>
+            </a:pPr>
+            <a:endParaRPr b="0" lang="en-IE" sz="4400" spc="-1" strike="noStrike">
+              <a:latin typeface="Arial"/>
             </a:endParaRPr>
           </a:p>
         </p:txBody>
@@ -3490,8 +3632,8 @@
         </p:nvSpPr>
         <p:spPr>
           <a:xfrm>
-            <a:off x="1069920" y="2121480"/>
-            <a:ext cx="10058040" cy="1931760"/>
+            <a:off x="609480" y="1604520"/>
+            <a:ext cx="10972440" cy="1896840"/>
           </a:xfrm>
           <a:prstGeom prst="rect">
             <a:avLst/>
@@ -3506,20 +3648,8 @@
             <a:normAutofit/>
           </a:bodyPr>
           <a:p>
-            <a:pPr>
-              <a:lnSpc>
-                <a:spcPct val="90000"/>
-              </a:lnSpc>
-              <a:spcBef>
-                <a:spcPts val="1417"/>
-              </a:spcBef>
-              <a:buNone/>
-            </a:pPr>
-            <a:endParaRPr b="0" lang="en-US" sz="2000" spc="-1" strike="noStrike">
-              <a:solidFill>
-                <a:srgbClr val="000000"/>
-              </a:solidFill>
-              <a:latin typeface="Rockwell"/>
+            <a:endParaRPr b="0" lang="en-IE" sz="3200" spc="-1" strike="noStrike">
+              <a:latin typeface="Arial"/>
             </a:endParaRPr>
           </a:p>
         </p:txBody>
@@ -3536,8 +3666,8 @@
         </p:nvSpPr>
         <p:spPr>
           <a:xfrm>
-            <a:off x="1069920" y="4237200"/>
-            <a:ext cx="10058040" cy="1931760"/>
+            <a:off x="609480" y="3682080"/>
+            <a:ext cx="10972440" cy="1896840"/>
           </a:xfrm>
           <a:prstGeom prst="rect">
             <a:avLst/>
@@ -3552,20 +3682,8 @@
             <a:normAutofit/>
           </a:bodyPr>
           <a:p>
-            <a:pPr>
-              <a:lnSpc>
-                <a:spcPct val="90000"/>
-              </a:lnSpc>
-              <a:spcBef>
-                <a:spcPts val="1417"/>
-              </a:spcBef>
-              <a:buNone/>
-            </a:pPr>
-            <a:endParaRPr b="0" lang="en-US" sz="2000" spc="-1" strike="noStrike">
-              <a:solidFill>
-                <a:srgbClr val="000000"/>
-              </a:solidFill>
-              <a:latin typeface="Rockwell"/>
+            <a:endParaRPr b="0" lang="en-IE" sz="3200" spc="-1" strike="noStrike">
+              <a:latin typeface="Arial"/>
             </a:endParaRPr>
           </a:p>
         </p:txBody>
@@ -3577,7 +3695,7 @@
             <a:spLocks noGrp="1"/>
           </p:cNvSpPr>
           <p:nvPr>
-            <p:ph type="ftr" idx="5"/>
+            <p:ph type="ftr" idx="4"/>
           </p:nvPr>
         </p:nvSpPr>
         <p:spPr/>
@@ -3597,14 +3715,14 @@
             <a:spLocks noGrp="1"/>
           </p:cNvSpPr>
           <p:nvPr>
-            <p:ph type="sldNum" idx="6"/>
+            <p:ph type="sldNum" idx="5"/>
           </p:nvPr>
         </p:nvSpPr>
         <p:spPr/>
         <p:txBody>
           <a:bodyPr/>
           <a:p>
-            <a:fld id="{31412574-BCBF-4751-A35D-0B741ECE2226}" type="slidenum">
+            <a:fld id="{BE63A56D-01F3-49A7-A706-3B9A6933BD7F}" type="slidenum">
               <a:t>&lt;#&gt;</a:t>
             </a:fld>
           </a:p>
@@ -3617,7 +3735,7 @@
             <a:spLocks noGrp="1"/>
           </p:cNvSpPr>
           <p:nvPr>
-            <p:ph type="dt" idx="4"/>
+            <p:ph type="dt" idx="6"/>
           </p:nvPr>
         </p:nvSpPr>
         <p:spPr/>
@@ -3665,8 +3783,8 @@
         </p:nvSpPr>
         <p:spPr>
           <a:xfrm>
-            <a:off x="1069920" y="484560"/>
-            <a:ext cx="10058040" cy="1608840"/>
+            <a:off x="609480" y="273600"/>
+            <a:ext cx="10972440" cy="1144800"/>
           </a:xfrm>
           <a:prstGeom prst="rect">
             <a:avLst/>
@@ -3681,11 +3799,11 @@
             <a:noAutofit/>
           </a:bodyPr>
           <a:p>
-            <a:endParaRPr b="0" lang="en-US" sz="1800" spc="-1" strike="noStrike">
-              <a:solidFill>
-                <a:srgbClr val="000000"/>
-              </a:solidFill>
-              <a:latin typeface="Rockwell"/>
+            <a:pPr algn="ctr">
+              <a:buNone/>
+            </a:pPr>
+            <a:endParaRPr b="0" lang="en-IE" sz="4400" spc="-1" strike="noStrike">
+              <a:latin typeface="Arial"/>
             </a:endParaRPr>
           </a:p>
         </p:txBody>
@@ -3702,8 +3820,8 @@
         </p:nvSpPr>
         <p:spPr>
           <a:xfrm>
-            <a:off x="1069920" y="2121480"/>
-            <a:ext cx="4908240" cy="1931760"/>
+            <a:off x="609480" y="1604520"/>
+            <a:ext cx="5354280" cy="1896840"/>
           </a:xfrm>
           <a:prstGeom prst="rect">
             <a:avLst/>
@@ -3718,20 +3836,8 @@
             <a:normAutofit/>
           </a:bodyPr>
           <a:p>
-            <a:pPr>
-              <a:lnSpc>
-                <a:spcPct val="90000"/>
-              </a:lnSpc>
-              <a:spcBef>
-                <a:spcPts val="1417"/>
-              </a:spcBef>
-              <a:buNone/>
-            </a:pPr>
-            <a:endParaRPr b="0" lang="en-US" sz="2000" spc="-1" strike="noStrike">
-              <a:solidFill>
-                <a:srgbClr val="000000"/>
-              </a:solidFill>
-              <a:latin typeface="Rockwell"/>
+            <a:endParaRPr b="0" lang="en-IE" sz="3200" spc="-1" strike="noStrike">
+              <a:latin typeface="Arial"/>
             </a:endParaRPr>
           </a:p>
         </p:txBody>
@@ -3748,8 +3854,8 @@
         </p:nvSpPr>
         <p:spPr>
           <a:xfrm>
-            <a:off x="6224040" y="2121480"/>
-            <a:ext cx="4908240" cy="1931760"/>
+            <a:off x="6231960" y="1604520"/>
+            <a:ext cx="5354280" cy="1896840"/>
           </a:xfrm>
           <a:prstGeom prst="rect">
             <a:avLst/>
@@ -3764,20 +3870,8 @@
             <a:normAutofit/>
           </a:bodyPr>
           <a:p>
-            <a:pPr>
-              <a:lnSpc>
-                <a:spcPct val="90000"/>
-              </a:lnSpc>
-              <a:spcBef>
-                <a:spcPts val="1417"/>
-              </a:spcBef>
-              <a:buNone/>
-            </a:pPr>
-            <a:endParaRPr b="0" lang="en-US" sz="2000" spc="-1" strike="noStrike">
-              <a:solidFill>
-                <a:srgbClr val="000000"/>
-              </a:solidFill>
-              <a:latin typeface="Rockwell"/>
+            <a:endParaRPr b="0" lang="en-IE" sz="3200" spc="-1" strike="noStrike">
+              <a:latin typeface="Arial"/>
             </a:endParaRPr>
           </a:p>
         </p:txBody>
@@ -3794,8 +3888,8 @@
         </p:nvSpPr>
         <p:spPr>
           <a:xfrm>
-            <a:off x="1069920" y="4237200"/>
-            <a:ext cx="4908240" cy="1931760"/>
+            <a:off x="609480" y="3682080"/>
+            <a:ext cx="5354280" cy="1896840"/>
           </a:xfrm>
           <a:prstGeom prst="rect">
             <a:avLst/>
@@ -3810,20 +3904,8 @@
             <a:normAutofit/>
           </a:bodyPr>
           <a:p>
-            <a:pPr>
-              <a:lnSpc>
-                <a:spcPct val="90000"/>
-              </a:lnSpc>
-              <a:spcBef>
-                <a:spcPts val="1417"/>
-              </a:spcBef>
-              <a:buNone/>
-            </a:pPr>
-            <a:endParaRPr b="0" lang="en-US" sz="2000" spc="-1" strike="noStrike">
-              <a:solidFill>
-                <a:srgbClr val="000000"/>
-              </a:solidFill>
-              <a:latin typeface="Rockwell"/>
+            <a:endParaRPr b="0" lang="en-IE" sz="3200" spc="-1" strike="noStrike">
+              <a:latin typeface="Arial"/>
             </a:endParaRPr>
           </a:p>
         </p:txBody>
@@ -3840,8 +3922,8 @@
         </p:nvSpPr>
         <p:spPr>
           <a:xfrm>
-            <a:off x="6224040" y="4237200"/>
-            <a:ext cx="4908240" cy="1931760"/>
+            <a:off x="6231960" y="3682080"/>
+            <a:ext cx="5354280" cy="1896840"/>
           </a:xfrm>
           <a:prstGeom prst="rect">
             <a:avLst/>
@@ -3856,20 +3938,8 @@
             <a:normAutofit/>
           </a:bodyPr>
           <a:p>
-            <a:pPr>
-              <a:lnSpc>
-                <a:spcPct val="90000"/>
-              </a:lnSpc>
-              <a:spcBef>
-                <a:spcPts val="1417"/>
-              </a:spcBef>
-              <a:buNone/>
-            </a:pPr>
-            <a:endParaRPr b="0" lang="en-US" sz="2000" spc="-1" strike="noStrike">
-              <a:solidFill>
-                <a:srgbClr val="000000"/>
-              </a:solidFill>
-              <a:latin typeface="Rockwell"/>
+            <a:endParaRPr b="0" lang="en-IE" sz="3200" spc="-1" strike="noStrike">
+              <a:latin typeface="Arial"/>
             </a:endParaRPr>
           </a:p>
         </p:txBody>
@@ -3881,7 +3951,7 @@
             <a:spLocks noGrp="1"/>
           </p:cNvSpPr>
           <p:nvPr>
-            <p:ph type="ftr" idx="5"/>
+            <p:ph type="ftr" idx="4"/>
           </p:nvPr>
         </p:nvSpPr>
         <p:spPr/>
@@ -3901,14 +3971,14 @@
             <a:spLocks noGrp="1"/>
           </p:cNvSpPr>
           <p:nvPr>
-            <p:ph type="sldNum" idx="6"/>
+            <p:ph type="sldNum" idx="5"/>
           </p:nvPr>
         </p:nvSpPr>
         <p:spPr/>
         <p:txBody>
           <a:bodyPr/>
           <a:p>
-            <a:fld id="{338452E9-F78F-41B3-994F-4EECBDC547F4}" type="slidenum">
+            <a:fld id="{95125A33-4FC6-4338-8D85-99238D1C2504}" type="slidenum">
               <a:t>&lt;#&gt;</a:t>
             </a:fld>
           </a:p>
@@ -3921,7 +3991,7 @@
             <a:spLocks noGrp="1"/>
           </p:cNvSpPr>
           <p:nvPr>
-            <p:ph type="dt" idx="4"/>
+            <p:ph type="dt" idx="6"/>
           </p:nvPr>
         </p:nvSpPr>
         <p:spPr/>
@@ -3969,8 +4039,8 @@
         </p:nvSpPr>
         <p:spPr>
           <a:xfrm>
-            <a:off x="1069920" y="484560"/>
-            <a:ext cx="10058040" cy="1608840"/>
+            <a:off x="609480" y="273600"/>
+            <a:ext cx="10972440" cy="1144800"/>
           </a:xfrm>
           <a:prstGeom prst="rect">
             <a:avLst/>
@@ -3985,11 +4055,11 @@
             <a:noAutofit/>
           </a:bodyPr>
           <a:p>
-            <a:endParaRPr b="0" lang="en-US" sz="1800" spc="-1" strike="noStrike">
-              <a:solidFill>
-                <a:srgbClr val="000000"/>
-              </a:solidFill>
-              <a:latin typeface="Rockwell"/>
+            <a:pPr algn="ctr">
+              <a:buNone/>
+            </a:pPr>
+            <a:endParaRPr b="0" lang="en-IE" sz="4400" spc="-1" strike="noStrike">
+              <a:latin typeface="Arial"/>
             </a:endParaRPr>
           </a:p>
         </p:txBody>
@@ -4006,8 +4076,8 @@
         </p:nvSpPr>
         <p:spPr>
           <a:xfrm>
-            <a:off x="1069920" y="2121480"/>
-            <a:ext cx="3238560" cy="1931760"/>
+            <a:off x="609480" y="1604520"/>
+            <a:ext cx="3533040" cy="1896840"/>
           </a:xfrm>
           <a:prstGeom prst="rect">
             <a:avLst/>
@@ -4022,20 +4092,8 @@
             <a:normAutofit/>
           </a:bodyPr>
           <a:p>
-            <a:pPr>
-              <a:lnSpc>
-                <a:spcPct val="90000"/>
-              </a:lnSpc>
-              <a:spcBef>
-                <a:spcPts val="1417"/>
-              </a:spcBef>
-              <a:buNone/>
-            </a:pPr>
-            <a:endParaRPr b="0" lang="en-US" sz="2000" spc="-1" strike="noStrike">
-              <a:solidFill>
-                <a:srgbClr val="000000"/>
-              </a:solidFill>
-              <a:latin typeface="Rockwell"/>
+            <a:endParaRPr b="0" lang="en-IE" sz="3200" spc="-1" strike="noStrike">
+              <a:latin typeface="Arial"/>
             </a:endParaRPr>
           </a:p>
         </p:txBody>
@@ -4052,8 +4110,8 @@
         </p:nvSpPr>
         <p:spPr>
           <a:xfrm>
-            <a:off x="4470840" y="2121480"/>
-            <a:ext cx="3238560" cy="1931760"/>
+            <a:off x="4319640" y="1604520"/>
+            <a:ext cx="3533040" cy="1896840"/>
           </a:xfrm>
           <a:prstGeom prst="rect">
             <a:avLst/>
@@ -4068,20 +4126,8 @@
             <a:normAutofit/>
           </a:bodyPr>
           <a:p>
-            <a:pPr>
-              <a:lnSpc>
-                <a:spcPct val="90000"/>
-              </a:lnSpc>
-              <a:spcBef>
-                <a:spcPts val="1417"/>
-              </a:spcBef>
-              <a:buNone/>
-            </a:pPr>
-            <a:endParaRPr b="0" lang="en-US" sz="2000" spc="-1" strike="noStrike">
-              <a:solidFill>
-                <a:srgbClr val="000000"/>
-              </a:solidFill>
-              <a:latin typeface="Rockwell"/>
+            <a:endParaRPr b="0" lang="en-IE" sz="3200" spc="-1" strike="noStrike">
+              <a:latin typeface="Arial"/>
             </a:endParaRPr>
           </a:p>
         </p:txBody>
@@ -4098,8 +4144,8 @@
         </p:nvSpPr>
         <p:spPr>
           <a:xfrm>
-            <a:off x="7871760" y="2121480"/>
-            <a:ext cx="3238560" cy="1931760"/>
+            <a:off x="8029800" y="1604520"/>
+            <a:ext cx="3533040" cy="1896840"/>
           </a:xfrm>
           <a:prstGeom prst="rect">
             <a:avLst/>
@@ -4114,20 +4160,8 @@
             <a:normAutofit/>
           </a:bodyPr>
           <a:p>
-            <a:pPr>
-              <a:lnSpc>
-                <a:spcPct val="90000"/>
-              </a:lnSpc>
-              <a:spcBef>
-                <a:spcPts val="1417"/>
-              </a:spcBef>
-              <a:buNone/>
-            </a:pPr>
-            <a:endParaRPr b="0" lang="en-US" sz="2000" spc="-1" strike="noStrike">
-              <a:solidFill>
-                <a:srgbClr val="000000"/>
-              </a:solidFill>
-              <a:latin typeface="Rockwell"/>
+            <a:endParaRPr b="0" lang="en-IE" sz="3200" spc="-1" strike="noStrike">
+              <a:latin typeface="Arial"/>
             </a:endParaRPr>
           </a:p>
         </p:txBody>
@@ -4144,8 +4178,8 @@
         </p:nvSpPr>
         <p:spPr>
           <a:xfrm>
-            <a:off x="1069920" y="4237200"/>
-            <a:ext cx="3238560" cy="1931760"/>
+            <a:off x="609480" y="3682080"/>
+            <a:ext cx="3533040" cy="1896840"/>
           </a:xfrm>
           <a:prstGeom prst="rect">
             <a:avLst/>
@@ -4160,20 +4194,8 @@
             <a:normAutofit/>
           </a:bodyPr>
           <a:p>
-            <a:pPr>
-              <a:lnSpc>
-                <a:spcPct val="90000"/>
-              </a:lnSpc>
-              <a:spcBef>
-                <a:spcPts val="1417"/>
-              </a:spcBef>
-              <a:buNone/>
-            </a:pPr>
-            <a:endParaRPr b="0" lang="en-US" sz="2000" spc="-1" strike="noStrike">
-              <a:solidFill>
-                <a:srgbClr val="000000"/>
-              </a:solidFill>
-              <a:latin typeface="Rockwell"/>
+            <a:endParaRPr b="0" lang="en-IE" sz="3200" spc="-1" strike="noStrike">
+              <a:latin typeface="Arial"/>
             </a:endParaRPr>
           </a:p>
         </p:txBody>
@@ -4190,8 +4212,8 @@
         </p:nvSpPr>
         <p:spPr>
           <a:xfrm>
-            <a:off x="4470840" y="4237200"/>
-            <a:ext cx="3238560" cy="1931760"/>
+            <a:off x="4319640" y="3682080"/>
+            <a:ext cx="3533040" cy="1896840"/>
           </a:xfrm>
           <a:prstGeom prst="rect">
             <a:avLst/>
@@ -4206,20 +4228,8 @@
             <a:normAutofit/>
           </a:bodyPr>
           <a:p>
-            <a:pPr>
-              <a:lnSpc>
-                <a:spcPct val="90000"/>
-              </a:lnSpc>
-              <a:spcBef>
-                <a:spcPts val="1417"/>
-              </a:spcBef>
-              <a:buNone/>
-            </a:pPr>
-            <a:endParaRPr b="0" lang="en-US" sz="2000" spc="-1" strike="noStrike">
-              <a:solidFill>
-                <a:srgbClr val="000000"/>
-              </a:solidFill>
-              <a:latin typeface="Rockwell"/>
+            <a:endParaRPr b="0" lang="en-IE" sz="3200" spc="-1" strike="noStrike">
+              <a:latin typeface="Arial"/>
             </a:endParaRPr>
           </a:p>
         </p:txBody>
@@ -4236,8 +4246,8 @@
         </p:nvSpPr>
         <p:spPr>
           <a:xfrm>
-            <a:off x="7871760" y="4237200"/>
-            <a:ext cx="3238560" cy="1931760"/>
+            <a:off x="8029800" y="3682080"/>
+            <a:ext cx="3533040" cy="1896840"/>
           </a:xfrm>
           <a:prstGeom prst="rect">
             <a:avLst/>
@@ -4252,20 +4262,8 @@
             <a:normAutofit/>
           </a:bodyPr>
           <a:p>
-            <a:pPr>
-              <a:lnSpc>
-                <a:spcPct val="90000"/>
-              </a:lnSpc>
-              <a:spcBef>
-                <a:spcPts val="1417"/>
-              </a:spcBef>
-              <a:buNone/>
-            </a:pPr>
-            <a:endParaRPr b="0" lang="en-US" sz="2000" spc="-1" strike="noStrike">
-              <a:solidFill>
-                <a:srgbClr val="000000"/>
-              </a:solidFill>
-              <a:latin typeface="Rockwell"/>
+            <a:endParaRPr b="0" lang="en-IE" sz="3200" spc="-1" strike="noStrike">
+              <a:latin typeface="Arial"/>
             </a:endParaRPr>
           </a:p>
         </p:txBody>
@@ -4277,7 +4275,7 @@
             <a:spLocks noGrp="1"/>
           </p:cNvSpPr>
           <p:nvPr>
-            <p:ph type="ftr" idx="5"/>
+            <p:ph type="ftr" idx="4"/>
           </p:nvPr>
         </p:nvSpPr>
         <p:spPr/>
@@ -4297,14 +4295,14 @@
             <a:spLocks noGrp="1"/>
           </p:cNvSpPr>
           <p:nvPr>
-            <p:ph type="sldNum" idx="6"/>
+            <p:ph type="sldNum" idx="5"/>
           </p:nvPr>
         </p:nvSpPr>
         <p:spPr/>
         <p:txBody>
           <a:bodyPr/>
           <a:p>
-            <a:fld id="{3BF98C6A-2711-4A65-B80A-2C988527C704}" type="slidenum">
+            <a:fld id="{B41DE629-C618-474A-AF84-26D00A8397D5}" type="slidenum">
               <a:t>&lt;#&gt;</a:t>
             </a:fld>
           </a:p>
@@ -4317,7 +4315,7 @@
             <a:spLocks noGrp="1"/>
           </p:cNvSpPr>
           <p:nvPr>
-            <p:ph type="dt" idx="4"/>
+            <p:ph type="dt" idx="6"/>
           </p:nvPr>
         </p:nvSpPr>
         <p:spPr/>
@@ -4365,8 +4363,8 @@
         </p:nvSpPr>
         <p:spPr>
           <a:xfrm>
-            <a:off x="1069920" y="484560"/>
-            <a:ext cx="10058040" cy="1608840"/>
+            <a:off x="609480" y="273600"/>
+            <a:ext cx="10972440" cy="1144800"/>
           </a:xfrm>
           <a:prstGeom prst="rect">
             <a:avLst/>
@@ -4381,11 +4379,11 @@
             <a:noAutofit/>
           </a:bodyPr>
           <a:p>
-            <a:endParaRPr b="0" lang="en-US" sz="1800" spc="-1" strike="noStrike">
-              <a:solidFill>
-                <a:srgbClr val="000000"/>
-              </a:solidFill>
-              <a:latin typeface="Rockwell"/>
+            <a:pPr algn="ctr">
+              <a:buNone/>
+            </a:pPr>
+            <a:endParaRPr b="0" lang="en-IE" sz="4400" spc="-1" strike="noStrike">
+              <a:latin typeface="Arial"/>
             </a:endParaRPr>
           </a:p>
         </p:txBody>
@@ -4402,8 +4400,8 @@
         </p:nvSpPr>
         <p:spPr>
           <a:xfrm>
-            <a:off x="1069920" y="2121480"/>
-            <a:ext cx="10058040" cy="4050360"/>
+            <a:off x="609480" y="1604520"/>
+            <a:ext cx="10972440" cy="3977280"/>
           </a:xfrm>
           <a:prstGeom prst="rect">
             <a:avLst/>
@@ -4418,20 +4416,8 @@
             <a:normAutofit/>
           </a:bodyPr>
           <a:p>
-            <a:pPr>
-              <a:lnSpc>
-                <a:spcPct val="90000"/>
-              </a:lnSpc>
-              <a:spcBef>
-                <a:spcPts val="1417"/>
-              </a:spcBef>
-              <a:buNone/>
-            </a:pPr>
-            <a:endParaRPr b="0" lang="en-US" sz="2000" spc="-1" strike="noStrike">
-              <a:solidFill>
-                <a:srgbClr val="000000"/>
-              </a:solidFill>
-              <a:latin typeface="Rockwell"/>
+            <a:endParaRPr b="0" lang="en-IE" sz="3200" spc="-1" strike="noStrike">
+              <a:latin typeface="Arial"/>
             </a:endParaRPr>
           </a:p>
         </p:txBody>
@@ -4443,7 +4429,7 @@
             <a:spLocks noGrp="1"/>
           </p:cNvSpPr>
           <p:nvPr>
-            <p:ph type="ftr" idx="2"/>
+            <p:ph type="ftr" idx="1"/>
           </p:nvPr>
         </p:nvSpPr>
         <p:spPr/>
@@ -4463,14 +4449,14 @@
             <a:spLocks noGrp="1"/>
           </p:cNvSpPr>
           <p:nvPr>
-            <p:ph type="sldNum" idx="3"/>
+            <p:ph type="sldNum" idx="2"/>
           </p:nvPr>
         </p:nvSpPr>
         <p:spPr/>
         <p:txBody>
           <a:bodyPr/>
           <a:p>
-            <a:fld id="{03662AA8-6F4F-4ABD-A5EF-C20F5AA04758}" type="slidenum">
+            <a:fld id="{E7E12245-93BA-44A4-8FC5-54CE160DD522}" type="slidenum">
               <a:t>&lt;#&gt;</a:t>
             </a:fld>
           </a:p>
@@ -4483,7 +4469,7 @@
             <a:spLocks noGrp="1"/>
           </p:cNvSpPr>
           <p:nvPr>
-            <p:ph type="dt" idx="1"/>
+            <p:ph type="dt" idx="3"/>
           </p:nvPr>
         </p:nvSpPr>
         <p:spPr/>
@@ -4531,8 +4517,8 @@
         </p:nvSpPr>
         <p:spPr>
           <a:xfrm>
-            <a:off x="1069920" y="484560"/>
-            <a:ext cx="10058040" cy="1608840"/>
+            <a:off x="609480" y="273600"/>
+            <a:ext cx="10972440" cy="1144800"/>
           </a:xfrm>
           <a:prstGeom prst="rect">
             <a:avLst/>
@@ -4547,11 +4533,11 @@
             <a:noAutofit/>
           </a:bodyPr>
           <a:p>
-            <a:endParaRPr b="0" lang="en-US" sz="1800" spc="-1" strike="noStrike">
-              <a:solidFill>
-                <a:srgbClr val="000000"/>
-              </a:solidFill>
-              <a:latin typeface="Rockwell"/>
+            <a:pPr algn="ctr">
+              <a:buNone/>
+            </a:pPr>
+            <a:endParaRPr b="0" lang="en-IE" sz="4400" spc="-1" strike="noStrike">
+              <a:latin typeface="Arial"/>
             </a:endParaRPr>
           </a:p>
         </p:txBody>
@@ -4568,8 +4554,8 @@
         </p:nvSpPr>
         <p:spPr>
           <a:xfrm>
-            <a:off x="1069920" y="2121480"/>
-            <a:ext cx="4908240" cy="4050360"/>
+            <a:off x="609480" y="1604520"/>
+            <a:ext cx="5354280" cy="3977280"/>
           </a:xfrm>
           <a:prstGeom prst="rect">
             <a:avLst/>
@@ -4584,20 +4570,8 @@
             <a:normAutofit/>
           </a:bodyPr>
           <a:p>
-            <a:pPr>
-              <a:lnSpc>
-                <a:spcPct val="90000"/>
-              </a:lnSpc>
-              <a:spcBef>
-                <a:spcPts val="1417"/>
-              </a:spcBef>
-              <a:buNone/>
-            </a:pPr>
-            <a:endParaRPr b="0" lang="en-US" sz="2000" spc="-1" strike="noStrike">
-              <a:solidFill>
-                <a:srgbClr val="000000"/>
-              </a:solidFill>
-              <a:latin typeface="Rockwell"/>
+            <a:endParaRPr b="0" lang="en-IE" sz="3200" spc="-1" strike="noStrike">
+              <a:latin typeface="Arial"/>
             </a:endParaRPr>
           </a:p>
         </p:txBody>
@@ -4614,8 +4588,8 @@
         </p:nvSpPr>
         <p:spPr>
           <a:xfrm>
-            <a:off x="6224040" y="2121480"/>
-            <a:ext cx="4908240" cy="4050360"/>
+            <a:off x="6231960" y="1604520"/>
+            <a:ext cx="5354280" cy="3977280"/>
           </a:xfrm>
           <a:prstGeom prst="rect">
             <a:avLst/>
@@ -4630,20 +4604,8 @@
             <a:normAutofit/>
           </a:bodyPr>
           <a:p>
-            <a:pPr>
-              <a:lnSpc>
-                <a:spcPct val="90000"/>
-              </a:lnSpc>
-              <a:spcBef>
-                <a:spcPts val="1417"/>
-              </a:spcBef>
-              <a:buNone/>
-            </a:pPr>
-            <a:endParaRPr b="0" lang="en-US" sz="2000" spc="-1" strike="noStrike">
-              <a:solidFill>
-                <a:srgbClr val="000000"/>
-              </a:solidFill>
-              <a:latin typeface="Rockwell"/>
+            <a:endParaRPr b="0" lang="en-IE" sz="3200" spc="-1" strike="noStrike">
+              <a:latin typeface="Arial"/>
             </a:endParaRPr>
           </a:p>
         </p:txBody>
@@ -4655,7 +4617,7 @@
             <a:spLocks noGrp="1"/>
           </p:cNvSpPr>
           <p:nvPr>
-            <p:ph type="ftr" idx="2"/>
+            <p:ph type="ftr" idx="1"/>
           </p:nvPr>
         </p:nvSpPr>
         <p:spPr/>
@@ -4675,14 +4637,14 @@
             <a:spLocks noGrp="1"/>
           </p:cNvSpPr>
           <p:nvPr>
-            <p:ph type="sldNum" idx="3"/>
+            <p:ph type="sldNum" idx="2"/>
           </p:nvPr>
         </p:nvSpPr>
         <p:spPr/>
         <p:txBody>
           <a:bodyPr/>
           <a:p>
-            <a:fld id="{5E5E9D9C-9D9D-46B6-AFDC-5360D39EDADF}" type="slidenum">
+            <a:fld id="{ADFF5C4F-EA0A-4D81-B757-80F723FC3616}" type="slidenum">
               <a:t>&lt;#&gt;</a:t>
             </a:fld>
           </a:p>
@@ -4695,7 +4657,7 @@
             <a:spLocks noGrp="1"/>
           </p:cNvSpPr>
           <p:nvPr>
-            <p:ph type="dt" idx="1"/>
+            <p:ph type="dt" idx="3"/>
           </p:nvPr>
         </p:nvSpPr>
         <p:spPr/>
@@ -4743,8 +4705,8 @@
         </p:nvSpPr>
         <p:spPr>
           <a:xfrm>
-            <a:off x="1069920" y="484560"/>
-            <a:ext cx="10058040" cy="1608840"/>
+            <a:off x="609480" y="273600"/>
+            <a:ext cx="10972440" cy="1144800"/>
           </a:xfrm>
           <a:prstGeom prst="rect">
             <a:avLst/>
@@ -4759,11 +4721,11 @@
             <a:noAutofit/>
           </a:bodyPr>
           <a:p>
-            <a:endParaRPr b="0" lang="en-US" sz="1800" spc="-1" strike="noStrike">
-              <a:solidFill>
-                <a:srgbClr val="000000"/>
-              </a:solidFill>
-              <a:latin typeface="Rockwell"/>
+            <a:pPr algn="ctr">
+              <a:buNone/>
+            </a:pPr>
+            <a:endParaRPr b="0" lang="en-IE" sz="4400" spc="-1" strike="noStrike">
+              <a:latin typeface="Arial"/>
             </a:endParaRPr>
           </a:p>
         </p:txBody>
@@ -4775,7 +4737,7 @@
             <a:spLocks noGrp="1"/>
           </p:cNvSpPr>
           <p:nvPr>
-            <p:ph type="ftr" idx="2"/>
+            <p:ph type="ftr" idx="1"/>
           </p:nvPr>
         </p:nvSpPr>
         <p:spPr/>
@@ -4795,14 +4757,14 @@
             <a:spLocks noGrp="1"/>
           </p:cNvSpPr>
           <p:nvPr>
-            <p:ph type="sldNum" idx="3"/>
+            <p:ph type="sldNum" idx="2"/>
           </p:nvPr>
         </p:nvSpPr>
         <p:spPr/>
         <p:txBody>
           <a:bodyPr/>
           <a:p>
-            <a:fld id="{CB1BAF06-EA7B-4E68-8E12-88CD53FA270D}" type="slidenum">
+            <a:fld id="{1D005E5F-460C-4714-9A4B-56642A72BB7B}" type="slidenum">
               <a:t>&lt;#&gt;</a:t>
             </a:fld>
           </a:p>
@@ -4815,7 +4777,7 @@
             <a:spLocks noGrp="1"/>
           </p:cNvSpPr>
           <p:nvPr>
-            <p:ph type="dt" idx="1"/>
+            <p:ph type="dt" idx="3"/>
           </p:nvPr>
         </p:nvSpPr>
         <p:spPr/>
@@ -4863,8 +4825,8 @@
         </p:nvSpPr>
         <p:spPr>
           <a:xfrm>
-            <a:off x="1069920" y="484560"/>
-            <a:ext cx="10058040" cy="7458840"/>
+            <a:off x="609480" y="273600"/>
+            <a:ext cx="10972440" cy="5307840"/>
           </a:xfrm>
           <a:prstGeom prst="rect">
             <a:avLst/>
@@ -4895,7 +4857,7 @@
             <a:spLocks noGrp="1"/>
           </p:cNvSpPr>
           <p:nvPr>
-            <p:ph type="ftr" idx="2"/>
+            <p:ph type="ftr" idx="1"/>
           </p:nvPr>
         </p:nvSpPr>
         <p:spPr/>
@@ -4915,14 +4877,14 @@
             <a:spLocks noGrp="1"/>
           </p:cNvSpPr>
           <p:nvPr>
-            <p:ph type="sldNum" idx="3"/>
+            <p:ph type="sldNum" idx="2"/>
           </p:nvPr>
         </p:nvSpPr>
         <p:spPr/>
         <p:txBody>
           <a:bodyPr/>
           <a:p>
-            <a:fld id="{8B8F2FFC-DF58-4B26-8946-7A9DAE88F656}" type="slidenum">
+            <a:fld id="{EE4CFB6D-3B66-41B7-8AA1-1BEC1581F7A1}" type="slidenum">
               <a:t>&lt;#&gt;</a:t>
             </a:fld>
           </a:p>
@@ -4935,7 +4897,7 @@
             <a:spLocks noGrp="1"/>
           </p:cNvSpPr>
           <p:nvPr>
-            <p:ph type="dt" idx="1"/>
+            <p:ph type="dt" idx="3"/>
           </p:nvPr>
         </p:nvSpPr>
         <p:spPr/>
@@ -4983,8 +4945,8 @@
         </p:nvSpPr>
         <p:spPr>
           <a:xfrm>
-            <a:off x="1069920" y="484560"/>
-            <a:ext cx="10058040" cy="1608840"/>
+            <a:off x="609480" y="273600"/>
+            <a:ext cx="10972440" cy="1144800"/>
           </a:xfrm>
           <a:prstGeom prst="rect">
             <a:avLst/>
@@ -4999,11 +4961,11 @@
             <a:noAutofit/>
           </a:bodyPr>
           <a:p>
-            <a:endParaRPr b="0" lang="en-US" sz="1800" spc="-1" strike="noStrike">
-              <a:solidFill>
-                <a:srgbClr val="000000"/>
-              </a:solidFill>
-              <a:latin typeface="Rockwell"/>
+            <a:pPr algn="ctr">
+              <a:buNone/>
+            </a:pPr>
+            <a:endParaRPr b="0" lang="en-IE" sz="4400" spc="-1" strike="noStrike">
+              <a:latin typeface="Arial"/>
             </a:endParaRPr>
           </a:p>
         </p:txBody>
@@ -5020,8 +4982,8 @@
         </p:nvSpPr>
         <p:spPr>
           <a:xfrm>
-            <a:off x="1069920" y="2121480"/>
-            <a:ext cx="4908240" cy="1931760"/>
+            <a:off x="609480" y="1604520"/>
+            <a:ext cx="5354280" cy="1896840"/>
           </a:xfrm>
           <a:prstGeom prst="rect">
             <a:avLst/>
@@ -5036,20 +4998,8 @@
             <a:normAutofit/>
           </a:bodyPr>
           <a:p>
-            <a:pPr>
-              <a:lnSpc>
-                <a:spcPct val="90000"/>
-              </a:lnSpc>
-              <a:spcBef>
-                <a:spcPts val="1417"/>
-              </a:spcBef>
-              <a:buNone/>
-            </a:pPr>
-            <a:endParaRPr b="0" lang="en-US" sz="2000" spc="-1" strike="noStrike">
-              <a:solidFill>
-                <a:srgbClr val="000000"/>
-              </a:solidFill>
-              <a:latin typeface="Rockwell"/>
+            <a:endParaRPr b="0" lang="en-IE" sz="3200" spc="-1" strike="noStrike">
+              <a:latin typeface="Arial"/>
             </a:endParaRPr>
           </a:p>
         </p:txBody>
@@ -5066,8 +5016,8 @@
         </p:nvSpPr>
         <p:spPr>
           <a:xfrm>
-            <a:off x="6224040" y="2121480"/>
-            <a:ext cx="4908240" cy="4050360"/>
+            <a:off x="6231960" y="1604520"/>
+            <a:ext cx="5354280" cy="3977280"/>
           </a:xfrm>
           <a:prstGeom prst="rect">
             <a:avLst/>
@@ -5082,20 +5032,8 @@
             <a:normAutofit/>
           </a:bodyPr>
           <a:p>
-            <a:pPr>
-              <a:lnSpc>
-                <a:spcPct val="90000"/>
-              </a:lnSpc>
-              <a:spcBef>
-                <a:spcPts val="1417"/>
-              </a:spcBef>
-              <a:buNone/>
-            </a:pPr>
-            <a:endParaRPr b="0" lang="en-US" sz="2000" spc="-1" strike="noStrike">
-              <a:solidFill>
-                <a:srgbClr val="000000"/>
-              </a:solidFill>
-              <a:latin typeface="Rockwell"/>
+            <a:endParaRPr b="0" lang="en-IE" sz="3200" spc="-1" strike="noStrike">
+              <a:latin typeface="Arial"/>
             </a:endParaRPr>
           </a:p>
         </p:txBody>
@@ -5112,8 +5050,8 @@
         </p:nvSpPr>
         <p:spPr>
           <a:xfrm>
-            <a:off x="1069920" y="4237200"/>
-            <a:ext cx="4908240" cy="1931760"/>
+            <a:off x="609480" y="3682080"/>
+            <a:ext cx="5354280" cy="1896840"/>
           </a:xfrm>
           <a:prstGeom prst="rect">
             <a:avLst/>
@@ -5128,20 +5066,8 @@
             <a:normAutofit/>
           </a:bodyPr>
           <a:p>
-            <a:pPr>
-              <a:lnSpc>
-                <a:spcPct val="90000"/>
-              </a:lnSpc>
-              <a:spcBef>
-                <a:spcPts val="1417"/>
-              </a:spcBef>
-              <a:buNone/>
-            </a:pPr>
-            <a:endParaRPr b="0" lang="en-US" sz="2000" spc="-1" strike="noStrike">
-              <a:solidFill>
-                <a:srgbClr val="000000"/>
-              </a:solidFill>
-              <a:latin typeface="Rockwell"/>
+            <a:endParaRPr b="0" lang="en-IE" sz="3200" spc="-1" strike="noStrike">
+              <a:latin typeface="Arial"/>
             </a:endParaRPr>
           </a:p>
         </p:txBody>
@@ -5153,7 +5079,7 @@
             <a:spLocks noGrp="1"/>
           </p:cNvSpPr>
           <p:nvPr>
-            <p:ph type="ftr" idx="2"/>
+            <p:ph type="ftr" idx="1"/>
           </p:nvPr>
         </p:nvSpPr>
         <p:spPr/>
@@ -5173,14 +5099,14 @@
             <a:spLocks noGrp="1"/>
           </p:cNvSpPr>
           <p:nvPr>
-            <p:ph type="sldNum" idx="3"/>
+            <p:ph type="sldNum" idx="2"/>
           </p:nvPr>
         </p:nvSpPr>
         <p:spPr/>
         <p:txBody>
           <a:bodyPr/>
           <a:p>
-            <a:fld id="{F39B4D3F-CAE1-4099-9FF5-E1B072A3D531}" type="slidenum">
+            <a:fld id="{40737645-508F-4F32-AECF-3CD2B23DD874}" type="slidenum">
               <a:t>&lt;#&gt;</a:t>
             </a:fld>
           </a:p>
@@ -5193,7 +5119,7 @@
             <a:spLocks noGrp="1"/>
           </p:cNvSpPr>
           <p:nvPr>
-            <p:ph type="dt" idx="1"/>
+            <p:ph type="dt" idx="3"/>
           </p:nvPr>
         </p:nvSpPr>
         <p:spPr/>
@@ -5241,8 +5167,8 @@
         </p:nvSpPr>
         <p:spPr>
           <a:xfrm>
-            <a:off x="1069920" y="484560"/>
-            <a:ext cx="10058040" cy="1608840"/>
+            <a:off x="609480" y="273600"/>
+            <a:ext cx="10972440" cy="1144800"/>
           </a:xfrm>
           <a:prstGeom prst="rect">
             <a:avLst/>
@@ -5257,11 +5183,11 @@
             <a:noAutofit/>
           </a:bodyPr>
           <a:p>
-            <a:endParaRPr b="0" lang="en-US" sz="1800" spc="-1" strike="noStrike">
-              <a:solidFill>
-                <a:srgbClr val="000000"/>
-              </a:solidFill>
-              <a:latin typeface="Rockwell"/>
+            <a:pPr algn="ctr">
+              <a:buNone/>
+            </a:pPr>
+            <a:endParaRPr b="0" lang="en-IE" sz="4400" spc="-1" strike="noStrike">
+              <a:latin typeface="Arial"/>
             </a:endParaRPr>
           </a:p>
         </p:txBody>
@@ -5278,8 +5204,8 @@
         </p:nvSpPr>
         <p:spPr>
           <a:xfrm>
-            <a:off x="1069920" y="2121480"/>
-            <a:ext cx="4908240" cy="4050360"/>
+            <a:off x="609480" y="1604520"/>
+            <a:ext cx="5354280" cy="3977280"/>
           </a:xfrm>
           <a:prstGeom prst="rect">
             <a:avLst/>
@@ -5294,20 +5220,8 @@
             <a:normAutofit/>
           </a:bodyPr>
           <a:p>
-            <a:pPr>
-              <a:lnSpc>
-                <a:spcPct val="90000"/>
-              </a:lnSpc>
-              <a:spcBef>
-                <a:spcPts val="1417"/>
-              </a:spcBef>
-              <a:buNone/>
-            </a:pPr>
-            <a:endParaRPr b="0" lang="en-US" sz="2000" spc="-1" strike="noStrike">
-              <a:solidFill>
-                <a:srgbClr val="000000"/>
-              </a:solidFill>
-              <a:latin typeface="Rockwell"/>
+            <a:endParaRPr b="0" lang="en-IE" sz="3200" spc="-1" strike="noStrike">
+              <a:latin typeface="Arial"/>
             </a:endParaRPr>
           </a:p>
         </p:txBody>
@@ -5324,8 +5238,8 @@
         </p:nvSpPr>
         <p:spPr>
           <a:xfrm>
-            <a:off x="6224040" y="2121480"/>
-            <a:ext cx="4908240" cy="1931760"/>
+            <a:off x="6231960" y="1604520"/>
+            <a:ext cx="5354280" cy="1896840"/>
           </a:xfrm>
           <a:prstGeom prst="rect">
             <a:avLst/>
@@ -5340,20 +5254,8 @@
             <a:normAutofit/>
           </a:bodyPr>
           <a:p>
-            <a:pPr>
-              <a:lnSpc>
-                <a:spcPct val="90000"/>
-              </a:lnSpc>
-              <a:spcBef>
-                <a:spcPts val="1417"/>
-              </a:spcBef>
-              <a:buNone/>
-            </a:pPr>
-            <a:endParaRPr b="0" lang="en-US" sz="2000" spc="-1" strike="noStrike">
-              <a:solidFill>
-                <a:srgbClr val="000000"/>
-              </a:solidFill>
-              <a:latin typeface="Rockwell"/>
+            <a:endParaRPr b="0" lang="en-IE" sz="3200" spc="-1" strike="noStrike">
+              <a:latin typeface="Arial"/>
             </a:endParaRPr>
           </a:p>
         </p:txBody>
@@ -5370,8 +5272,8 @@
         </p:nvSpPr>
         <p:spPr>
           <a:xfrm>
-            <a:off x="6224040" y="4237200"/>
-            <a:ext cx="4908240" cy="1931760"/>
+            <a:off x="6231960" y="3682080"/>
+            <a:ext cx="5354280" cy="1896840"/>
           </a:xfrm>
           <a:prstGeom prst="rect">
             <a:avLst/>
@@ -5386,20 +5288,8 @@
             <a:normAutofit/>
           </a:bodyPr>
           <a:p>
-            <a:pPr>
-              <a:lnSpc>
-                <a:spcPct val="90000"/>
-              </a:lnSpc>
-              <a:spcBef>
-                <a:spcPts val="1417"/>
-              </a:spcBef>
-              <a:buNone/>
-            </a:pPr>
-            <a:endParaRPr b="0" lang="en-US" sz="2000" spc="-1" strike="noStrike">
-              <a:solidFill>
-                <a:srgbClr val="000000"/>
-              </a:solidFill>
-              <a:latin typeface="Rockwell"/>
+            <a:endParaRPr b="0" lang="en-IE" sz="3200" spc="-1" strike="noStrike">
+              <a:latin typeface="Arial"/>
             </a:endParaRPr>
           </a:p>
         </p:txBody>
@@ -5411,7 +5301,7 @@
             <a:spLocks noGrp="1"/>
           </p:cNvSpPr>
           <p:nvPr>
-            <p:ph type="ftr" idx="2"/>
+            <p:ph type="ftr" idx="1"/>
           </p:nvPr>
         </p:nvSpPr>
         <p:spPr/>
@@ -5431,14 +5321,14 @@
             <a:spLocks noGrp="1"/>
           </p:cNvSpPr>
           <p:nvPr>
-            <p:ph type="sldNum" idx="3"/>
+            <p:ph type="sldNum" idx="2"/>
           </p:nvPr>
         </p:nvSpPr>
         <p:spPr/>
         <p:txBody>
           <a:bodyPr/>
           <a:p>
-            <a:fld id="{ADF51CC4-F485-4A11-8DCD-D2116050D945}" type="slidenum">
+            <a:fld id="{788035C1-3F18-449A-A91F-205C5C7857F7}" type="slidenum">
               <a:t>&lt;#&gt;</a:t>
             </a:fld>
           </a:p>
@@ -5451,7 +5341,7 @@
             <a:spLocks noGrp="1"/>
           </p:cNvSpPr>
           <p:nvPr>
-            <p:ph type="dt" idx="1"/>
+            <p:ph type="dt" idx="3"/>
           </p:nvPr>
         </p:nvSpPr>
         <p:spPr/>
@@ -5499,8 +5389,8 @@
         </p:nvSpPr>
         <p:spPr>
           <a:xfrm>
-            <a:off x="1069920" y="484560"/>
-            <a:ext cx="10058040" cy="1608840"/>
+            <a:off x="609480" y="273600"/>
+            <a:ext cx="10972440" cy="1144800"/>
           </a:xfrm>
           <a:prstGeom prst="rect">
             <a:avLst/>
@@ -5515,11 +5405,11 @@
             <a:noAutofit/>
           </a:bodyPr>
           <a:p>
-            <a:endParaRPr b="0" lang="en-US" sz="1800" spc="-1" strike="noStrike">
-              <a:solidFill>
-                <a:srgbClr val="000000"/>
-              </a:solidFill>
-              <a:latin typeface="Rockwell"/>
+            <a:pPr algn="ctr">
+              <a:buNone/>
+            </a:pPr>
+            <a:endParaRPr b="0" lang="en-IE" sz="4400" spc="-1" strike="noStrike">
+              <a:latin typeface="Arial"/>
             </a:endParaRPr>
           </a:p>
         </p:txBody>
@@ -5536,8 +5426,8 @@
         </p:nvSpPr>
         <p:spPr>
           <a:xfrm>
-            <a:off x="1069920" y="2121480"/>
-            <a:ext cx="4908240" cy="1931760"/>
+            <a:off x="609480" y="1604520"/>
+            <a:ext cx="5354280" cy="1896840"/>
           </a:xfrm>
           <a:prstGeom prst="rect">
             <a:avLst/>
@@ -5552,20 +5442,8 @@
             <a:normAutofit/>
           </a:bodyPr>
           <a:p>
-            <a:pPr>
-              <a:lnSpc>
-                <a:spcPct val="90000"/>
-              </a:lnSpc>
-              <a:spcBef>
-                <a:spcPts val="1417"/>
-              </a:spcBef>
-              <a:buNone/>
-            </a:pPr>
-            <a:endParaRPr b="0" lang="en-US" sz="2000" spc="-1" strike="noStrike">
-              <a:solidFill>
-                <a:srgbClr val="000000"/>
-              </a:solidFill>
-              <a:latin typeface="Rockwell"/>
+            <a:endParaRPr b="0" lang="en-IE" sz="3200" spc="-1" strike="noStrike">
+              <a:latin typeface="Arial"/>
             </a:endParaRPr>
           </a:p>
         </p:txBody>
@@ -5582,8 +5460,8 @@
         </p:nvSpPr>
         <p:spPr>
           <a:xfrm>
-            <a:off x="6224040" y="2121480"/>
-            <a:ext cx="4908240" cy="1931760"/>
+            <a:off x="6231960" y="1604520"/>
+            <a:ext cx="5354280" cy="1896840"/>
           </a:xfrm>
           <a:prstGeom prst="rect">
             <a:avLst/>
@@ -5598,20 +5476,8 @@
             <a:normAutofit/>
           </a:bodyPr>
           <a:p>
-            <a:pPr>
-              <a:lnSpc>
-                <a:spcPct val="90000"/>
-              </a:lnSpc>
-              <a:spcBef>
-                <a:spcPts val="1417"/>
-              </a:spcBef>
-              <a:buNone/>
-            </a:pPr>
-            <a:endParaRPr b="0" lang="en-US" sz="2000" spc="-1" strike="noStrike">
-              <a:solidFill>
-                <a:srgbClr val="000000"/>
-              </a:solidFill>
-              <a:latin typeface="Rockwell"/>
+            <a:endParaRPr b="0" lang="en-IE" sz="3200" spc="-1" strike="noStrike">
+              <a:latin typeface="Arial"/>
             </a:endParaRPr>
           </a:p>
         </p:txBody>
@@ -5628,8 +5494,8 @@
         </p:nvSpPr>
         <p:spPr>
           <a:xfrm>
-            <a:off x="1069920" y="4237200"/>
-            <a:ext cx="10058040" cy="1931760"/>
+            <a:off x="609480" y="3682080"/>
+            <a:ext cx="10972440" cy="1896840"/>
           </a:xfrm>
           <a:prstGeom prst="rect">
             <a:avLst/>
@@ -5644,20 +5510,8 @@
             <a:normAutofit/>
           </a:bodyPr>
           <a:p>
-            <a:pPr>
-              <a:lnSpc>
-                <a:spcPct val="90000"/>
-              </a:lnSpc>
-              <a:spcBef>
-                <a:spcPts val="1417"/>
-              </a:spcBef>
-              <a:buNone/>
-            </a:pPr>
-            <a:endParaRPr b="0" lang="en-US" sz="2000" spc="-1" strike="noStrike">
-              <a:solidFill>
-                <a:srgbClr val="000000"/>
-              </a:solidFill>
-              <a:latin typeface="Rockwell"/>
+            <a:endParaRPr b="0" lang="en-IE" sz="3200" spc="-1" strike="noStrike">
+              <a:latin typeface="Arial"/>
             </a:endParaRPr>
           </a:p>
         </p:txBody>
@@ -5669,7 +5523,7 @@
             <a:spLocks noGrp="1"/>
           </p:cNvSpPr>
           <p:nvPr>
-            <p:ph type="ftr" idx="2"/>
+            <p:ph type="ftr" idx="1"/>
           </p:nvPr>
         </p:nvSpPr>
         <p:spPr/>
@@ -5689,14 +5543,14 @@
             <a:spLocks noGrp="1"/>
           </p:cNvSpPr>
           <p:nvPr>
-            <p:ph type="sldNum" idx="3"/>
+            <p:ph type="sldNum" idx="2"/>
           </p:nvPr>
         </p:nvSpPr>
         <p:spPr/>
         <p:txBody>
           <a:bodyPr/>
           <a:p>
-            <a:fld id="{BCC9243E-6DFB-4612-89F0-8A9610E66B71}" type="slidenum">
+            <a:fld id="{22AE2516-D2A9-4BB1-8216-2A818586A712}" type="slidenum">
               <a:t>&lt;#&gt;</a:t>
             </a:fld>
           </a:p>
@@ -5709,7 +5563,7 @@
             <a:spLocks noGrp="1"/>
           </p:cNvSpPr>
           <p:nvPr>
-            <p:ph type="dt" idx="1"/>
+            <p:ph type="dt" idx="3"/>
           </p:nvPr>
         </p:nvSpPr>
         <p:spPr/>
@@ -5761,9 +5615,9 @@
         <p:grpSpPr>
           <a:xfrm>
             <a:off x="11401560" y="6229800"/>
-            <a:ext cx="456840" cy="456840"/>
+            <a:ext cx="456480" cy="456480"/>
             <a:chOff x="11401560" y="6229800"/>
-            <a:chExt cx="456840" cy="456840"/>
+            <a:chExt cx="456480" cy="456480"/>
           </a:xfrm>
         </p:grpSpPr>
         <p:sp>
@@ -5775,7 +5629,7 @@
           <p:spPr>
             <a:xfrm>
               <a:off x="11401560" y="6229800"/>
-              <a:ext cx="456840" cy="456840"/>
+              <a:ext cx="456480" cy="456480"/>
             </a:xfrm>
             <a:prstGeom prst="ellipse">
               <a:avLst/>
@@ -5805,7 +5659,7 @@
           <p:spPr>
             <a:xfrm>
               <a:off x="11431080" y="6258960"/>
-              <a:ext cx="398520" cy="398520"/>
+              <a:ext cx="398160" cy="398160"/>
             </a:xfrm>
             <a:prstGeom prst="ellipse">
               <a:avLst/>
@@ -5835,7 +5689,7 @@
         <p:spPr>
           <a:xfrm>
             <a:off x="920880" y="1347120"/>
-            <a:ext cx="10222560" cy="80280"/>
+            <a:ext cx="10222200" cy="79920"/>
           </a:xfrm>
           <a:prstGeom prst="rect">
             <a:avLst/>
@@ -5875,7 +5729,7 @@
         <p:spPr>
           <a:xfrm>
             <a:off x="920880" y="4299840"/>
-            <a:ext cx="10222560" cy="80280"/>
+            <a:ext cx="10222200" cy="79920"/>
           </a:xfrm>
           <a:prstGeom prst="rect">
             <a:avLst/>
@@ -5915,7 +5769,7 @@
         <p:spPr>
           <a:xfrm>
             <a:off x="920880" y="1484640"/>
-            <a:ext cx="10222560" cy="2742840"/>
+            <a:ext cx="10222200" cy="2742480"/>
           </a:xfrm>
           <a:prstGeom prst="rect">
             <a:avLst/>
@@ -5955,9 +5809,9 @@
         <p:grpSpPr>
           <a:xfrm>
             <a:off x="9649080" y="4069080"/>
-            <a:ext cx="1080720" cy="1080720"/>
+            <a:ext cx="1080360" cy="1080360"/>
             <a:chOff x="9649080" y="4069080"/>
-            <a:chExt cx="1080720" cy="1080720"/>
+            <a:chExt cx="1080360" cy="1080360"/>
           </a:xfrm>
         </p:grpSpPr>
         <p:sp>
@@ -5969,7 +5823,7 @@
           <p:spPr>
             <a:xfrm>
               <a:off x="9649080" y="4069080"/>
-              <a:ext cx="1080720" cy="1080720"/>
+              <a:ext cx="1080360" cy="1080360"/>
             </a:xfrm>
             <a:prstGeom prst="ellipse">
               <a:avLst/>
@@ -5999,7 +5853,7 @@
           <p:spPr>
             <a:xfrm>
               <a:off x="9757440" y="4177080"/>
-              <a:ext cx="864360" cy="864360"/>
+              <a:ext cx="864000" cy="864000"/>
             </a:xfrm>
             <a:prstGeom prst="ellipse">
               <a:avLst/>
@@ -6032,39 +5886,30 @@
         </p:nvSpPr>
         <p:spPr>
           <a:xfrm>
-            <a:off x="1051560" y="1432080"/>
-            <a:ext cx="9966600" cy="3035520"/>
-          </a:xfrm>
-          <a:prstGeom prst="rect">
-            <a:avLst/>
-          </a:prstGeom>
-          <a:noFill/>
-          <a:ln w="0">
-            <a:noFill/>
-          </a:ln>
-        </p:spPr>
-        <p:txBody>
-          <a:bodyPr anchor="ctr">
+            <a:off x="1069920" y="484560"/>
+            <a:ext cx="10057680" cy="1608480"/>
+          </a:xfrm>
+          <a:prstGeom prst="rect">
+            <a:avLst/>
+          </a:prstGeom>
+          <a:noFill/>
+          <a:ln w="0">
+            <a:noFill/>
+          </a:ln>
+        </p:spPr>
+        <p:txBody>
+          <a:bodyPr lIns="0" rIns="0" tIns="0" bIns="0" anchor="ctr">
             <a:noAutofit/>
           </a:bodyPr>
           <a:p>
-            <a:pPr>
-              <a:lnSpc>
-                <a:spcPct val="80000"/>
-              </a:lnSpc>
-              <a:buNone/>
-            </a:pPr>
-            <a:r>
-              <a:rPr b="0" lang="en-US" sz="9600" spc="-1" strike="noStrike" cap="all">
-                <a:latin typeface="Rockwell Condensed"/>
-              </a:rPr>
-              <a:t>Click to edit Master title style</a:t>
-            </a:r>
-            <a:endParaRPr b="0" lang="en-US" sz="9600" spc="-1" strike="noStrike">
-              <a:solidFill>
-                <a:srgbClr val="000000"/>
-              </a:solidFill>
-              <a:latin typeface="Rockwell"/>
+            <a:r>
+              <a:rPr b="0" lang="en-IE" sz="1800" spc="-1" strike="noStrike">
+                <a:latin typeface="Arial"/>
+              </a:rPr>
+              <a:t>Click to edit the title text format</a:t>
+            </a:r>
+            <a:endParaRPr b="0" lang="en-IE" sz="1800" spc="-1" strike="noStrike">
+              <a:latin typeface="Arial"/>
             </a:endParaRPr>
           </a:p>
         </p:txBody>
@@ -6076,91 +5921,31 @@
             <a:spLocks noGrp="1"/>
           </p:cNvSpPr>
           <p:nvPr>
-            <p:ph type="dt" idx="1"/>
-          </p:nvPr>
-        </p:nvSpPr>
-        <p:spPr>
-          <a:xfrm>
-            <a:off x="7964280" y="6272640"/>
-            <a:ext cx="3273120" cy="364680"/>
-          </a:xfrm>
-          <a:prstGeom prst="rect">
-            <a:avLst/>
-          </a:prstGeom>
-          <a:noFill/>
-          <a:ln w="0">
-            <a:noFill/>
-          </a:ln>
-        </p:spPr>
-        <p:txBody>
-          <a:bodyPr anchor="ctr">
+            <p:ph type="ftr" idx="1"/>
+          </p:nvPr>
+        </p:nvSpPr>
+        <p:spPr>
+          <a:xfrm>
+            <a:off x="1088280" y="6272640"/>
+            <a:ext cx="6327000" cy="364320"/>
+          </a:xfrm>
+          <a:prstGeom prst="rect">
+            <a:avLst/>
+          </a:prstGeom>
+          <a:noFill/>
+          <a:ln w="0">
+            <a:noFill/>
+          </a:ln>
+        </p:spPr>
+        <p:txBody>
+          <a:bodyPr lIns="90000" rIns="90000" tIns="45000" bIns="45000" anchor="ctr">
             <a:noAutofit/>
           </a:bodyPr>
           <a:lstStyle>
-            <a:lvl1pPr algn="r">
+            <a:lvl1pPr algn="ctr">
               <a:lnSpc>
                 <a:spcPct val="100000"/>
               </a:lnSpc>
-              <a:buNone/>
-              <a:defRPr b="0" lang="en-US" sz="1100" spc="-1" strike="noStrike">
-                <a:solidFill>
-                  <a:srgbClr val="696464"/>
-                </a:solidFill>
-                <a:latin typeface="Rockwell"/>
-              </a:defRPr>
-            </a:lvl1pPr>
-          </a:lstStyle>
-          <a:p>
-            <a:pPr algn="r">
-              <a:lnSpc>
-                <a:spcPct val="100000"/>
-              </a:lnSpc>
-              <a:buNone/>
-            </a:pPr>
-            <a:r>
-              <a:rPr b="0" lang="en-US" sz="1100" spc="-1" strike="noStrike">
-                <a:solidFill>
-                  <a:srgbClr val="696464"/>
-                </a:solidFill>
-                <a:latin typeface="Rockwell"/>
-              </a:rPr>
-              <a:t>&lt;date/time&gt;</a:t>
-            </a:r>
-            <a:endParaRPr b="0" lang="en-IE" sz="1100" spc="-1" strike="noStrike">
-              <a:latin typeface="Times New Roman"/>
-            </a:endParaRPr>
-          </a:p>
-        </p:txBody>
-      </p:sp>
-      <p:sp>
-        <p:nvSpPr>
-          <p:cNvPr id="11" name="PlaceHolder 3"/>
-          <p:cNvSpPr>
-            <a:spLocks noGrp="1"/>
-          </p:cNvSpPr>
-          <p:nvPr>
-            <p:ph type="ftr" idx="2"/>
-          </p:nvPr>
-        </p:nvSpPr>
-        <p:spPr>
-          <a:xfrm>
-            <a:off x="1088280" y="6272640"/>
-            <a:ext cx="6327360" cy="364680"/>
-          </a:xfrm>
-          <a:prstGeom prst="rect">
-            <a:avLst/>
-          </a:prstGeom>
-          <a:noFill/>
-          <a:ln w="0">
-            <a:noFill/>
-          </a:ln>
-        </p:spPr>
-        <p:txBody>
-          <a:bodyPr anchor="ctr">
-            <a:noAutofit/>
-          </a:bodyPr>
-          <a:lstStyle>
-            <a:lvl1pPr algn="ctr">
               <a:buNone/>
               <a:defRPr b="0" lang="en-IE" sz="1400" spc="-1" strike="noStrike">
                 <a:latin typeface="Times New Roman"/>
@@ -6169,6 +5954,9 @@
           </a:lstStyle>
           <a:p>
             <a:pPr algn="ctr">
+              <a:lnSpc>
+                <a:spcPct val="100000"/>
+              </a:lnSpc>
               <a:buNone/>
             </a:pPr>
             <a:r>
@@ -6185,29 +5973,29 @@
       </p:sp>
       <p:sp>
         <p:nvSpPr>
-          <p:cNvPr id="12" name="PlaceHolder 4"/>
-          <p:cNvSpPr>
-            <a:spLocks noGrp="1"/>
-          </p:cNvSpPr>
-          <p:nvPr>
-            <p:ph type="sldNum" idx="3"/>
+          <p:cNvPr id="11" name="PlaceHolder 3"/>
+          <p:cNvSpPr>
+            <a:spLocks noGrp="1"/>
+          </p:cNvSpPr>
+          <p:nvPr>
+            <p:ph type="sldNum" idx="2"/>
           </p:nvPr>
         </p:nvSpPr>
         <p:spPr>
           <a:xfrm>
             <a:off x="9592560" y="4289400"/>
-            <a:ext cx="1193400" cy="639720"/>
-          </a:xfrm>
-          <a:prstGeom prst="rect">
-            <a:avLst/>
-          </a:prstGeom>
-          <a:noFill/>
-          <a:ln w="0">
-            <a:noFill/>
-          </a:ln>
-        </p:spPr>
-        <p:txBody>
-          <a:bodyPr anchor="ctr">
+            <a:ext cx="1193040" cy="639360"/>
+          </a:xfrm>
+          <a:prstGeom prst="rect">
+            <a:avLst/>
+          </a:prstGeom>
+          <a:noFill/>
+          <a:ln w="0">
+            <a:noFill/>
+          </a:ln>
+        </p:spPr>
+        <p:txBody>
+          <a:bodyPr lIns="90000" rIns="90000" tIns="45000" bIns="45000" anchor="ctr">
             <a:noAutofit/>
           </a:bodyPr>
           <a:lstStyle>
@@ -6231,7 +6019,7 @@
               </a:lnSpc>
               <a:buNone/>
             </a:pPr>
-            <a:fld id="{EA576E46-B9DA-45F6-947F-13BC7EBBE85A}" type="slidenum">
+            <a:fld id="{9A979117-8FBD-4A38-808D-BF33078D7676}" type="slidenum">
               <a:rPr b="1" lang="en-US" sz="2800" spc="-1" strike="noStrike">
                 <a:solidFill>
                   <a:srgbClr val="ffffff"/>
@@ -6248,6 +6036,53 @@
       </p:sp>
       <p:sp>
         <p:nvSpPr>
+          <p:cNvPr id="12" name="PlaceHolder 4"/>
+          <p:cNvSpPr>
+            <a:spLocks noGrp="1"/>
+          </p:cNvSpPr>
+          <p:nvPr>
+            <p:ph type="dt" idx="3"/>
+          </p:nvPr>
+        </p:nvSpPr>
+        <p:spPr>
+          <a:xfrm>
+            <a:off x="7964280" y="6272640"/>
+            <a:ext cx="3272760" cy="364320"/>
+          </a:xfrm>
+          <a:prstGeom prst="rect">
+            <a:avLst/>
+          </a:prstGeom>
+          <a:noFill/>
+          <a:ln w="0">
+            <a:noFill/>
+          </a:ln>
+        </p:spPr>
+        <p:txBody>
+          <a:bodyPr lIns="90000" rIns="90000" tIns="45000" bIns="45000" anchor="ctr">
+            <a:noAutofit/>
+          </a:bodyPr>
+          <a:lstStyle>
+            <a:lvl1pPr>
+              <a:defRPr b="0" lang="en-IE" sz="1400" spc="-1" strike="noStrike">
+                <a:latin typeface="Times New Roman"/>
+              </a:defRPr>
+            </a:lvl1pPr>
+          </a:lstStyle>
+          <a:p>
+            <a:r>
+              <a:rPr b="0" lang="en-IE" sz="1400" spc="-1" strike="noStrike">
+                <a:latin typeface="Times New Roman"/>
+              </a:rPr>
+              <a:t>&lt;date/time&gt;</a:t>
+            </a:r>
+            <a:endParaRPr b="0" lang="en-IE" sz="1400" spc="-1" strike="noStrike">
+              <a:latin typeface="Times New Roman"/>
+            </a:endParaRPr>
+          </a:p>
+        </p:txBody>
+      </p:sp>
+      <p:sp>
+        <p:nvSpPr>
           <p:cNvPr id="13" name="PlaceHolder 5"/>
           <p:cNvSpPr>
             <a:spLocks noGrp="1"/>
@@ -6275,9 +6110,6 @@
           </a:bodyPr>
           <a:p>
             <a:pPr marL="432000" indent="-324000">
-              <a:lnSpc>
-                <a:spcPct val="90000"/>
-              </a:lnSpc>
               <a:spcBef>
                 <a:spcPts val="1417"/>
               </a:spcBef>
@@ -6289,26 +6121,17 @@
               <a:buChar char=""/>
             </a:pPr>
             <a:r>
-              <a:rPr b="0" lang="en-US" sz="2000" spc="-1" strike="noStrike">
-                <a:solidFill>
-                  <a:srgbClr val="000000"/>
-                </a:solidFill>
-                <a:latin typeface="Rockwell"/>
+              <a:rPr b="0" lang="en-IE" sz="3200" spc="-1" strike="noStrike">
+                <a:latin typeface="Arial"/>
               </a:rPr>
               <a:t>Click to edit the outline text format</a:t>
             </a:r>
-            <a:endParaRPr b="0" lang="en-US" sz="2000" spc="-1" strike="noStrike">
-              <a:solidFill>
-                <a:srgbClr val="000000"/>
-              </a:solidFill>
-              <a:latin typeface="Rockwell"/>
+            <a:endParaRPr b="0" lang="en-IE" sz="3200" spc="-1" strike="noStrike">
+              <a:latin typeface="Arial"/>
             </a:endParaRPr>
           </a:p>
           <a:p>
             <a:pPr lvl="1" marL="864000" indent="-324000">
-              <a:lnSpc>
-                <a:spcPct val="90000"/>
-              </a:lnSpc>
               <a:spcBef>
                 <a:spcPts val="1134"/>
               </a:spcBef>
@@ -6320,26 +6143,17 @@
               <a:buChar char=""/>
             </a:pPr>
             <a:r>
-              <a:rPr b="0" lang="en-US" sz="1600" spc="-1" strike="noStrike">
-                <a:solidFill>
-                  <a:srgbClr val="000000"/>
-                </a:solidFill>
-                <a:latin typeface="Rockwell"/>
+              <a:rPr b="0" lang="en-IE" sz="2800" spc="-1" strike="noStrike">
+                <a:latin typeface="Arial"/>
               </a:rPr>
               <a:t>Second Outline Level</a:t>
             </a:r>
-            <a:endParaRPr b="0" lang="en-US" sz="1600" spc="-1" strike="noStrike">
-              <a:solidFill>
-                <a:srgbClr val="000000"/>
-              </a:solidFill>
-              <a:latin typeface="Rockwell"/>
+            <a:endParaRPr b="0" lang="en-IE" sz="2800" spc="-1" strike="noStrike">
+              <a:latin typeface="Arial"/>
             </a:endParaRPr>
           </a:p>
           <a:p>
             <a:pPr lvl="2" marL="1296000" indent="-288000">
-              <a:lnSpc>
-                <a:spcPct val="90000"/>
-              </a:lnSpc>
               <a:spcBef>
                 <a:spcPts val="850"/>
               </a:spcBef>
@@ -6351,26 +6165,17 @@
               <a:buChar char=""/>
             </a:pPr>
             <a:r>
-              <a:rPr b="0" lang="en-US" sz="1600" spc="-1" strike="noStrike">
-                <a:solidFill>
-                  <a:srgbClr val="000000"/>
-                </a:solidFill>
-                <a:latin typeface="Rockwell"/>
+              <a:rPr b="0" lang="en-IE" sz="2400" spc="-1" strike="noStrike">
+                <a:latin typeface="Arial"/>
               </a:rPr>
               <a:t>Third Outline Level</a:t>
             </a:r>
-            <a:endParaRPr b="0" lang="en-US" sz="1600" spc="-1" strike="noStrike">
-              <a:solidFill>
-                <a:srgbClr val="000000"/>
-              </a:solidFill>
-              <a:latin typeface="Rockwell"/>
+            <a:endParaRPr b="0" lang="en-IE" sz="2400" spc="-1" strike="noStrike">
+              <a:latin typeface="Arial"/>
             </a:endParaRPr>
           </a:p>
           <a:p>
             <a:pPr lvl="3" marL="1728000" indent="-216000">
-              <a:lnSpc>
-                <a:spcPct val="90000"/>
-              </a:lnSpc>
               <a:spcBef>
                 <a:spcPts val="567"/>
               </a:spcBef>
@@ -6382,26 +6187,17 @@
               <a:buChar char=""/>
             </a:pPr>
             <a:r>
-              <a:rPr b="0" lang="en-US" sz="1600" spc="-1" strike="noStrike">
-                <a:solidFill>
-                  <a:srgbClr val="000000"/>
-                </a:solidFill>
-                <a:latin typeface="Rockwell"/>
+              <a:rPr b="0" lang="en-IE" sz="2000" spc="-1" strike="noStrike">
+                <a:latin typeface="Arial"/>
               </a:rPr>
               <a:t>Fourth Outline Level</a:t>
             </a:r>
-            <a:endParaRPr b="0" lang="en-US" sz="1600" spc="-1" strike="noStrike">
-              <a:solidFill>
-                <a:srgbClr val="000000"/>
-              </a:solidFill>
-              <a:latin typeface="Rockwell"/>
+            <a:endParaRPr b="0" lang="en-IE" sz="2000" spc="-1" strike="noStrike">
+              <a:latin typeface="Arial"/>
             </a:endParaRPr>
           </a:p>
           <a:p>
             <a:pPr lvl="4" marL="2160000" indent="-216000">
-              <a:lnSpc>
-                <a:spcPct val="90000"/>
-              </a:lnSpc>
               <a:spcBef>
                 <a:spcPts val="283"/>
               </a:spcBef>
@@ -6413,26 +6209,17 @@
               <a:buChar char=""/>
             </a:pPr>
             <a:r>
-              <a:rPr b="0" lang="en-US" sz="2000" spc="-1" strike="noStrike">
-                <a:solidFill>
-                  <a:srgbClr val="000000"/>
-                </a:solidFill>
-                <a:latin typeface="Rockwell"/>
+              <a:rPr b="0" lang="en-IE" sz="2000" spc="-1" strike="noStrike">
+                <a:latin typeface="Arial"/>
               </a:rPr>
               <a:t>Fifth Outline Level</a:t>
             </a:r>
-            <a:endParaRPr b="0" lang="en-US" sz="2000" spc="-1" strike="noStrike">
-              <a:solidFill>
-                <a:srgbClr val="000000"/>
-              </a:solidFill>
-              <a:latin typeface="Rockwell"/>
+            <a:endParaRPr b="0" lang="en-IE" sz="2000" spc="-1" strike="noStrike">
+              <a:latin typeface="Arial"/>
             </a:endParaRPr>
           </a:p>
           <a:p>
             <a:pPr lvl="5" marL="2592000" indent="-216000">
-              <a:lnSpc>
-                <a:spcPct val="90000"/>
-              </a:lnSpc>
               <a:spcBef>
                 <a:spcPts val="283"/>
               </a:spcBef>
@@ -6444,26 +6231,17 @@
               <a:buChar char=""/>
             </a:pPr>
             <a:r>
-              <a:rPr b="0" lang="en-US" sz="2000" spc="-1" strike="noStrike">
-                <a:solidFill>
-                  <a:srgbClr val="000000"/>
-                </a:solidFill>
-                <a:latin typeface="Rockwell"/>
+              <a:rPr b="0" lang="en-IE" sz="2000" spc="-1" strike="noStrike">
+                <a:latin typeface="Arial"/>
               </a:rPr>
               <a:t>Sixth Outline Level</a:t>
             </a:r>
-            <a:endParaRPr b="0" lang="en-US" sz="2000" spc="-1" strike="noStrike">
-              <a:solidFill>
-                <a:srgbClr val="000000"/>
-              </a:solidFill>
-              <a:latin typeface="Rockwell"/>
+            <a:endParaRPr b="0" lang="en-IE" sz="2000" spc="-1" strike="noStrike">
+              <a:latin typeface="Arial"/>
             </a:endParaRPr>
           </a:p>
           <a:p>
             <a:pPr lvl="6" marL="3024000" indent="-216000">
-              <a:lnSpc>
-                <a:spcPct val="90000"/>
-              </a:lnSpc>
               <a:spcBef>
                 <a:spcPts val="283"/>
               </a:spcBef>
@@ -6475,19 +6253,13 @@
               <a:buChar char=""/>
             </a:pPr>
             <a:r>
-              <a:rPr b="0" lang="en-US" sz="2000" spc="-1" strike="noStrike">
-                <a:solidFill>
-                  <a:srgbClr val="000000"/>
-                </a:solidFill>
-                <a:latin typeface="Rockwell"/>
+              <a:rPr b="0" lang="en-IE" sz="2000" spc="-1" strike="noStrike">
+                <a:latin typeface="Arial"/>
               </a:rPr>
               <a:t>Seventh Outline Level</a:t>
             </a:r>
-            <a:endParaRPr b="0" lang="en-US" sz="2000" spc="-1" strike="noStrike">
-              <a:solidFill>
-                <a:srgbClr val="000000"/>
-              </a:solidFill>
-              <a:latin typeface="Rockwell"/>
+            <a:endParaRPr b="0" lang="en-IE" sz="2000" spc="-1" strike="noStrike">
+              <a:latin typeface="Arial"/>
             </a:endParaRPr>
           </a:p>
         </p:txBody>
@@ -6545,9 +6317,9 @@
         <p:grpSpPr>
           <a:xfrm>
             <a:off x="11401560" y="6229800"/>
-            <a:ext cx="456840" cy="456840"/>
+            <a:ext cx="456480" cy="456480"/>
             <a:chOff x="11401560" y="6229800"/>
-            <a:chExt cx="456840" cy="456840"/>
+            <a:chExt cx="456480" cy="456480"/>
           </a:xfrm>
         </p:grpSpPr>
         <p:sp>
@@ -6559,7 +6331,7 @@
           <p:spPr>
             <a:xfrm>
               <a:off x="11401560" y="6229800"/>
-              <a:ext cx="456840" cy="456840"/>
+              <a:ext cx="456480" cy="456480"/>
             </a:xfrm>
             <a:prstGeom prst="ellipse">
               <a:avLst/>
@@ -6589,7 +6361,7 @@
           <p:spPr>
             <a:xfrm>
               <a:off x="11431080" y="6258960"/>
-              <a:ext cx="398520" cy="398520"/>
+              <a:ext cx="398160" cy="398160"/>
             </a:xfrm>
             <a:prstGeom prst="ellipse">
               <a:avLst/>
@@ -6617,336 +6389,31 @@
             <a:spLocks noGrp="1"/>
           </p:cNvSpPr>
           <p:nvPr>
-            <p:ph type="title"/>
-          </p:nvPr>
-        </p:nvSpPr>
-        <p:spPr>
-          <a:xfrm>
-            <a:off x="1069920" y="484560"/>
-            <a:ext cx="10058040" cy="1608840"/>
-          </a:xfrm>
-          <a:prstGeom prst="rect">
-            <a:avLst/>
-          </a:prstGeom>
-          <a:noFill/>
-          <a:ln w="0">
-            <a:noFill/>
-          </a:ln>
-        </p:spPr>
-        <p:txBody>
-          <a:bodyPr anchor="ctr">
+            <p:ph type="ftr" idx="4"/>
+          </p:nvPr>
+        </p:nvSpPr>
+        <p:spPr>
+          <a:xfrm>
+            <a:off x="1088280" y="6272640"/>
+            <a:ext cx="6327000" cy="364320"/>
+          </a:xfrm>
+          <a:prstGeom prst="rect">
+            <a:avLst/>
+          </a:prstGeom>
+          <a:noFill/>
+          <a:ln w="0">
+            <a:noFill/>
+          </a:ln>
+        </p:spPr>
+        <p:txBody>
+          <a:bodyPr lIns="90000" rIns="90000" tIns="45000" bIns="45000" anchor="ctr">
             <a:noAutofit/>
           </a:bodyPr>
-          <a:p>
-            <a:pPr>
-              <a:lnSpc>
-                <a:spcPct val="90000"/>
-              </a:lnSpc>
-              <a:buNone/>
-            </a:pPr>
-            <a:r>
-              <a:rPr b="0" lang="en-US" sz="5400" spc="-1" strike="noStrike" cap="all">
-                <a:latin typeface="Rockwell Condensed"/>
-              </a:rPr>
-              <a:t>Click to edit Master title style</a:t>
-            </a:r>
-            <a:endParaRPr b="0" lang="en-US" sz="5400" spc="-1" strike="noStrike">
-              <a:solidFill>
-                <a:srgbClr val="000000"/>
-              </a:solidFill>
-              <a:latin typeface="Rockwell"/>
-            </a:endParaRPr>
-          </a:p>
-        </p:txBody>
-      </p:sp>
-      <p:sp>
-        <p:nvSpPr>
-          <p:cNvPr id="54" name="PlaceHolder 2"/>
-          <p:cNvSpPr>
-            <a:spLocks noGrp="1"/>
-          </p:cNvSpPr>
-          <p:nvPr>
-            <p:ph type="body"/>
-          </p:nvPr>
-        </p:nvSpPr>
-        <p:spPr>
-          <a:xfrm>
-            <a:off x="1069920" y="2121480"/>
-            <a:ext cx="10058040" cy="4050360"/>
-          </a:xfrm>
-          <a:prstGeom prst="rect">
-            <a:avLst/>
-          </a:prstGeom>
-          <a:noFill/>
-          <a:ln w="0">
-            <a:noFill/>
-          </a:ln>
-        </p:spPr>
-        <p:txBody>
-          <a:bodyPr anchor="t">
-            <a:noAutofit/>
-          </a:bodyPr>
-          <a:p>
-            <a:pPr marL="182880" indent="-182880">
-              <a:lnSpc>
-                <a:spcPct val="90000"/>
-              </a:lnSpc>
-              <a:spcBef>
-                <a:spcPts val="1199"/>
-              </a:spcBef>
-              <a:buClr>
-                <a:srgbClr val="9e3611"/>
-              </a:buClr>
-              <a:buSzPct val="85000"/>
-              <a:buFont typeface="Wingdings" charset="2"/>
-              <a:buChar char=""/>
-            </a:pPr>
-            <a:r>
-              <a:rPr b="0" lang="en-US" sz="2000" spc="-1" strike="noStrike">
-                <a:solidFill>
-                  <a:srgbClr val="000000"/>
-                </a:solidFill>
-                <a:latin typeface="Rockwell"/>
-              </a:rPr>
-              <a:t>Click to edit Master text styles</a:t>
-            </a:r>
-            <a:endParaRPr b="0" lang="en-US" sz="2000" spc="-1" strike="noStrike">
-              <a:solidFill>
-                <a:srgbClr val="000000"/>
-              </a:solidFill>
-              <a:latin typeface="Rockwell"/>
-            </a:endParaRPr>
-          </a:p>
-          <a:p>
-            <a:pPr lvl="1" marL="457200" indent="-182880">
-              <a:lnSpc>
-                <a:spcPct val="90000"/>
-              </a:lnSpc>
-              <a:spcBef>
-                <a:spcPts val="400"/>
-              </a:spcBef>
-              <a:spcAft>
-                <a:spcPts val="201"/>
-              </a:spcAft>
-              <a:buClr>
-                <a:srgbClr val="9e3611"/>
-              </a:buClr>
-              <a:buSzPct val="85000"/>
-              <a:buFont typeface="Wingdings" charset="2"/>
-              <a:buChar char=""/>
-            </a:pPr>
-            <a:r>
-              <a:rPr b="0" lang="en-US" sz="1800" spc="-1" strike="noStrike">
-                <a:solidFill>
-                  <a:srgbClr val="000000"/>
-                </a:solidFill>
-                <a:latin typeface="Rockwell"/>
-              </a:rPr>
-              <a:t>Second level</a:t>
-            </a:r>
-            <a:endParaRPr b="0" lang="en-US" sz="1800" spc="-1" strike="noStrike">
-              <a:solidFill>
-                <a:srgbClr val="000000"/>
-              </a:solidFill>
-              <a:latin typeface="Rockwell"/>
-            </a:endParaRPr>
-          </a:p>
-          <a:p>
-            <a:pPr lvl="2" marL="731520" indent="-182880">
-              <a:lnSpc>
-                <a:spcPct val="90000"/>
-              </a:lnSpc>
-              <a:spcBef>
-                <a:spcPts val="400"/>
-              </a:spcBef>
-              <a:spcAft>
-                <a:spcPts val="201"/>
-              </a:spcAft>
-              <a:buClr>
-                <a:srgbClr val="9e3611"/>
-              </a:buClr>
-              <a:buSzPct val="85000"/>
-              <a:buFont typeface="Wingdings" charset="2"/>
-              <a:buChar char=""/>
-            </a:pPr>
-            <a:r>
-              <a:rPr b="0" lang="en-US" sz="1600" spc="-1" strike="noStrike">
-                <a:solidFill>
-                  <a:srgbClr val="000000"/>
-                </a:solidFill>
-                <a:latin typeface="Rockwell"/>
-              </a:rPr>
-              <a:t>Third level</a:t>
-            </a:r>
-            <a:endParaRPr b="0" lang="en-US" sz="1600" spc="-1" strike="noStrike">
-              <a:solidFill>
-                <a:srgbClr val="000000"/>
-              </a:solidFill>
-              <a:latin typeface="Rockwell"/>
-            </a:endParaRPr>
-          </a:p>
-          <a:p>
-            <a:pPr lvl="3" marL="1005840" indent="-182880">
-              <a:lnSpc>
-                <a:spcPct val="90000"/>
-              </a:lnSpc>
-              <a:spcBef>
-                <a:spcPts val="400"/>
-              </a:spcBef>
-              <a:spcAft>
-                <a:spcPts val="201"/>
-              </a:spcAft>
-              <a:buClr>
-                <a:srgbClr val="9e3611"/>
-              </a:buClr>
-              <a:buSzPct val="85000"/>
-              <a:buFont typeface="Wingdings" charset="2"/>
-              <a:buChar char=""/>
-            </a:pPr>
-            <a:r>
-              <a:rPr b="0" lang="en-US" sz="1600" spc="-1" strike="noStrike">
-                <a:solidFill>
-                  <a:srgbClr val="000000"/>
-                </a:solidFill>
-                <a:latin typeface="Rockwell"/>
-              </a:rPr>
-              <a:t>Fourth level</a:t>
-            </a:r>
-            <a:endParaRPr b="0" lang="en-US" sz="1600" spc="-1" strike="noStrike">
-              <a:solidFill>
-                <a:srgbClr val="000000"/>
-              </a:solidFill>
-              <a:latin typeface="Rockwell"/>
-            </a:endParaRPr>
-          </a:p>
-          <a:p>
-            <a:pPr lvl="4" marL="1280160" indent="-182880">
-              <a:lnSpc>
-                <a:spcPct val="90000"/>
-              </a:lnSpc>
-              <a:spcBef>
-                <a:spcPts val="400"/>
-              </a:spcBef>
-              <a:spcAft>
-                <a:spcPts val="201"/>
-              </a:spcAft>
-              <a:buClr>
-                <a:srgbClr val="9e3611"/>
-              </a:buClr>
-              <a:buSzPct val="85000"/>
-              <a:buFont typeface="Wingdings" charset="2"/>
-              <a:buChar char=""/>
-            </a:pPr>
-            <a:r>
-              <a:rPr b="0" lang="en-US" sz="1600" spc="-1" strike="noStrike">
-                <a:solidFill>
-                  <a:srgbClr val="000000"/>
-                </a:solidFill>
-                <a:latin typeface="Rockwell"/>
-              </a:rPr>
-              <a:t>Fifth level</a:t>
-            </a:r>
-            <a:endParaRPr b="0" lang="en-US" sz="1600" spc="-1" strike="noStrike">
-              <a:solidFill>
-                <a:srgbClr val="000000"/>
-              </a:solidFill>
-              <a:latin typeface="Rockwell"/>
-            </a:endParaRPr>
-          </a:p>
-        </p:txBody>
-      </p:sp>
-      <p:sp>
-        <p:nvSpPr>
-          <p:cNvPr id="55" name="PlaceHolder 3"/>
-          <p:cNvSpPr>
-            <a:spLocks noGrp="1"/>
-          </p:cNvSpPr>
-          <p:nvPr>
-            <p:ph type="dt" idx="4"/>
-          </p:nvPr>
-        </p:nvSpPr>
-        <p:spPr>
-          <a:xfrm>
-            <a:off x="7964280" y="6272640"/>
-            <a:ext cx="3273120" cy="364680"/>
-          </a:xfrm>
-          <a:prstGeom prst="rect">
-            <a:avLst/>
-          </a:prstGeom>
-          <a:noFill/>
-          <a:ln w="0">
-            <a:noFill/>
-          </a:ln>
-        </p:spPr>
-        <p:txBody>
-          <a:bodyPr anchor="ctr">
-            <a:noAutofit/>
-          </a:bodyPr>
           <a:lstStyle>
-            <a:lvl1pPr algn="r">
+            <a:lvl1pPr algn="ctr">
               <a:lnSpc>
                 <a:spcPct val="100000"/>
               </a:lnSpc>
-              <a:buNone/>
-              <a:defRPr b="0" lang="en-US" sz="1100" spc="-1" strike="noStrike">
-                <a:solidFill>
-                  <a:srgbClr val="696464"/>
-                </a:solidFill>
-                <a:latin typeface="Rockwell"/>
-              </a:defRPr>
-            </a:lvl1pPr>
-          </a:lstStyle>
-          <a:p>
-            <a:pPr algn="r">
-              <a:lnSpc>
-                <a:spcPct val="100000"/>
-              </a:lnSpc>
-              <a:buNone/>
-            </a:pPr>
-            <a:r>
-              <a:rPr b="0" lang="en-US" sz="1100" spc="-1" strike="noStrike">
-                <a:solidFill>
-                  <a:srgbClr val="696464"/>
-                </a:solidFill>
-                <a:latin typeface="Rockwell"/>
-              </a:rPr>
-              <a:t>&lt;date/time&gt;</a:t>
-            </a:r>
-            <a:endParaRPr b="0" lang="en-IE" sz="1100" spc="-1" strike="noStrike">
-              <a:latin typeface="Times New Roman"/>
-            </a:endParaRPr>
-          </a:p>
-        </p:txBody>
-      </p:sp>
-      <p:sp>
-        <p:nvSpPr>
-          <p:cNvPr id="56" name="PlaceHolder 4"/>
-          <p:cNvSpPr>
-            <a:spLocks noGrp="1"/>
-          </p:cNvSpPr>
-          <p:nvPr>
-            <p:ph type="ftr" idx="5"/>
-          </p:nvPr>
-        </p:nvSpPr>
-        <p:spPr>
-          <a:xfrm>
-            <a:off x="1088280" y="6272640"/>
-            <a:ext cx="6327360" cy="364680"/>
-          </a:xfrm>
-          <a:prstGeom prst="rect">
-            <a:avLst/>
-          </a:prstGeom>
-          <a:noFill/>
-          <a:ln w="0">
-            <a:noFill/>
-          </a:ln>
-        </p:spPr>
-        <p:txBody>
-          <a:bodyPr anchor="ctr">
-            <a:noAutofit/>
-          </a:bodyPr>
-          <a:lstStyle>
-            <a:lvl1pPr algn="ctr">
               <a:buNone/>
               <a:defRPr b="0" lang="en-IE" sz="1400" spc="-1" strike="noStrike">
                 <a:latin typeface="Times New Roman"/>
@@ -6955,6 +6422,9 @@
           </a:lstStyle>
           <a:p>
             <a:pPr algn="ctr">
+              <a:lnSpc>
+                <a:spcPct val="100000"/>
+              </a:lnSpc>
               <a:buNone/>
             </a:pPr>
             <a:r>
@@ -6971,29 +6441,29 @@
       </p:sp>
       <p:sp>
         <p:nvSpPr>
-          <p:cNvPr id="57" name="PlaceHolder 5"/>
-          <p:cNvSpPr>
-            <a:spLocks noGrp="1"/>
-          </p:cNvSpPr>
-          <p:nvPr>
-            <p:ph type="sldNum" idx="6"/>
+          <p:cNvPr id="54" name="PlaceHolder 2"/>
+          <p:cNvSpPr>
+            <a:spLocks noGrp="1"/>
+          </p:cNvSpPr>
+          <p:nvPr>
+            <p:ph type="sldNum" idx="5"/>
           </p:nvPr>
         </p:nvSpPr>
         <p:spPr>
           <a:xfrm>
             <a:off x="11311200" y="6272640"/>
-            <a:ext cx="639720" cy="364680"/>
-          </a:xfrm>
-          <a:prstGeom prst="rect">
-            <a:avLst/>
-          </a:prstGeom>
-          <a:noFill/>
-          <a:ln w="0">
-            <a:noFill/>
-          </a:ln>
-        </p:spPr>
-        <p:txBody>
-          <a:bodyPr anchor="ctr">
+            <a:ext cx="639360" cy="364320"/>
+          </a:xfrm>
+          <a:prstGeom prst="rect">
+            <a:avLst/>
+          </a:prstGeom>
+          <a:noFill/>
+          <a:ln w="0">
+            <a:noFill/>
+          </a:ln>
+        </p:spPr>
+        <p:txBody>
+          <a:bodyPr lIns="90000" rIns="90000" tIns="45000" bIns="45000" anchor="ctr">
             <a:noAutofit/>
           </a:bodyPr>
           <a:lstStyle>
@@ -7017,7 +6487,7 @@
               </a:lnSpc>
               <a:buNone/>
             </a:pPr>
-            <a:fld id="{381584AB-3688-4A01-BEA3-4B3B09073DE8}" type="slidenum">
+            <a:fld id="{8483E1CC-F969-4D2B-8499-2A56D37415FE}" type="slidenum">
               <a:rPr b="1" lang="en-US" sz="1400" spc="-1" strike="noStrike">
                 <a:solidFill>
                   <a:srgbClr val="ffffff"/>
@@ -7028,6 +6498,279 @@
             </a:fld>
             <a:endParaRPr b="0" lang="en-IE" sz="1400" spc="-1" strike="noStrike">
               <a:latin typeface="Times New Roman"/>
+            </a:endParaRPr>
+          </a:p>
+        </p:txBody>
+      </p:sp>
+      <p:sp>
+        <p:nvSpPr>
+          <p:cNvPr id="55" name="PlaceHolder 3"/>
+          <p:cNvSpPr>
+            <a:spLocks noGrp="1"/>
+          </p:cNvSpPr>
+          <p:nvPr>
+            <p:ph type="dt" idx="6"/>
+          </p:nvPr>
+        </p:nvSpPr>
+        <p:spPr>
+          <a:xfrm>
+            <a:off x="7964280" y="6272640"/>
+            <a:ext cx="3272760" cy="364320"/>
+          </a:xfrm>
+          <a:prstGeom prst="rect">
+            <a:avLst/>
+          </a:prstGeom>
+          <a:noFill/>
+          <a:ln w="0">
+            <a:noFill/>
+          </a:ln>
+        </p:spPr>
+        <p:txBody>
+          <a:bodyPr lIns="90000" rIns="90000" tIns="45000" bIns="45000" anchor="ctr">
+            <a:noAutofit/>
+          </a:bodyPr>
+          <a:lstStyle>
+            <a:lvl1pPr>
+              <a:defRPr b="0" lang="en-IE" sz="1400" spc="-1" strike="noStrike">
+                <a:latin typeface="Times New Roman"/>
+              </a:defRPr>
+            </a:lvl1pPr>
+          </a:lstStyle>
+          <a:p>
+            <a:r>
+              <a:rPr b="0" lang="en-IE" sz="1400" spc="-1" strike="noStrike">
+                <a:latin typeface="Times New Roman"/>
+              </a:rPr>
+              <a:t>&lt;date/time&gt;</a:t>
+            </a:r>
+            <a:endParaRPr b="0" lang="en-IE" sz="1400" spc="-1" strike="noStrike">
+              <a:latin typeface="Times New Roman"/>
+            </a:endParaRPr>
+          </a:p>
+        </p:txBody>
+      </p:sp>
+      <p:sp>
+        <p:nvSpPr>
+          <p:cNvPr id="56" name="PlaceHolder 4"/>
+          <p:cNvSpPr>
+            <a:spLocks noGrp="1"/>
+          </p:cNvSpPr>
+          <p:nvPr>
+            <p:ph type="title"/>
+          </p:nvPr>
+        </p:nvSpPr>
+        <p:spPr>
+          <a:xfrm>
+            <a:off x="609480" y="273600"/>
+            <a:ext cx="10972440" cy="1144800"/>
+          </a:xfrm>
+          <a:prstGeom prst="rect">
+            <a:avLst/>
+          </a:prstGeom>
+          <a:noFill/>
+          <a:ln w="0">
+            <a:noFill/>
+          </a:ln>
+        </p:spPr>
+        <p:txBody>
+          <a:bodyPr lIns="0" rIns="0" tIns="0" bIns="0" anchor="ctr">
+            <a:noAutofit/>
+          </a:bodyPr>
+          <a:p>
+            <a:pPr algn="ctr">
+              <a:buNone/>
+            </a:pPr>
+            <a:r>
+              <a:rPr b="0" lang="en-IE" sz="4400" spc="-1" strike="noStrike">
+                <a:latin typeface="Arial"/>
+              </a:rPr>
+              <a:t>Click to edit the title text format</a:t>
+            </a:r>
+            <a:endParaRPr b="0" lang="en-IE" sz="4400" spc="-1" strike="noStrike">
+              <a:latin typeface="Arial"/>
+            </a:endParaRPr>
+          </a:p>
+        </p:txBody>
+      </p:sp>
+      <p:sp>
+        <p:nvSpPr>
+          <p:cNvPr id="57" name="PlaceHolder 5"/>
+          <p:cNvSpPr>
+            <a:spLocks noGrp="1"/>
+          </p:cNvSpPr>
+          <p:nvPr>
+            <p:ph type="body"/>
+          </p:nvPr>
+        </p:nvSpPr>
+        <p:spPr>
+          <a:xfrm>
+            <a:off x="609480" y="1604520"/>
+            <a:ext cx="10972440" cy="3977280"/>
+          </a:xfrm>
+          <a:prstGeom prst="rect">
+            <a:avLst/>
+          </a:prstGeom>
+          <a:noFill/>
+          <a:ln w="0">
+            <a:noFill/>
+          </a:ln>
+        </p:spPr>
+        <p:txBody>
+          <a:bodyPr lIns="0" rIns="0" tIns="0" bIns="0" anchor="t">
+            <a:normAutofit/>
+          </a:bodyPr>
+          <a:p>
+            <a:pPr marL="432000" indent="-324000">
+              <a:spcBef>
+                <a:spcPts val="1417"/>
+              </a:spcBef>
+              <a:buClr>
+                <a:srgbClr val="000000"/>
+              </a:buClr>
+              <a:buSzPct val="45000"/>
+              <a:buFont typeface="Wingdings" charset="2"/>
+              <a:buChar char=""/>
+            </a:pPr>
+            <a:r>
+              <a:rPr b="0" lang="en-IE" sz="3200" spc="-1" strike="noStrike">
+                <a:latin typeface="Arial"/>
+              </a:rPr>
+              <a:t>Click to edit the outline text format</a:t>
+            </a:r>
+            <a:endParaRPr b="0" lang="en-IE" sz="3200" spc="-1" strike="noStrike">
+              <a:latin typeface="Arial"/>
+            </a:endParaRPr>
+          </a:p>
+          <a:p>
+            <a:pPr lvl="1" marL="864000" indent="-324000">
+              <a:spcBef>
+                <a:spcPts val="1134"/>
+              </a:spcBef>
+              <a:buClr>
+                <a:srgbClr val="000000"/>
+              </a:buClr>
+              <a:buSzPct val="75000"/>
+              <a:buFont typeface="Symbol" charset="2"/>
+              <a:buChar char=""/>
+            </a:pPr>
+            <a:r>
+              <a:rPr b="0" lang="en-IE" sz="2800" spc="-1" strike="noStrike">
+                <a:latin typeface="Arial"/>
+              </a:rPr>
+              <a:t>Second Outline Level</a:t>
+            </a:r>
+            <a:endParaRPr b="0" lang="en-IE" sz="2800" spc="-1" strike="noStrike">
+              <a:latin typeface="Arial"/>
+            </a:endParaRPr>
+          </a:p>
+          <a:p>
+            <a:pPr lvl="2" marL="1296000" indent="-288000">
+              <a:spcBef>
+                <a:spcPts val="850"/>
+              </a:spcBef>
+              <a:buClr>
+                <a:srgbClr val="000000"/>
+              </a:buClr>
+              <a:buSzPct val="45000"/>
+              <a:buFont typeface="Wingdings" charset="2"/>
+              <a:buChar char=""/>
+            </a:pPr>
+            <a:r>
+              <a:rPr b="0" lang="en-IE" sz="2400" spc="-1" strike="noStrike">
+                <a:latin typeface="Arial"/>
+              </a:rPr>
+              <a:t>Third Outline Level</a:t>
+            </a:r>
+            <a:endParaRPr b="0" lang="en-IE" sz="2400" spc="-1" strike="noStrike">
+              <a:latin typeface="Arial"/>
+            </a:endParaRPr>
+          </a:p>
+          <a:p>
+            <a:pPr lvl="3" marL="1728000" indent="-216000">
+              <a:spcBef>
+                <a:spcPts val="567"/>
+              </a:spcBef>
+              <a:buClr>
+                <a:srgbClr val="000000"/>
+              </a:buClr>
+              <a:buSzPct val="75000"/>
+              <a:buFont typeface="Symbol" charset="2"/>
+              <a:buChar char=""/>
+            </a:pPr>
+            <a:r>
+              <a:rPr b="0" lang="en-IE" sz="2000" spc="-1" strike="noStrike">
+                <a:latin typeface="Arial"/>
+              </a:rPr>
+              <a:t>Fourth Outline Level</a:t>
+            </a:r>
+            <a:endParaRPr b="0" lang="en-IE" sz="2000" spc="-1" strike="noStrike">
+              <a:latin typeface="Arial"/>
+            </a:endParaRPr>
+          </a:p>
+          <a:p>
+            <a:pPr lvl="4" marL="2160000" indent="-216000">
+              <a:spcBef>
+                <a:spcPts val="283"/>
+              </a:spcBef>
+              <a:buClr>
+                <a:srgbClr val="000000"/>
+              </a:buClr>
+              <a:buSzPct val="45000"/>
+              <a:buFont typeface="Wingdings" charset="2"/>
+              <a:buChar char=""/>
+            </a:pPr>
+            <a:r>
+              <a:rPr b="0" lang="en-IE" sz="2000" spc="-1" strike="noStrike">
+                <a:latin typeface="Arial"/>
+              </a:rPr>
+              <a:t>Fifth Outline Level</a:t>
+            </a:r>
+            <a:endParaRPr b="0" lang="en-IE" sz="2000" spc="-1" strike="noStrike">
+              <a:latin typeface="Arial"/>
+            </a:endParaRPr>
+          </a:p>
+          <a:p>
+            <a:pPr lvl="5" marL="2592000" indent="-216000">
+              <a:spcBef>
+                <a:spcPts val="283"/>
+              </a:spcBef>
+              <a:buClr>
+                <a:srgbClr val="000000"/>
+              </a:buClr>
+              <a:buSzPct val="45000"/>
+              <a:buFont typeface="Wingdings" charset="2"/>
+              <a:buChar char=""/>
+            </a:pPr>
+            <a:r>
+              <a:rPr b="0" lang="en-IE" sz="2000" spc="-1" strike="noStrike">
+                <a:latin typeface="Arial"/>
+              </a:rPr>
+              <a:t>Sixth Outline Level</a:t>
+            </a:r>
+            <a:endParaRPr b="0" lang="en-IE" sz="2000" spc="-1" strike="noStrike">
+              <a:latin typeface="Arial"/>
+            </a:endParaRPr>
+          </a:p>
+          <a:p>
+            <a:pPr lvl="6" marL="3024000" indent="-216000">
+              <a:spcBef>
+                <a:spcPts val="283"/>
+              </a:spcBef>
+              <a:buClr>
+                <a:srgbClr val="000000"/>
+              </a:buClr>
+              <a:buSzPct val="45000"/>
+              <a:buFont typeface="Wingdings" charset="2"/>
+              <a:buChar char=""/>
+            </a:pPr>
+            <a:r>
+              <a:rPr b="0" lang="en-IE" sz="2000" spc="-1" strike="noStrike">
+                <a:latin typeface="Arial"/>
+              </a:rPr>
+              <a:t>Seventh Outline Level</a:t>
+            </a:r>
+            <a:endParaRPr b="0" lang="en-IE" sz="2000" spc="-1" strike="noStrike">
+              <a:latin typeface="Arial"/>
             </a:endParaRPr>
           </a:p>
         </p:txBody>
@@ -7082,18 +6825,18 @@
         <p:spPr>
           <a:xfrm>
             <a:off x="1051560" y="1432080"/>
-            <a:ext cx="9966600" cy="3035520"/>
-          </a:xfrm>
-          <a:prstGeom prst="rect">
-            <a:avLst/>
-          </a:prstGeom>
-          <a:noFill/>
-          <a:ln w="0">
-            <a:noFill/>
-          </a:ln>
-        </p:spPr>
-        <p:txBody>
-          <a:bodyPr anchor="ctr">
+            <a:ext cx="9966240" cy="3035160"/>
+          </a:xfrm>
+          <a:prstGeom prst="rect">
+            <a:avLst/>
+          </a:prstGeom>
+          <a:noFill/>
+          <a:ln w="0">
+            <a:noFill/>
+          </a:ln>
+        </p:spPr>
+        <p:txBody>
+          <a:bodyPr lIns="0" rIns="0" tIns="0" bIns="0" anchor="ctr">
             <a:noAutofit/>
           </a:bodyPr>
           <a:p>
@@ -7109,11 +6852,8 @@
               </a:rPr>
               <a:t>DR8.4 Flask data</a:t>
             </a:r>
-            <a:endParaRPr b="0" lang="en-US" sz="9600" spc="-1" strike="noStrike">
-              <a:solidFill>
-                <a:srgbClr val="000000"/>
-              </a:solidFill>
-              <a:latin typeface="Rockwell"/>
+            <a:endParaRPr b="0" lang="en-IE" sz="9600" spc="-1" strike="noStrike">
+              <a:latin typeface="Arial"/>
             </a:endParaRPr>
           </a:p>
         </p:txBody>
@@ -7131,18 +6871,18 @@
         <p:spPr>
           <a:xfrm>
             <a:off x="1069920" y="4389120"/>
-            <a:ext cx="7890840" cy="1069560"/>
-          </a:xfrm>
-          <a:prstGeom prst="rect">
-            <a:avLst/>
-          </a:prstGeom>
-          <a:noFill/>
-          <a:ln w="0">
-            <a:noFill/>
-          </a:ln>
-        </p:spPr>
-        <p:txBody>
-          <a:bodyPr anchor="t">
+            <a:ext cx="7890480" cy="1069200"/>
+          </a:xfrm>
+          <a:prstGeom prst="rect">
+            <a:avLst/>
+          </a:prstGeom>
+          <a:noFill/>
+          <a:ln w="0">
+            <a:noFill/>
+          </a:ln>
+        </p:spPr>
+        <p:txBody>
+          <a:bodyPr lIns="0" rIns="0" tIns="0" bIns="0" anchor="t">
             <a:normAutofit/>
           </a:bodyPr>
           <a:p>
@@ -7244,18 +6984,18 @@
         <p:spPr>
           <a:xfrm>
             <a:off x="950760" y="155880"/>
-            <a:ext cx="10058040" cy="1608840"/>
-          </a:xfrm>
-          <a:prstGeom prst="rect">
-            <a:avLst/>
-          </a:prstGeom>
-          <a:noFill/>
-          <a:ln w="0">
-            <a:noFill/>
-          </a:ln>
-        </p:spPr>
-        <p:txBody>
-          <a:bodyPr anchor="ctr">
+            <a:ext cx="10057680" cy="1608480"/>
+          </a:xfrm>
+          <a:prstGeom prst="rect">
+            <a:avLst/>
+          </a:prstGeom>
+          <a:noFill/>
+          <a:ln w="0">
+            <a:noFill/>
+          </a:ln>
+        </p:spPr>
+        <p:txBody>
+          <a:bodyPr lIns="90000" rIns="90000" tIns="45000" bIns="45000" anchor="ctr">
             <a:noAutofit/>
           </a:bodyPr>
           <a:p>
@@ -7271,11 +7011,8 @@
               </a:rPr>
               <a:t>Data upload</a:t>
             </a:r>
-            <a:endParaRPr b="0" lang="en-US" sz="5400" spc="-1" strike="noStrike">
-              <a:solidFill>
-                <a:srgbClr val="000000"/>
-              </a:solidFill>
-              <a:latin typeface="Rockwell"/>
+            <a:endParaRPr b="0" lang="en-IE" sz="5400" spc="-1" strike="noStrike">
+              <a:latin typeface="Arial"/>
             </a:endParaRPr>
           </a:p>
         </p:txBody>
@@ -7293,18 +7030,18 @@
         <p:spPr>
           <a:xfrm>
             <a:off x="769680" y="1475280"/>
-            <a:ext cx="10058040" cy="2854800"/>
-          </a:xfrm>
-          <a:prstGeom prst="rect">
-            <a:avLst/>
-          </a:prstGeom>
-          <a:noFill/>
-          <a:ln w="0">
-            <a:noFill/>
-          </a:ln>
-        </p:spPr>
-        <p:txBody>
-          <a:bodyPr anchor="t">
+            <a:ext cx="10057680" cy="2854440"/>
+          </a:xfrm>
+          <a:prstGeom prst="rect">
+            <a:avLst/>
+          </a:prstGeom>
+          <a:noFill/>
+          <a:ln w="0">
+            <a:noFill/>
+          </a:ln>
+        </p:spPr>
+        <p:txBody>
+          <a:bodyPr lIns="90000" rIns="90000" tIns="45000" bIns="45000" anchor="t">
             <a:noAutofit/>
           </a:bodyPr>
           <a:p>
@@ -7331,11 +7068,8 @@
               </a:rPr>
               <a:t>Three ways data can be uploaded</a:t>
             </a:r>
-            <a:endParaRPr b="0" lang="en-US" sz="2000" spc="-1" strike="noStrike">
-              <a:solidFill>
-                <a:srgbClr val="000000"/>
-              </a:solidFill>
-              <a:latin typeface="Rockwell"/>
+            <a:endParaRPr b="0" lang="en-IE" sz="2000" spc="-1" strike="noStrike">
+              <a:latin typeface="Arial"/>
             </a:endParaRPr>
           </a:p>
           <a:p>
@@ -7365,11 +7099,8 @@
               </a:rPr>
               <a:t>In the endpoint </a:t>
             </a:r>
-            <a:endParaRPr b="0" lang="en-US" sz="1800" spc="-1" strike="noStrike">
-              <a:solidFill>
-                <a:srgbClr val="000000"/>
-              </a:solidFill>
-              <a:latin typeface="Rockwell"/>
+            <a:endParaRPr b="0" lang="en-IE" sz="1800" spc="-1" strike="noStrike">
+              <a:latin typeface="Arial"/>
             </a:endParaRPr>
           </a:p>
           <a:p>
@@ -7400,15 +7131,12 @@
               </a:rPr>
               <a:t>http://127.0.0.1:5000/user/andrew</a:t>
             </a:r>
-            <a:endParaRPr b="0" lang="en-US" sz="1800" spc="-1" strike="noStrike">
-              <a:solidFill>
-                <a:srgbClr val="000000"/>
-              </a:solidFill>
-              <a:latin typeface="Rockwell"/>
-            </a:endParaRPr>
-          </a:p>
-          <a:p>
-            <a:pPr>
+            <a:endParaRPr b="0" lang="en-IE" sz="1800" spc="-1" strike="noStrike">
+              <a:latin typeface="Arial"/>
+            </a:endParaRPr>
+          </a:p>
+          <a:p>
+            <a:pPr marL="274320">
               <a:lnSpc>
                 <a:spcPct val="90000"/>
               </a:lnSpc>
@@ -7420,11 +7148,8 @@
                 <a:tab algn="l" pos="0"/>
               </a:tabLst>
             </a:pPr>
-            <a:endParaRPr b="0" lang="en-US" sz="1000" spc="-1" strike="noStrike">
-              <a:solidFill>
-                <a:srgbClr val="000000"/>
-              </a:solidFill>
-              <a:latin typeface="Rockwell"/>
+            <a:endParaRPr b="0" lang="en-IE" sz="1000" spc="-1" strike="noStrike">
+              <a:latin typeface="Arial"/>
             </a:endParaRPr>
           </a:p>
           <a:p>
@@ -7457,11 +7182,8 @@
               </a:rPr>
               <a:t>As a query parameter</a:t>
             </a:r>
-            <a:endParaRPr b="0" lang="en-US" sz="1800" spc="-1" strike="noStrike">
-              <a:solidFill>
-                <a:srgbClr val="000000"/>
-              </a:solidFill>
-              <a:latin typeface="Rockwell"/>
+            <a:endParaRPr b="0" lang="en-IE" sz="1800" spc="-1" strike="noStrike">
+              <a:latin typeface="Arial"/>
             </a:endParaRPr>
           </a:p>
           <a:p>
@@ -7492,11 +7214,8 @@
               </a:rPr>
               <a:t>http://127.0.0.1:5000/user/?name=andrew&amp;sex=male</a:t>
             </a:r>
-            <a:endParaRPr b="0" lang="en-US" sz="1800" spc="-1" strike="noStrike">
-              <a:solidFill>
-                <a:srgbClr val="000000"/>
-              </a:solidFill>
-              <a:latin typeface="Rockwell"/>
+            <a:endParaRPr b="0" lang="en-IE" sz="1800" spc="-1" strike="noStrike">
+              <a:latin typeface="Arial"/>
             </a:endParaRPr>
           </a:p>
           <a:p>
@@ -7515,11 +7234,8 @@
                 <a:tab algn="l" pos="0"/>
               </a:tabLst>
             </a:pPr>
-            <a:endParaRPr b="0" lang="en-US" sz="1000" spc="-1" strike="noStrike">
-              <a:solidFill>
-                <a:srgbClr val="000000"/>
-              </a:solidFill>
-              <a:latin typeface="Rockwell"/>
+            <a:endParaRPr b="0" lang="en-IE" sz="1000" spc="-1" strike="noStrike">
+              <a:latin typeface="Arial"/>
             </a:endParaRPr>
           </a:p>
           <a:p>
@@ -7552,11 +7268,8 @@
               </a:rPr>
               <a:t>In the http request body as form, json, raw, multipart (file)</a:t>
             </a:r>
-            <a:endParaRPr b="0" lang="en-US" sz="1800" spc="-1" strike="noStrike">
-              <a:solidFill>
-                <a:srgbClr val="000000"/>
-              </a:solidFill>
-              <a:latin typeface="Rockwell"/>
+            <a:endParaRPr b="0" lang="en-IE" sz="1800" spc="-1" strike="noStrike">
+              <a:latin typeface="Arial"/>
             </a:endParaRPr>
           </a:p>
         </p:txBody>
@@ -7570,7 +7283,7 @@
         <p:spPr>
           <a:xfrm>
             <a:off x="1157040" y="3900240"/>
-            <a:ext cx="8755200" cy="2009880"/>
+            <a:ext cx="8754840" cy="2009880"/>
           </a:xfrm>
           <a:prstGeom prst="rect">
             <a:avLst/>
@@ -7609,6 +7322,7 @@
                   <a:srgbClr val="a626a4"/>
                 </a:solidFill>
                 <a:latin typeface="SFMono-Regular"/>
+                <a:ea typeface="DejaVu Sans"/>
               </a:rPr>
               <a:t>POST</a:t>
             </a:r>
@@ -7618,6 +7332,7 @@
                   <a:srgbClr val="383a42"/>
                 </a:solidFill>
                 <a:latin typeface="SFMono-Regular"/>
+                <a:ea typeface="DejaVu Sans"/>
               </a:rPr>
               <a:t> </a:t>
             </a:r>
@@ -7627,6 +7342,7 @@
                   <a:srgbClr val="50a14f"/>
                 </a:solidFill>
                 <a:latin typeface="SFMono-Regular"/>
+                <a:ea typeface="DejaVu Sans"/>
               </a:rPr>
               <a:t>/echo/post/json</a:t>
             </a:r>
@@ -7636,6 +7352,7 @@
                   <a:srgbClr val="383a42"/>
                 </a:solidFill>
                 <a:latin typeface="SFMono-Regular"/>
+                <a:ea typeface="DejaVu Sans"/>
               </a:rPr>
               <a:t> HTTP/1.1 </a:t>
             </a:r>
@@ -7656,6 +7373,7 @@
                   <a:srgbClr val="50a14f"/>
                 </a:solidFill>
                 <a:latin typeface="SFMono-Regular"/>
+                <a:ea typeface="DejaVu Sans"/>
               </a:rPr>
               <a:t>Authorization</a:t>
             </a:r>
@@ -7665,6 +7383,7 @@
                   <a:srgbClr val="383a42"/>
                 </a:solidFill>
                 <a:latin typeface="SFMono-Regular"/>
+                <a:ea typeface="DejaVu Sans"/>
               </a:rPr>
               <a:t>: Bearer mt0dgHmLJMVQhvjpNXDyA83vA_Pxh33Y </a:t>
             </a:r>
@@ -7685,6 +7404,7 @@
                   <a:srgbClr val="50a14f"/>
                 </a:solidFill>
                 <a:latin typeface="SFMono-Regular"/>
+                <a:ea typeface="DejaVu Sans"/>
               </a:rPr>
               <a:t>Accept</a:t>
             </a:r>
@@ -7694,6 +7414,7 @@
                   <a:srgbClr val="383a42"/>
                 </a:solidFill>
                 <a:latin typeface="SFMono-Regular"/>
+                <a:ea typeface="DejaVu Sans"/>
               </a:rPr>
               <a:t>: application/json </a:t>
             </a:r>
@@ -7714,6 +7435,7 @@
                   <a:srgbClr val="50a14f"/>
                 </a:solidFill>
                 <a:latin typeface="SFMono-Regular"/>
+                <a:ea typeface="DejaVu Sans"/>
               </a:rPr>
               <a:t>Content-Type</a:t>
             </a:r>
@@ -7723,6 +7445,7 @@
                   <a:srgbClr val="383a42"/>
                 </a:solidFill>
                 <a:latin typeface="SFMono-Regular"/>
+                <a:ea typeface="DejaVu Sans"/>
               </a:rPr>
               <a:t>: application/json </a:t>
             </a:r>
@@ -7743,6 +7466,7 @@
                   <a:srgbClr val="50a14f"/>
                 </a:solidFill>
                 <a:latin typeface="SFMono-Regular"/>
+                <a:ea typeface="DejaVu Sans"/>
               </a:rPr>
               <a:t>Content-Length</a:t>
             </a:r>
@@ -7752,6 +7476,7 @@
                   <a:srgbClr val="383a42"/>
                 </a:solidFill>
                 <a:latin typeface="SFMono-Regular"/>
+                <a:ea typeface="DejaVu Sans"/>
               </a:rPr>
               <a:t>: 85 </a:t>
             </a:r>
@@ -7772,6 +7497,7 @@
                   <a:srgbClr val="50a14f"/>
                 </a:solidFill>
                 <a:latin typeface="SFMono-Regular"/>
+                <a:ea typeface="DejaVu Sans"/>
               </a:rPr>
               <a:t>Host</a:t>
             </a:r>
@@ -7781,6 +7507,7 @@
                   <a:srgbClr val="383a42"/>
                 </a:solidFill>
                 <a:latin typeface="SFMono-Regular"/>
+                <a:ea typeface="DejaVu Sans"/>
               </a:rPr>
               <a:t>: reqbin.com </a:t>
             </a:r>
@@ -7801,6 +7528,7 @@
                   <a:srgbClr val="383a42"/>
                 </a:solidFill>
                 <a:latin typeface="SFMono-Regular"/>
+                <a:ea typeface="DejaVu Sans"/>
               </a:rPr>
               <a:t>{ </a:t>
             </a:r>
@@ -7810,6 +7538,7 @@
                   <a:srgbClr val="50a14f"/>
                 </a:solidFill>
                 <a:latin typeface="SFMono-Regular"/>
+                <a:ea typeface="DejaVu Sans"/>
               </a:rPr>
               <a:t>"Id"</a:t>
             </a:r>
@@ -7819,6 +7548,7 @@
                   <a:srgbClr val="383a42"/>
                 </a:solidFill>
                 <a:latin typeface="SFMono-Regular"/>
+                <a:ea typeface="DejaVu Sans"/>
               </a:rPr>
               <a:t>: </a:t>
             </a:r>
@@ -7828,6 +7558,7 @@
                   <a:srgbClr val="986801"/>
                 </a:solidFill>
                 <a:latin typeface="SFMono-Regular"/>
+                <a:ea typeface="DejaVu Sans"/>
               </a:rPr>
               <a:t>12345</a:t>
             </a:r>
@@ -7837,6 +7568,7 @@
                   <a:srgbClr val="383a42"/>
                 </a:solidFill>
                 <a:latin typeface="SFMono-Regular"/>
+                <a:ea typeface="DejaVu Sans"/>
               </a:rPr>
               <a:t>, </a:t>
             </a:r>
@@ -7846,6 +7578,7 @@
                   <a:srgbClr val="50a14f"/>
                 </a:solidFill>
                 <a:latin typeface="SFMono-Regular"/>
+                <a:ea typeface="DejaVu Sans"/>
               </a:rPr>
               <a:t>"Customer"</a:t>
             </a:r>
@@ -7855,6 +7588,7 @@
                   <a:srgbClr val="383a42"/>
                 </a:solidFill>
                 <a:latin typeface="SFMono-Regular"/>
+                <a:ea typeface="DejaVu Sans"/>
               </a:rPr>
               <a:t>: </a:t>
             </a:r>
@@ -7864,6 +7598,7 @@
                   <a:srgbClr val="50a14f"/>
                 </a:solidFill>
                 <a:latin typeface="SFMono-Regular"/>
+                <a:ea typeface="DejaVu Sans"/>
               </a:rPr>
               <a:t>"John Smith"</a:t>
             </a:r>
@@ -7873,6 +7608,7 @@
                   <a:srgbClr val="383a42"/>
                 </a:solidFill>
                 <a:latin typeface="SFMono-Regular"/>
+                <a:ea typeface="DejaVu Sans"/>
               </a:rPr>
               <a:t>, </a:t>
             </a:r>
@@ -7882,6 +7618,7 @@
                   <a:srgbClr val="50a14f"/>
                 </a:solidFill>
                 <a:latin typeface="SFMono-Regular"/>
+                <a:ea typeface="DejaVu Sans"/>
               </a:rPr>
               <a:t>"Quantity"</a:t>
             </a:r>
@@ -7891,6 +7628,7 @@
                   <a:srgbClr val="383a42"/>
                 </a:solidFill>
                 <a:latin typeface="SFMono-Regular"/>
+                <a:ea typeface="DejaVu Sans"/>
               </a:rPr>
               <a:t>: </a:t>
             </a:r>
@@ -7900,6 +7638,7 @@
                   <a:srgbClr val="986801"/>
                 </a:solidFill>
                 <a:latin typeface="SFMono-Regular"/>
+                <a:ea typeface="DejaVu Sans"/>
               </a:rPr>
               <a:t>1</a:t>
             </a:r>
@@ -7909,6 +7648,7 @@
                   <a:srgbClr val="383a42"/>
                 </a:solidFill>
                 <a:latin typeface="SFMono-Regular"/>
+                <a:ea typeface="DejaVu Sans"/>
               </a:rPr>
               <a:t>, </a:t>
             </a:r>
@@ -7918,6 +7658,7 @@
                   <a:srgbClr val="50a14f"/>
                 </a:solidFill>
                 <a:latin typeface="SFMono-Regular"/>
+                <a:ea typeface="DejaVu Sans"/>
               </a:rPr>
               <a:t>"Price"</a:t>
             </a:r>
@@ -7927,6 +7668,7 @@
                   <a:srgbClr val="383a42"/>
                 </a:solidFill>
                 <a:latin typeface="SFMono-Regular"/>
+                <a:ea typeface="DejaVu Sans"/>
               </a:rPr>
               <a:t>: </a:t>
             </a:r>
@@ -7936,6 +7678,7 @@
                   <a:srgbClr val="986801"/>
                 </a:solidFill>
                 <a:latin typeface="SFMono-Regular"/>
+                <a:ea typeface="DejaVu Sans"/>
               </a:rPr>
               <a:t>10.00</a:t>
             </a:r>
@@ -7945,6 +7688,7 @@
                   <a:srgbClr val="383a42"/>
                 </a:solidFill>
                 <a:latin typeface="SFMono-Regular"/>
+                <a:ea typeface="DejaVu Sans"/>
               </a:rPr>
               <a:t> }</a:t>
             </a:r>
@@ -7997,18 +7741,18 @@
         <p:spPr>
           <a:xfrm>
             <a:off x="1069920" y="484560"/>
-            <a:ext cx="10058040" cy="1608840"/>
-          </a:xfrm>
-          <a:prstGeom prst="rect">
-            <a:avLst/>
-          </a:prstGeom>
-          <a:noFill/>
-          <a:ln w="0">
-            <a:noFill/>
-          </a:ln>
-        </p:spPr>
-        <p:txBody>
-          <a:bodyPr anchor="ctr">
+            <a:ext cx="10057680" cy="1608480"/>
+          </a:xfrm>
+          <a:prstGeom prst="rect">
+            <a:avLst/>
+          </a:prstGeom>
+          <a:noFill/>
+          <a:ln w="0">
+            <a:noFill/>
+          </a:ln>
+        </p:spPr>
+        <p:txBody>
+          <a:bodyPr lIns="90000" rIns="90000" tIns="45000" bIns="45000" anchor="ctr">
             <a:noAutofit/>
           </a:bodyPr>
           <a:p>
@@ -8024,11 +7768,8 @@
               </a:rPr>
               <a:t>Flask</a:t>
             </a:r>
-            <a:endParaRPr b="0" lang="en-US" sz="5400" spc="-1" strike="noStrike">
-              <a:solidFill>
-                <a:srgbClr val="000000"/>
-              </a:solidFill>
-              <a:latin typeface="Rockwell"/>
+            <a:endParaRPr b="0" lang="en-IE" sz="5400" spc="-1" strike="noStrike">
+              <a:latin typeface="Arial"/>
             </a:endParaRPr>
           </a:p>
         </p:txBody>
@@ -8046,18 +7787,18 @@
         <p:spPr>
           <a:xfrm>
             <a:off x="1069920" y="2121480"/>
-            <a:ext cx="10058040" cy="4050360"/>
-          </a:xfrm>
-          <a:prstGeom prst="rect">
-            <a:avLst/>
-          </a:prstGeom>
-          <a:noFill/>
-          <a:ln w="0">
-            <a:noFill/>
-          </a:ln>
-        </p:spPr>
-        <p:txBody>
-          <a:bodyPr anchor="t">
+            <a:ext cx="10057680" cy="4050000"/>
+          </a:xfrm>
+          <a:prstGeom prst="rect">
+            <a:avLst/>
+          </a:prstGeom>
+          <a:noFill/>
+          <a:ln w="0">
+            <a:noFill/>
+          </a:ln>
+        </p:spPr>
+        <p:txBody>
+          <a:bodyPr lIns="90000" rIns="90000" tIns="45000" bIns="45000" anchor="t">
             <a:noAutofit/>
           </a:bodyPr>
           <a:p>
@@ -8084,11 +7825,8 @@
               </a:rPr>
               <a:t>To access request data import request object</a:t>
             </a:r>
-            <a:endParaRPr b="0" lang="en-US" sz="2000" spc="-1" strike="noStrike">
-              <a:solidFill>
-                <a:srgbClr val="000000"/>
-              </a:solidFill>
-              <a:latin typeface="Rockwell"/>
+            <a:endParaRPr b="0" lang="en-IE" sz="2000" spc="-1" strike="noStrike">
+              <a:latin typeface="Arial"/>
             </a:endParaRPr>
           </a:p>
           <a:p>
@@ -8101,11 +7839,8 @@
               </a:spcBef>
               <a:buNone/>
             </a:pPr>
-            <a:endParaRPr b="0" lang="en-US" sz="2000" spc="-1" strike="noStrike">
-              <a:solidFill>
-                <a:srgbClr val="000000"/>
-              </a:solidFill>
-              <a:latin typeface="Rockwell"/>
+            <a:endParaRPr b="0" lang="en-IE" sz="2000" spc="-1" strike="noStrike">
+              <a:latin typeface="Arial"/>
             </a:endParaRPr>
           </a:p>
           <a:p>
@@ -8132,11 +7867,8 @@
               </a:rPr>
               <a:t>Depending on how the data we sent</a:t>
             </a:r>
-            <a:endParaRPr b="0" lang="en-US" sz="2000" spc="-1" strike="noStrike">
-              <a:solidFill>
-                <a:srgbClr val="000000"/>
-              </a:solidFill>
-              <a:latin typeface="Rockwell"/>
+            <a:endParaRPr b="0" lang="en-IE" sz="2000" spc="-1" strike="noStrike">
+              <a:latin typeface="Arial"/>
             </a:endParaRPr>
           </a:p>
           <a:p>
@@ -8149,11 +7881,8 @@
               </a:spcBef>
               <a:buNone/>
             </a:pPr>
-            <a:endParaRPr b="0" lang="en-US" sz="2000" spc="-1" strike="noStrike">
-              <a:solidFill>
-                <a:srgbClr val="000000"/>
-              </a:solidFill>
-              <a:latin typeface="Rockwell"/>
+            <a:endParaRPr b="0" lang="en-IE" sz="2000" spc="-1" strike="noStrike">
+              <a:latin typeface="Arial"/>
             </a:endParaRPr>
           </a:p>
           <a:p>
@@ -8180,11 +7909,8 @@
               </a:rPr>
               <a:t>data you can get </a:t>
             </a:r>
-            <a:endParaRPr b="0" lang="en-US" sz="2000" spc="-1" strike="noStrike">
-              <a:solidFill>
-                <a:srgbClr val="000000"/>
-              </a:solidFill>
-              <a:latin typeface="Rockwell"/>
+            <a:endParaRPr b="0" lang="en-IE" sz="2000" spc="-1" strike="noStrike">
+              <a:latin typeface="Arial"/>
             </a:endParaRPr>
           </a:p>
           <a:p>
@@ -8241,11 +7967,8 @@
               </a:rPr>
               <a:t>=&gt; e.g. /user</a:t>
             </a:r>
-            <a:endParaRPr b="0" lang="en-US" sz="1800" spc="-1" strike="noStrike">
-              <a:solidFill>
-                <a:srgbClr val="000000"/>
-              </a:solidFill>
-              <a:latin typeface="Rockwell"/>
+            <a:endParaRPr b="0" lang="en-IE" sz="1800" spc="-1" strike="noStrike">
+              <a:latin typeface="Arial"/>
             </a:endParaRPr>
           </a:p>
           <a:p>
@@ -8302,11 +8025,8 @@
               </a:rPr>
               <a:t>=&gt; e.g. GET</a:t>
             </a:r>
-            <a:endParaRPr b="0" lang="en-US" sz="1800" spc="-1" strike="noStrike">
-              <a:solidFill>
-                <a:srgbClr val="000000"/>
-              </a:solidFill>
-              <a:latin typeface="Rockwell"/>
+            <a:endParaRPr b="0" lang="en-IE" sz="1800" spc="-1" strike="noStrike">
+              <a:latin typeface="Arial"/>
             </a:endParaRPr>
           </a:p>
           <a:p>
@@ -8363,11 +8083,8 @@
               </a:rPr>
               <a:t>=&gt; form data</a:t>
             </a:r>
-            <a:endParaRPr b="0" lang="en-US" sz="1800" spc="-1" strike="noStrike">
-              <a:solidFill>
-                <a:srgbClr val="000000"/>
-              </a:solidFill>
-              <a:latin typeface="Rockwell"/>
+            <a:endParaRPr b="0" lang="en-IE" sz="1800" spc="-1" strike="noStrike">
+              <a:latin typeface="Arial"/>
             </a:endParaRPr>
           </a:p>
           <a:p>
@@ -8433,11 +8150,8 @@
               </a:rPr>
               <a:t>=&gt; json data in the http request body</a:t>
             </a:r>
-            <a:endParaRPr b="0" lang="en-US" sz="1800" spc="-1" strike="noStrike">
-              <a:solidFill>
-                <a:srgbClr val="000000"/>
-              </a:solidFill>
-              <a:latin typeface="Rockwell"/>
+            <a:endParaRPr b="0" lang="en-IE" sz="1800" spc="-1" strike="noStrike">
+              <a:latin typeface="Arial"/>
             </a:endParaRPr>
           </a:p>
           <a:p>
@@ -8494,11 +8208,8 @@
               </a:rPr>
               <a:t>=&gt; arguments from the URL</a:t>
             </a:r>
-            <a:endParaRPr b="0" lang="en-US" sz="1800" spc="-1" strike="noStrike">
-              <a:solidFill>
-                <a:srgbClr val="000000"/>
-              </a:solidFill>
-              <a:latin typeface="Rockwell"/>
+            <a:endParaRPr b="0" lang="en-IE" sz="1800" spc="-1" strike="noStrike">
+              <a:latin typeface="Arial"/>
             </a:endParaRPr>
           </a:p>
           <a:p>
@@ -8546,11 +8257,8 @@
               </a:rPr>
               <a:t>=&gt; an uploaded file</a:t>
             </a:r>
-            <a:endParaRPr b="0" lang="en-US" sz="1800" spc="-1" strike="noStrike">
-              <a:solidFill>
-                <a:srgbClr val="000000"/>
-              </a:solidFill>
-              <a:latin typeface="Rockwell"/>
+            <a:endParaRPr b="0" lang="en-IE" sz="1800" spc="-1" strike="noStrike">
+              <a:latin typeface="Arial"/>
             </a:endParaRPr>
           </a:p>
           <a:p>
@@ -8563,11 +8271,8 @@
               </a:spcBef>
               <a:buNone/>
             </a:pPr>
-            <a:endParaRPr b="0" lang="en-US" sz="2000" spc="-1" strike="noStrike">
-              <a:solidFill>
-                <a:srgbClr val="000000"/>
-              </a:solidFill>
-              <a:latin typeface="Rockwell"/>
+            <a:endParaRPr b="0" lang="en-IE" sz="2000" spc="-1" strike="noStrike">
+              <a:latin typeface="Arial"/>
             </a:endParaRPr>
           </a:p>
           <a:p>
@@ -8580,11 +8285,8 @@
               </a:spcBef>
               <a:buNone/>
             </a:pPr>
-            <a:endParaRPr b="0" lang="en-US" sz="2000" spc="-1" strike="noStrike">
-              <a:solidFill>
-                <a:srgbClr val="000000"/>
-              </a:solidFill>
-              <a:latin typeface="Rockwell"/>
+            <a:endParaRPr b="0" lang="en-IE" sz="2000" spc="-1" strike="noStrike">
+              <a:latin typeface="Arial"/>
             </a:endParaRPr>
           </a:p>
         </p:txBody>
@@ -8598,7 +8300,7 @@
         <p:spPr>
           <a:xfrm>
             <a:off x="1152720" y="2561400"/>
-            <a:ext cx="3745800" cy="333000"/>
+            <a:ext cx="3745440" cy="333000"/>
           </a:xfrm>
           <a:prstGeom prst="rect">
             <a:avLst/>
@@ -8644,6 +8346,7 @@
                   <a:srgbClr val="ffffff"/>
                 </a:solidFill>
                 <a:latin typeface="Courier New"/>
+                <a:ea typeface="DejaVu Sans"/>
               </a:rPr>
               <a:t>from flask import request</a:t>
             </a:r>
@@ -8662,7 +8365,7 @@
         <p:spPr>
           <a:xfrm>
             <a:off x="1152720" y="3447000"/>
-            <a:ext cx="4087080" cy="333000"/>
+            <a:ext cx="4086720" cy="333000"/>
           </a:xfrm>
           <a:prstGeom prst="rect">
             <a:avLst/>
@@ -8708,6 +8411,7 @@
                   <a:srgbClr val="ffffff"/>
                 </a:solidFill>
                 <a:latin typeface="Courier New"/>
+                <a:ea typeface="DejaVu Sans"/>
               </a:rPr>
               <a:t>reg =  request.json['reg'],</a:t>
             </a:r>
@@ -8760,18 +8464,18 @@
         <p:spPr>
           <a:xfrm>
             <a:off x="1069920" y="484560"/>
-            <a:ext cx="10058040" cy="1608840"/>
-          </a:xfrm>
-          <a:prstGeom prst="rect">
-            <a:avLst/>
-          </a:prstGeom>
-          <a:noFill/>
-          <a:ln w="0">
-            <a:noFill/>
-          </a:ln>
-        </p:spPr>
-        <p:txBody>
-          <a:bodyPr anchor="ctr">
+            <a:ext cx="10057680" cy="1608480"/>
+          </a:xfrm>
+          <a:prstGeom prst="rect">
+            <a:avLst/>
+          </a:prstGeom>
+          <a:noFill/>
+          <a:ln w="0">
+            <a:noFill/>
+          </a:ln>
+        </p:spPr>
+        <p:txBody>
+          <a:bodyPr lIns="90000" rIns="90000" tIns="45000" bIns="45000" anchor="ctr">
             <a:noAutofit/>
           </a:bodyPr>
           <a:p>
@@ -8787,11 +8491,8 @@
               </a:rPr>
               <a:t>Flask returning data</a:t>
             </a:r>
-            <a:endParaRPr b="0" lang="en-US" sz="5400" spc="-1" strike="noStrike">
-              <a:solidFill>
-                <a:srgbClr val="000000"/>
-              </a:solidFill>
-              <a:latin typeface="Rockwell"/>
+            <a:endParaRPr b="0" lang="en-IE" sz="5400" spc="-1" strike="noStrike">
+              <a:latin typeface="Arial"/>
             </a:endParaRPr>
           </a:p>
         </p:txBody>
@@ -8809,18 +8510,18 @@
         <p:spPr>
           <a:xfrm>
             <a:off x="1069920" y="2121480"/>
-            <a:ext cx="10058040" cy="4050360"/>
-          </a:xfrm>
-          <a:prstGeom prst="rect">
-            <a:avLst/>
-          </a:prstGeom>
-          <a:noFill/>
-          <a:ln w="0">
-            <a:noFill/>
-          </a:ln>
-        </p:spPr>
-        <p:txBody>
-          <a:bodyPr anchor="t">
+            <a:ext cx="10057680" cy="4050000"/>
+          </a:xfrm>
+          <a:prstGeom prst="rect">
+            <a:avLst/>
+          </a:prstGeom>
+          <a:noFill/>
+          <a:ln w="0">
+            <a:noFill/>
+          </a:ln>
+        </p:spPr>
+        <p:txBody>
+          <a:bodyPr lIns="90000" rIns="90000" tIns="45000" bIns="45000" anchor="t">
             <a:noAutofit/>
           </a:bodyPr>
           <a:p>
@@ -8847,11 +8548,8 @@
               </a:rPr>
               <a:t>Rendering Templates vs JSON</a:t>
             </a:r>
-            <a:endParaRPr b="0" lang="en-US" sz="2000" spc="-1" strike="noStrike">
-              <a:solidFill>
-                <a:srgbClr val="000000"/>
-              </a:solidFill>
-              <a:latin typeface="Rockwell"/>
+            <a:endParaRPr b="0" lang="en-IE" sz="2000" spc="-1" strike="noStrike">
+              <a:latin typeface="Arial"/>
             </a:endParaRPr>
           </a:p>
           <a:p>
@@ -8881,11 +8579,8 @@
               </a:rPr>
               <a:t>Flask can be used to create html pages on the fly (templates)</a:t>
             </a:r>
-            <a:endParaRPr b="0" lang="en-US" sz="1800" spc="-1" strike="noStrike">
-              <a:solidFill>
-                <a:srgbClr val="000000"/>
-              </a:solidFill>
-              <a:latin typeface="Rockwell"/>
+            <a:endParaRPr b="0" lang="en-IE" sz="1800" spc="-1" strike="noStrike">
+              <a:latin typeface="Arial"/>
             </a:endParaRPr>
           </a:p>
           <a:p>
@@ -8898,11 +8593,8 @@
               </a:spcBef>
               <a:buNone/>
             </a:pPr>
-            <a:endParaRPr b="0" lang="en-US" sz="1800" spc="-1" strike="noStrike">
-              <a:solidFill>
-                <a:srgbClr val="000000"/>
-              </a:solidFill>
-              <a:latin typeface="Rockwell"/>
+            <a:endParaRPr b="0" lang="en-IE" sz="1800" spc="-1" strike="noStrike">
+              <a:latin typeface="Arial"/>
             </a:endParaRPr>
           </a:p>
           <a:p>
@@ -8930,11 +8622,8 @@
               </a:rPr>
               <a:t>As opposed to </a:t>
             </a:r>
-            <a:endParaRPr b="0" lang="en-US" sz="1800" spc="-1" strike="noStrike">
-              <a:solidFill>
-                <a:srgbClr val="000000"/>
-              </a:solidFill>
-              <a:latin typeface="Rockwell"/>
+            <a:endParaRPr b="0" lang="en-IE" sz="1800" spc="-1" strike="noStrike">
+              <a:latin typeface="Arial"/>
             </a:endParaRPr>
           </a:p>
           <a:p>
@@ -8967,11 +8656,8 @@
               </a:rPr>
               <a:t>Just returning the data and allowing the static web pages use AJAX to get that data.</a:t>
             </a:r>
-            <a:endParaRPr b="0" lang="en-US" sz="1800" spc="-1" strike="noStrike">
-              <a:solidFill>
-                <a:srgbClr val="000000"/>
-              </a:solidFill>
-              <a:latin typeface="Rockwell"/>
+            <a:endParaRPr b="0" lang="en-IE" sz="1800" spc="-1" strike="noStrike">
+              <a:latin typeface="Arial"/>
             </a:endParaRPr>
           </a:p>
           <a:p>
@@ -9002,15 +8688,12 @@
               </a:rPr>
               <a:t>jsonify()</a:t>
             </a:r>
-            <a:endParaRPr b="0" lang="en-US" sz="1800" spc="-1" strike="noStrike">
-              <a:solidFill>
-                <a:srgbClr val="000000"/>
-              </a:solidFill>
-              <a:latin typeface="Rockwell"/>
-            </a:endParaRPr>
-          </a:p>
-          <a:p>
-            <a:pPr>
+            <a:endParaRPr b="0" lang="en-IE" sz="1800" spc="-1" strike="noStrike">
+              <a:latin typeface="Arial"/>
+            </a:endParaRPr>
+          </a:p>
+          <a:p>
+            <a:pPr marL="274320">
               <a:lnSpc>
                 <a:spcPct val="90000"/>
               </a:lnSpc>
@@ -9022,11 +8705,8 @@
                 <a:tab algn="l" pos="0"/>
               </a:tabLst>
             </a:pPr>
-            <a:endParaRPr b="0" lang="en-US" sz="1800" spc="-1" strike="noStrike">
-              <a:solidFill>
-                <a:srgbClr val="000000"/>
-              </a:solidFill>
-              <a:latin typeface="Rockwell"/>
+            <a:endParaRPr b="0" lang="en-IE" sz="1800" spc="-1" strike="noStrike">
+              <a:latin typeface="Arial"/>
             </a:endParaRPr>
           </a:p>
           <a:p>
@@ -9056,11 +8736,8 @@
               </a:rPr>
               <a:t>We use the latter method.</a:t>
             </a:r>
-            <a:endParaRPr b="0" lang="en-US" sz="2000" spc="-1" strike="noStrike">
-              <a:solidFill>
-                <a:srgbClr val="000000"/>
-              </a:solidFill>
-              <a:latin typeface="Rockwell"/>
+            <a:endParaRPr b="0" lang="en-IE" sz="2000" spc="-1" strike="noStrike">
+              <a:latin typeface="Arial"/>
             </a:endParaRPr>
           </a:p>
           <a:p>
@@ -9076,11 +8753,8 @@
                 <a:tab algn="l" pos="0"/>
               </a:tabLst>
             </a:pPr>
-            <a:endParaRPr b="0" lang="en-US" sz="2000" spc="-1" strike="noStrike">
-              <a:solidFill>
-                <a:srgbClr val="000000"/>
-              </a:solidFill>
-              <a:latin typeface="Rockwell"/>
+            <a:endParaRPr b="0" lang="en-IE" sz="2000" spc="-1" strike="noStrike">
+              <a:latin typeface="Arial"/>
             </a:endParaRPr>
           </a:p>
           <a:p>
@@ -9110,11 +8784,8 @@
               </a:rPr>
               <a:t>Note returning a file is a little more involved and beyond the scope of this lecture, ask me if you would like me to go through how to do it.</a:t>
             </a:r>
-            <a:endParaRPr b="0" lang="en-US" sz="2000" spc="-1" strike="noStrike">
-              <a:solidFill>
-                <a:srgbClr val="000000"/>
-              </a:solidFill>
-              <a:latin typeface="Rockwell"/>
+            <a:endParaRPr b="0" lang="en-IE" sz="2000" spc="-1" strike="noStrike">
+              <a:latin typeface="Arial"/>
             </a:endParaRPr>
           </a:p>
           <a:p>
@@ -9130,11 +8801,8 @@
                 <a:tab algn="l" pos="0"/>
               </a:tabLst>
             </a:pPr>
-            <a:endParaRPr b="0" lang="en-US" sz="2000" spc="-1" strike="noStrike">
-              <a:solidFill>
-                <a:srgbClr val="000000"/>
-              </a:solidFill>
-              <a:latin typeface="Rockwell"/>
+            <a:endParaRPr b="0" lang="en-IE" sz="2000" spc="-1" strike="noStrike">
+              <a:latin typeface="Arial"/>
             </a:endParaRPr>
           </a:p>
         </p:txBody>
@@ -9182,18 +8850,18 @@
         <p:spPr>
           <a:xfrm>
             <a:off x="1069920" y="484560"/>
-            <a:ext cx="10058040" cy="1608840"/>
-          </a:xfrm>
-          <a:prstGeom prst="rect">
-            <a:avLst/>
-          </a:prstGeom>
-          <a:noFill/>
-          <a:ln w="0">
-            <a:noFill/>
-          </a:ln>
-        </p:spPr>
-        <p:txBody>
-          <a:bodyPr anchor="ctr">
+            <a:ext cx="10057680" cy="1608480"/>
+          </a:xfrm>
+          <a:prstGeom prst="rect">
+            <a:avLst/>
+          </a:prstGeom>
+          <a:noFill/>
+          <a:ln w="0">
+            <a:noFill/>
+          </a:ln>
+        </p:spPr>
+        <p:txBody>
+          <a:bodyPr lIns="90000" rIns="90000" tIns="45000" bIns="45000" anchor="ctr">
             <a:noAutofit/>
           </a:bodyPr>
           <a:p>
@@ -9209,11 +8877,8 @@
               </a:rPr>
               <a:t>Flask</a:t>
             </a:r>
-            <a:endParaRPr b="0" lang="en-US" sz="5400" spc="-1" strike="noStrike">
-              <a:solidFill>
-                <a:srgbClr val="000000"/>
-              </a:solidFill>
-              <a:latin typeface="Rockwell"/>
+            <a:endParaRPr b="0" lang="en-IE" sz="5400" spc="-1" strike="noStrike">
+              <a:latin typeface="Arial"/>
             </a:endParaRPr>
           </a:p>
         </p:txBody>
@@ -9231,18 +8896,18 @@
         <p:spPr>
           <a:xfrm>
             <a:off x="1069920" y="2121480"/>
-            <a:ext cx="10058040" cy="4050360"/>
-          </a:xfrm>
-          <a:prstGeom prst="rect">
-            <a:avLst/>
-          </a:prstGeom>
-          <a:noFill/>
-          <a:ln w="0">
-            <a:noFill/>
-          </a:ln>
-        </p:spPr>
-        <p:txBody>
-          <a:bodyPr anchor="t">
+            <a:ext cx="10057680" cy="4050000"/>
+          </a:xfrm>
+          <a:prstGeom prst="rect">
+            <a:avLst/>
+          </a:prstGeom>
+          <a:noFill/>
+          <a:ln w="0">
+            <a:noFill/>
+          </a:ln>
+        </p:spPr>
+        <p:txBody>
+          <a:bodyPr lIns="90000" rIns="90000" tIns="45000" bIns="45000" anchor="t">
             <a:noAutofit/>
           </a:bodyPr>
           <a:p>
@@ -9269,11 +8934,8 @@
               </a:rPr>
               <a:t>Aborts and redirects</a:t>
             </a:r>
-            <a:endParaRPr b="0" lang="en-US" sz="2000" spc="-1" strike="noStrike">
-              <a:solidFill>
-                <a:srgbClr val="000000"/>
-              </a:solidFill>
-              <a:latin typeface="Rockwell"/>
+            <a:endParaRPr b="0" lang="en-IE" sz="2000" spc="-1" strike="noStrike">
+              <a:latin typeface="Arial"/>
             </a:endParaRPr>
           </a:p>
           <a:p>
@@ -9286,11 +8948,8 @@
               </a:spcBef>
               <a:buNone/>
             </a:pPr>
-            <a:endParaRPr b="0" lang="en-US" sz="2000" spc="-1" strike="noStrike">
-              <a:solidFill>
-                <a:srgbClr val="000000"/>
-              </a:solidFill>
-              <a:latin typeface="Rockwell"/>
+            <a:endParaRPr b="0" lang="en-IE" sz="2000" spc="-1" strike="noStrike">
+              <a:latin typeface="Arial"/>
             </a:endParaRPr>
           </a:p>
         </p:txBody>
@@ -9304,7 +8963,7 @@
         <p:spPr>
           <a:xfrm>
             <a:off x="1152720" y="2561400"/>
-            <a:ext cx="7449120" cy="2523240"/>
+            <a:ext cx="7448760" cy="2523240"/>
           </a:xfrm>
           <a:prstGeom prst="rect">
             <a:avLst/>
@@ -9350,6 +9009,7 @@
                   <a:srgbClr val="ffffff"/>
                 </a:solidFill>
                 <a:latin typeface="Courier New"/>
+                <a:ea typeface="DejaVu Sans"/>
               </a:rPr>
               <a:t>from flask import abort, redirect, url_for </a:t>
             </a:r>
@@ -9381,6 +9041,7 @@
                   <a:srgbClr val="ffffff"/>
                 </a:solidFill>
                 <a:latin typeface="Courier New"/>
+                <a:ea typeface="DejaVu Sans"/>
               </a:rPr>
               <a:t>@app.route('/') </a:t>
             </a:r>
@@ -9401,6 +9062,7 @@
                   <a:srgbClr val="ffffff"/>
                 </a:solidFill>
                 <a:latin typeface="Courier New"/>
+                <a:ea typeface="DejaVu Sans"/>
               </a:rPr>
               <a:t>def index():</a:t>
             </a:r>
@@ -9421,6 +9083,7 @@
                   <a:srgbClr val="ffffff"/>
                 </a:solidFill>
                 <a:latin typeface="Courier New"/>
+                <a:ea typeface="DejaVu Sans"/>
               </a:rPr>
               <a:t>	</a:t>
             </a:r>
@@ -9430,6 +9093,7 @@
                   <a:srgbClr val="ffffff"/>
                 </a:solidFill>
                 <a:latin typeface="Courier New"/>
+                <a:ea typeface="DejaVu Sans"/>
               </a:rPr>
               <a:t> </a:t>
             </a:r>
@@ -9439,6 +9103,7 @@
                   <a:srgbClr val="ffffff"/>
                 </a:solidFill>
                 <a:latin typeface="Courier New"/>
+                <a:ea typeface="DejaVu Sans"/>
               </a:rPr>
               <a:t>return redirect(url_for('login')) </a:t>
             </a:r>
@@ -9470,6 +9135,7 @@
                   <a:srgbClr val="ffffff"/>
                 </a:solidFill>
                 <a:latin typeface="Courier New"/>
+                <a:ea typeface="DejaVu Sans"/>
               </a:rPr>
               <a:t>@app.route('/login') </a:t>
             </a:r>
@@ -9490,6 +9156,7 @@
                   <a:srgbClr val="ffffff"/>
                 </a:solidFill>
                 <a:latin typeface="Courier New"/>
+                <a:ea typeface="DejaVu Sans"/>
               </a:rPr>
               <a:t>def login(): </a:t>
             </a:r>
@@ -9510,6 +9177,7 @@
                   <a:srgbClr val="ffffff"/>
                 </a:solidFill>
                 <a:latin typeface="Courier New"/>
+                <a:ea typeface="DejaVu Sans"/>
               </a:rPr>
               <a:t>	</a:t>
             </a:r>
@@ -9519,6 +9187,7 @@
                   <a:srgbClr val="ffffff"/>
                 </a:solidFill>
                 <a:latin typeface="Courier New"/>
+                <a:ea typeface="DejaVu Sans"/>
               </a:rPr>
               <a:t>abort(401) </a:t>
             </a:r>
@@ -9539,6 +9208,7 @@
                   <a:srgbClr val="ffffff"/>
                 </a:solidFill>
                 <a:latin typeface="Courier New"/>
+                <a:ea typeface="DejaVu Sans"/>
               </a:rPr>
               <a:t>	</a:t>
             </a:r>
@@ -9548,6 +9218,7 @@
                   <a:srgbClr val="ffffff"/>
                 </a:solidFill>
                 <a:latin typeface="Courier New"/>
+                <a:ea typeface="DejaVu Sans"/>
               </a:rPr>
               <a:t>this_is_never_executed()</a:t>
             </a:r>
@@ -9600,18 +9271,18 @@
         <p:spPr>
           <a:xfrm>
             <a:off x="1069920" y="484560"/>
-            <a:ext cx="10058040" cy="1608840"/>
-          </a:xfrm>
-          <a:prstGeom prst="rect">
-            <a:avLst/>
-          </a:prstGeom>
-          <a:noFill/>
-          <a:ln w="0">
-            <a:noFill/>
-          </a:ln>
-        </p:spPr>
-        <p:txBody>
-          <a:bodyPr anchor="ctr">
+            <a:ext cx="10057680" cy="1608480"/>
+          </a:xfrm>
+          <a:prstGeom prst="rect">
+            <a:avLst/>
+          </a:prstGeom>
+          <a:noFill/>
+          <a:ln w="0">
+            <a:noFill/>
+          </a:ln>
+        </p:spPr>
+        <p:txBody>
+          <a:bodyPr lIns="90000" rIns="90000" tIns="45000" bIns="45000" anchor="ctr">
             <a:noAutofit/>
           </a:bodyPr>
           <a:p>
@@ -9627,11 +9298,8 @@
               </a:rPr>
               <a:t>FLASK</a:t>
             </a:r>
-            <a:endParaRPr b="0" lang="en-US" sz="5400" spc="-1" strike="noStrike">
-              <a:solidFill>
-                <a:srgbClr val="000000"/>
-              </a:solidFill>
-              <a:latin typeface="Rockwell"/>
+            <a:endParaRPr b="0" lang="en-IE" sz="5400" spc="-1" strike="noStrike">
+              <a:latin typeface="Arial"/>
             </a:endParaRPr>
           </a:p>
         </p:txBody>
@@ -9649,18 +9317,18 @@
         <p:spPr>
           <a:xfrm>
             <a:off x="1069920" y="2121480"/>
-            <a:ext cx="10058040" cy="4050360"/>
-          </a:xfrm>
-          <a:prstGeom prst="rect">
-            <a:avLst/>
-          </a:prstGeom>
-          <a:noFill/>
-          <a:ln w="0">
-            <a:noFill/>
-          </a:ln>
-        </p:spPr>
-        <p:txBody>
-          <a:bodyPr anchor="t">
+            <a:ext cx="10057680" cy="4050000"/>
+          </a:xfrm>
+          <a:prstGeom prst="rect">
+            <a:avLst/>
+          </a:prstGeom>
+          <a:noFill/>
+          <a:ln w="0">
+            <a:noFill/>
+          </a:ln>
+        </p:spPr>
+        <p:txBody>
+          <a:bodyPr lIns="90000" rIns="90000" tIns="45000" bIns="45000" anchor="t">
             <a:noAutofit/>
           </a:bodyPr>
           <a:p>
@@ -9687,11 +9355,8 @@
               </a:rPr>
               <a:t>Sessions</a:t>
             </a:r>
-            <a:endParaRPr b="0" lang="en-US" sz="2000" spc="-1" strike="noStrike">
-              <a:solidFill>
-                <a:srgbClr val="000000"/>
-              </a:solidFill>
-              <a:latin typeface="Rockwell"/>
+            <a:endParaRPr b="0" lang="en-IE" sz="2000" spc="-1" strike="noStrike">
+              <a:latin typeface="Arial"/>
             </a:endParaRPr>
           </a:p>
           <a:p>
@@ -9721,11 +9386,8 @@
               </a:rPr>
               <a:t>Allow data to be stored between requests (e.g is a user is logged in)</a:t>
             </a:r>
-            <a:endParaRPr b="0" lang="en-US" sz="1800" spc="-1" strike="noStrike">
-              <a:solidFill>
-                <a:srgbClr val="000000"/>
-              </a:solidFill>
-              <a:latin typeface="Rockwell"/>
+            <a:endParaRPr b="0" lang="en-IE" sz="1800" spc="-1" strike="noStrike">
+              <a:latin typeface="Arial"/>
             </a:endParaRPr>
           </a:p>
           <a:p>
@@ -9755,11 +9417,8 @@
               </a:rPr>
               <a:t>I will go through this in week 10 when I go through authorisation (login)</a:t>
             </a:r>
-            <a:endParaRPr b="0" lang="en-US" sz="1800" spc="-1" strike="noStrike">
-              <a:solidFill>
-                <a:srgbClr val="000000"/>
-              </a:solidFill>
-              <a:latin typeface="Rockwell"/>
+            <a:endParaRPr b="0" lang="en-IE" sz="1800" spc="-1" strike="noStrike">
+              <a:latin typeface="Arial"/>
             </a:endParaRPr>
           </a:p>
           <a:p>
@@ -9786,11 +9445,8 @@
               </a:rPr>
               <a:t>Flashing</a:t>
             </a:r>
-            <a:endParaRPr b="0" lang="en-US" sz="2000" spc="-1" strike="noStrike">
-              <a:solidFill>
-                <a:srgbClr val="000000"/>
-              </a:solidFill>
-              <a:latin typeface="Rockwell"/>
+            <a:endParaRPr b="0" lang="en-IE" sz="2000" spc="-1" strike="noStrike">
+              <a:latin typeface="Arial"/>
             </a:endParaRPr>
           </a:p>
           <a:p>
@@ -9817,11 +9473,8 @@
               </a:rPr>
               <a:t>Logging</a:t>
             </a:r>
-            <a:endParaRPr b="0" lang="en-US" sz="2000" spc="-1" strike="noStrike">
-              <a:solidFill>
-                <a:srgbClr val="000000"/>
-              </a:solidFill>
-              <a:latin typeface="Rockwell"/>
+            <a:endParaRPr b="0" lang="en-IE" sz="2000" spc="-1" strike="noStrike">
+              <a:latin typeface="Arial"/>
             </a:endParaRPr>
           </a:p>
           <a:p>
@@ -9834,11 +9487,8 @@
               </a:spcBef>
               <a:buNone/>
             </a:pPr>
-            <a:endParaRPr b="0" lang="en-US" sz="2000" spc="-1" strike="noStrike">
-              <a:solidFill>
-                <a:srgbClr val="000000"/>
-              </a:solidFill>
-              <a:latin typeface="Rockwell"/>
+            <a:endParaRPr b="0" lang="en-IE" sz="2000" spc="-1" strike="noStrike">
+              <a:latin typeface="Arial"/>
             </a:endParaRPr>
           </a:p>
           <a:p>
@@ -9865,11 +9515,8 @@
               </a:rPr>
               <a:t>More data (link in references)</a:t>
             </a:r>
-            <a:endParaRPr b="0" lang="en-US" sz="2000" spc="-1" strike="noStrike">
-              <a:solidFill>
-                <a:srgbClr val="000000"/>
-              </a:solidFill>
-              <a:latin typeface="Rockwell"/>
+            <a:endParaRPr b="0" lang="en-IE" sz="2000" spc="-1" strike="noStrike">
+              <a:latin typeface="Arial"/>
             </a:endParaRPr>
           </a:p>
           <a:p>
@@ -9895,11 +9542,8 @@
               </a:rPr>
               <a:t>https://buildmedia.readthedocs.org/media/pdf/flask/latest/flask.pdf</a:t>
             </a:r>
-            <a:endParaRPr b="0" lang="en-US" sz="2000" spc="-1" strike="noStrike">
-              <a:solidFill>
-                <a:srgbClr val="000000"/>
-              </a:solidFill>
-              <a:latin typeface="Rockwell"/>
+            <a:endParaRPr b="0" lang="en-IE" sz="2000" spc="-1" strike="noStrike">
+              <a:latin typeface="Arial"/>
             </a:endParaRPr>
           </a:p>
         </p:txBody>
@@ -9947,18 +9591,18 @@
         <p:spPr>
           <a:xfrm>
             <a:off x="1069920" y="484560"/>
-            <a:ext cx="10058040" cy="1608840"/>
-          </a:xfrm>
-          <a:prstGeom prst="rect">
-            <a:avLst/>
-          </a:prstGeom>
-          <a:noFill/>
-          <a:ln w="0">
-            <a:noFill/>
-          </a:ln>
-        </p:spPr>
-        <p:txBody>
-          <a:bodyPr anchor="ctr">
+            <a:ext cx="10057680" cy="1608480"/>
+          </a:xfrm>
+          <a:prstGeom prst="rect">
+            <a:avLst/>
+          </a:prstGeom>
+          <a:noFill/>
+          <a:ln w="0">
+            <a:noFill/>
+          </a:ln>
+        </p:spPr>
+        <p:txBody>
+          <a:bodyPr lIns="90000" rIns="90000" tIns="45000" bIns="45000" anchor="ctr">
             <a:noAutofit/>
           </a:bodyPr>
           <a:p>
@@ -9974,11 +9618,8 @@
               </a:rPr>
               <a:t>Conclusion</a:t>
             </a:r>
-            <a:endParaRPr b="0" lang="en-US" sz="5400" spc="-1" strike="noStrike">
-              <a:solidFill>
-                <a:srgbClr val="000000"/>
-              </a:solidFill>
-              <a:latin typeface="Rockwell"/>
+            <a:endParaRPr b="0" lang="en-IE" sz="5400" spc="-1" strike="noStrike">
+              <a:latin typeface="Arial"/>
             </a:endParaRPr>
           </a:p>
         </p:txBody>
@@ -9996,18 +9637,18 @@
         <p:spPr>
           <a:xfrm>
             <a:off x="1069920" y="2121480"/>
-            <a:ext cx="10058040" cy="4050360"/>
-          </a:xfrm>
-          <a:prstGeom prst="rect">
-            <a:avLst/>
-          </a:prstGeom>
-          <a:noFill/>
-          <a:ln w="0">
-            <a:noFill/>
-          </a:ln>
-        </p:spPr>
-        <p:txBody>
-          <a:bodyPr anchor="t">
+            <a:ext cx="10057680" cy="4050000"/>
+          </a:xfrm>
+          <a:prstGeom prst="rect">
+            <a:avLst/>
+          </a:prstGeom>
+          <a:noFill/>
+          <a:ln w="0">
+            <a:noFill/>
+          </a:ln>
+        </p:spPr>
+        <p:txBody>
+          <a:bodyPr lIns="90000" rIns="90000" tIns="45000" bIns="45000" anchor="t">
             <a:noAutofit/>
           </a:bodyPr>
           <a:p>
@@ -10034,11 +9675,8 @@
               </a:rPr>
               <a:t>Basics of a Flask server</a:t>
             </a:r>
-            <a:endParaRPr b="0" lang="en-US" sz="2000" spc="-1" strike="noStrike">
-              <a:solidFill>
-                <a:srgbClr val="000000"/>
-              </a:solidFill>
-              <a:latin typeface="Rockwell"/>
+            <a:endParaRPr b="0" lang="en-IE" sz="2000" spc="-1" strike="noStrike">
+              <a:latin typeface="Arial"/>
             </a:endParaRPr>
           </a:p>
           <a:p>
@@ -10065,11 +9703,8 @@
               </a:rPr>
               <a:t>More information in the documentation</a:t>
             </a:r>
-            <a:endParaRPr b="0" lang="en-US" sz="2000" spc="-1" strike="noStrike">
-              <a:solidFill>
-                <a:srgbClr val="000000"/>
-              </a:solidFill>
-              <a:latin typeface="Rockwell"/>
+            <a:endParaRPr b="0" lang="en-IE" sz="2000" spc="-1" strike="noStrike">
+              <a:latin typeface="Arial"/>
             </a:endParaRPr>
           </a:p>
           <a:p>
@@ -10096,11 +9731,8 @@
               </a:rPr>
               <a:t>In next lecture I will go through implementing a REST API you have designed.</a:t>
             </a:r>
-            <a:endParaRPr b="0" lang="en-US" sz="2000" spc="-1" strike="noStrike">
-              <a:solidFill>
-                <a:srgbClr val="000000"/>
-              </a:solidFill>
-              <a:latin typeface="Rockwell"/>
+            <a:endParaRPr b="0" lang="en-IE" sz="2000" spc="-1" strike="noStrike">
+              <a:latin typeface="Arial"/>
             </a:endParaRPr>
           </a:p>
           <a:p>
@@ -10127,11 +9759,8 @@
               </a:rPr>
               <a:t>Useful for the project</a:t>
             </a:r>
-            <a:endParaRPr b="0" lang="en-US" sz="2000" spc="-1" strike="noStrike">
-              <a:solidFill>
-                <a:srgbClr val="000000"/>
-              </a:solidFill>
-              <a:latin typeface="Rockwell"/>
+            <a:endParaRPr b="0" lang="en-IE" sz="2000" spc="-1" strike="noStrike">
+              <a:latin typeface="Arial"/>
             </a:endParaRPr>
           </a:p>
         </p:txBody>
